--- a/PRESENTATION/Projet5.pptx
+++ b/PRESENTATION/Projet5.pptx
@@ -5,18 +5,20 @@
     <p:sldMasterId id="2147483648" r:id="rId1"/>
   </p:sldMasterIdLst>
   <p:notesMasterIdLst>
-    <p:notesMasterId r:id="rId8"/>
+    <p:notesMasterId r:id="rId10"/>
   </p:notesMasterIdLst>
   <p:handoutMasterIdLst>
-    <p:handoutMasterId r:id="rId9"/>
+    <p:handoutMasterId r:id="rId11"/>
   </p:handoutMasterIdLst>
   <p:sldIdLst>
     <p:sldId id="278" r:id="rId2"/>
     <p:sldId id="339" r:id="rId3"/>
     <p:sldId id="258" r:id="rId4"/>
     <p:sldId id="342" r:id="rId5"/>
-    <p:sldId id="285" r:id="rId6"/>
-    <p:sldId id="359" r:id="rId7"/>
+    <p:sldId id="360" r:id="rId6"/>
+    <p:sldId id="361" r:id="rId7"/>
+    <p:sldId id="285" r:id="rId8"/>
+    <p:sldId id="359" r:id="rId9"/>
   </p:sldIdLst>
   <p:sldSz cx="9144000" cy="6858000" type="screen4x3"/>
   <p:notesSz cx="6858000" cy="9144000"/>
@@ -200,7 +202,7 @@
           <a:p>
             <a:fld id="{57ED8D38-08F1-4F61-B916-B7ECFC3A7ADF}" type="datetimeFigureOut">
               <a:rPr lang="fr-FR" smtClean="0"/>
-              <a:t>07/09/2020</a:t>
+              <a:t>18/09/2020</a:t>
             </a:fld>
             <a:endParaRPr lang="fr-FR"/>
           </a:p>
@@ -365,7 +367,7 @@
           <a:p>
             <a:fld id="{DB91E950-E7C0-4AB1-98FE-263150A09AFE}" type="datetimeFigureOut">
               <a:rPr lang="fr-FR" smtClean="0"/>
-              <a:t>07/09/2020</a:t>
+              <a:t>18/09/2020</a:t>
             </a:fld>
             <a:endParaRPr lang="fr-FR"/>
           </a:p>
@@ -3822,15 +3824,7 @@
                 <a:ea typeface="Yu Gothic" panose="020B0400000000000000" pitchFamily="34" charset="-128"/>
                 <a:cs typeface="Arimo" panose="020B0604020202020204" pitchFamily="34" charset="0"/>
               </a:rPr>
-              <a:t>Projet </a:t>
-            </a:r>
-            <a:r>
-              <a:rPr lang="fr-FR" sz="3600" smtClean="0">
-                <a:latin typeface="Yu Gothic" panose="020B0400000000000000" pitchFamily="34" charset="-128"/>
-                <a:ea typeface="Yu Gothic" panose="020B0400000000000000" pitchFamily="34" charset="-128"/>
-                <a:cs typeface="Arimo" panose="020B0604020202020204" pitchFamily="34" charset="0"/>
-              </a:rPr>
-              <a:t>5</a:t>
+              <a:t>Projet 5</a:t>
             </a:r>
             <a:endParaRPr lang="fr-FR" sz="3600">
               <a:latin typeface="Yu Gothic" panose="020B0400000000000000" pitchFamily="34" charset="-128"/>
@@ -4144,38 +4138,8 @@
                 <a:ea typeface="Yu Gothic UI Semilight" panose="020B0400000000000000" pitchFamily="34" charset="-128"/>
                 <a:cs typeface="Segoe UI" panose="020B0502040204020203" pitchFamily="34" charset="0"/>
               </a:rPr>
-              <a:t>Scientist  |  </a:t>
-            </a:r>
-            <a:r>
-              <a:rPr lang="fr-FR" sz="2400" smtClean="0">
-                <a:solidFill>
-                  <a:schemeClr val="tx1"/>
-                </a:solidFill>
-                <a:latin typeface="Yu Gothic UI Semilight" panose="020B0400000000000000" pitchFamily="34" charset="-128"/>
-                <a:ea typeface="Yu Gothic UI Semilight" panose="020B0400000000000000" pitchFamily="34" charset="-128"/>
-                <a:cs typeface="Segoe UI" panose="020B0502040204020203" pitchFamily="34" charset="0"/>
-              </a:rPr>
-              <a:t>__</a:t>
-            </a:r>
-            <a:r>
-              <a:rPr lang="fr-FR" sz="2400" smtClean="0">
-                <a:solidFill>
-                  <a:schemeClr val="tx1"/>
-                </a:solidFill>
-                <a:latin typeface="Yu Gothic UI Semilight" panose="020B0400000000000000" pitchFamily="34" charset="-128"/>
-                <a:ea typeface="Yu Gothic UI Semilight" panose="020B0400000000000000" pitchFamily="34" charset="-128"/>
-                <a:cs typeface="Segoe UI" panose="020B0502040204020203" pitchFamily="34" charset="0"/>
-              </a:rPr>
-              <a:t>/09/20  </a:t>
-            </a:r>
-            <a:endParaRPr lang="fr-FR" sz="2400" smtClean="0">
-              <a:solidFill>
-                <a:schemeClr val="tx1"/>
-              </a:solidFill>
-              <a:latin typeface="Yu Gothic UI Semilight" panose="020B0400000000000000" pitchFamily="34" charset="-128"/>
-              <a:ea typeface="Yu Gothic UI Semilight" panose="020B0400000000000000" pitchFamily="34" charset="-128"/>
-              <a:cs typeface="Segoe UI" panose="020B0502040204020203" pitchFamily="34" charset="0"/>
-            </a:endParaRPr>
+              <a:t>Scientist  |  __/09/20  </a:t>
+            </a:r>
           </a:p>
           <a:p>
             <a:endParaRPr lang="fr-FR" sz="2400">
@@ -4947,7 +4911,7 @@
       </p:sp>
       <p:grpSp>
         <p:nvGrpSpPr>
-          <p:cNvPr id="12" name="Groupe 11"/>
+          <p:cNvPr id="16" name="Groupe 15"/>
           <p:cNvGrpSpPr/>
           <p:nvPr/>
         </p:nvGrpSpPr>
@@ -4961,7 +4925,7 @@
         </p:grpSpPr>
         <p:sp>
           <p:nvSpPr>
-            <p:cNvPr id="13" name="Rectangle 12"/>
+            <p:cNvPr id="18" name="Rectangle 17"/>
             <p:cNvSpPr/>
             <p:nvPr/>
           </p:nvSpPr>
@@ -4974,9 +4938,7 @@
               <a:avLst/>
             </a:prstGeom>
             <a:solidFill>
-              <a:schemeClr val="accent1">
-                <a:lumMod val="75000"/>
-              </a:schemeClr>
+              <a:srgbClr val="00CCFF"/>
             </a:solidFill>
             <a:ln w="6350">
               <a:solidFill>
@@ -5007,16 +4969,13 @@
             <a:lstStyle/>
             <a:p>
               <a:pPr algn="ctr"/>
-              <a:endParaRPr lang="fr-FR">
-                <a:latin typeface="Yu Gothic UI Light" panose="020B0300000000000000" pitchFamily="34" charset="-128"/>
-                <a:ea typeface="Yu Gothic UI Light" panose="020B0300000000000000" pitchFamily="34" charset="-128"/>
-              </a:endParaRPr>
+              <a:endParaRPr lang="fr-FR"/>
             </a:p>
           </p:txBody>
         </p:sp>
         <p:sp>
           <p:nvSpPr>
-            <p:cNvPr id="14" name="Rectangle 13"/>
+            <p:cNvPr id="19" name="Rectangle 18"/>
             <p:cNvSpPr/>
             <p:nvPr/>
           </p:nvSpPr>
@@ -5062,16 +5021,13 @@
             <a:lstStyle/>
             <a:p>
               <a:pPr algn="ctr"/>
-              <a:endParaRPr lang="fr-FR">
-                <a:latin typeface="Yu Gothic UI Light" panose="020B0300000000000000" pitchFamily="34" charset="-128"/>
-                <a:ea typeface="Yu Gothic UI Light" panose="020B0300000000000000" pitchFamily="34" charset="-128"/>
-              </a:endParaRPr>
+              <a:endParaRPr lang="fr-FR"/>
             </a:p>
           </p:txBody>
         </p:sp>
         <p:sp>
           <p:nvSpPr>
-            <p:cNvPr id="15" name="Rectangle 14"/>
+            <p:cNvPr id="20" name="Rectangle 19"/>
             <p:cNvSpPr/>
             <p:nvPr/>
           </p:nvSpPr>
@@ -5117,16 +5073,13 @@
             <a:lstStyle/>
             <a:p>
               <a:pPr algn="ctr"/>
-              <a:endParaRPr lang="fr-FR">
-                <a:latin typeface="Yu Gothic UI Light" panose="020B0300000000000000" pitchFamily="34" charset="-128"/>
-                <a:ea typeface="Yu Gothic UI Light" panose="020B0300000000000000" pitchFamily="34" charset="-128"/>
-              </a:endParaRPr>
+              <a:endParaRPr lang="fr-FR"/>
             </a:p>
           </p:txBody>
         </p:sp>
         <p:sp>
           <p:nvSpPr>
-            <p:cNvPr id="17" name="Rectangle 16"/>
+            <p:cNvPr id="21" name="Rectangle 20"/>
             <p:cNvSpPr/>
             <p:nvPr/>
           </p:nvSpPr>
@@ -5172,10 +5125,7 @@
             <a:lstStyle/>
             <a:p>
               <a:pPr algn="ctr"/>
-              <a:endParaRPr lang="fr-FR">
-                <a:latin typeface="Yu Gothic UI Light" panose="020B0300000000000000" pitchFamily="34" charset="-128"/>
-                <a:ea typeface="Yu Gothic UI Light" panose="020B0300000000000000" pitchFamily="34" charset="-128"/>
-              </a:endParaRPr>
+              <a:endParaRPr lang="fr-FR"/>
             </a:p>
           </p:txBody>
         </p:sp>
@@ -5743,7 +5693,7 @@
             </a:pPr>
             <a:r>
               <a:rPr lang="fr-FR" sz="2800" smtClean="0">
-                <a:latin typeface="Yu Gothic UI Light" panose="020B0300000000000000" pitchFamily="34" charset="-128"/>
+                <a:latin typeface="+mj-lt"/>
                 <a:ea typeface="Yu Gothic UI Light" panose="020B0300000000000000" pitchFamily="34" charset="-128"/>
                 <a:cs typeface="Segoe UI" panose="020B0502040204020203" pitchFamily="34" charset="0"/>
               </a:rPr>
@@ -5769,7 +5719,7 @@
             </a:pPr>
             <a:r>
               <a:rPr lang="fr-FR" sz="2800" smtClean="0">
-                <a:latin typeface="+mj-lt"/>
+                <a:latin typeface="Yu Gothic UI Light" panose="020B0300000000000000" pitchFamily="34" charset="-128"/>
                 <a:ea typeface="Yu Gothic UI Light" panose="020B0300000000000000" pitchFamily="34" charset="-128"/>
                 <a:cs typeface="Segoe UI" panose="020B0502040204020203" pitchFamily="34" charset="0"/>
               </a:rPr>
@@ -5787,36 +5737,269 @@
       </p:sp>
       <p:grpSp>
         <p:nvGrpSpPr>
-          <p:cNvPr id="12" name="Groupe 11"/>
+          <p:cNvPr id="2" name="Groupe 1"/>
           <p:cNvGrpSpPr/>
           <p:nvPr/>
         </p:nvGrpSpPr>
         <p:grpSpPr>
           <a:xfrm>
             <a:off x="8288350" y="3135701"/>
-            <a:ext cx="244090" cy="2085523"/>
-            <a:chOff x="8648390" y="4292733"/>
-            <a:chExt cx="144016" cy="864096"/>
+            <a:ext cx="244091" cy="2085523"/>
+            <a:chOff x="8288350" y="3135701"/>
+            <a:chExt cx="244091" cy="2085523"/>
           </a:xfrm>
         </p:grpSpPr>
+        <p:grpSp>
+          <p:nvGrpSpPr>
+            <p:cNvPr id="12" name="Groupe 11"/>
+            <p:cNvGrpSpPr/>
+            <p:nvPr/>
+          </p:nvGrpSpPr>
+          <p:grpSpPr>
+            <a:xfrm>
+              <a:off x="8288350" y="3135701"/>
+              <a:ext cx="244090" cy="2085523"/>
+              <a:chOff x="8648390" y="4292733"/>
+              <a:chExt cx="144016" cy="864096"/>
+            </a:xfrm>
+          </p:grpSpPr>
+          <p:sp>
+            <p:nvSpPr>
+              <p:cNvPr id="13" name="Rectangle 12"/>
+              <p:cNvSpPr/>
+              <p:nvPr/>
+            </p:nvSpPr>
+            <p:spPr>
+              <a:xfrm>
+                <a:off x="8648390" y="4292733"/>
+                <a:ext cx="144016" cy="216024"/>
+              </a:xfrm>
+              <a:prstGeom prst="rect">
+                <a:avLst/>
+              </a:prstGeom>
+              <a:solidFill>
+                <a:schemeClr val="bg1">
+                  <a:lumMod val="50000"/>
+                </a:schemeClr>
+              </a:solidFill>
+              <a:ln w="6350">
+                <a:solidFill>
+                  <a:schemeClr val="bg1">
+                    <a:lumMod val="65000"/>
+                  </a:schemeClr>
+                </a:solidFill>
+              </a:ln>
+            </p:spPr>
+            <p:style>
+              <a:lnRef idx="2">
+                <a:schemeClr val="accent1">
+                  <a:shade val="50000"/>
+                </a:schemeClr>
+              </a:lnRef>
+              <a:fillRef idx="1">
+                <a:schemeClr val="accent1"/>
+              </a:fillRef>
+              <a:effectRef idx="0">
+                <a:schemeClr val="accent1"/>
+              </a:effectRef>
+              <a:fontRef idx="minor">
+                <a:schemeClr val="lt1"/>
+              </a:fontRef>
+            </p:style>
+            <p:txBody>
+              <a:bodyPr rtlCol="0" anchor="ctr"/>
+              <a:lstStyle/>
+              <a:p>
+                <a:pPr algn="ctr"/>
+                <a:endParaRPr lang="fr-FR">
+                  <a:latin typeface="Yu Gothic UI Light" panose="020B0300000000000000" pitchFamily="34" charset="-128"/>
+                  <a:ea typeface="Yu Gothic UI Light" panose="020B0300000000000000" pitchFamily="34" charset="-128"/>
+                </a:endParaRPr>
+              </a:p>
+            </p:txBody>
+          </p:sp>
+          <p:sp>
+            <p:nvSpPr>
+              <p:cNvPr id="14" name="Rectangle 13"/>
+              <p:cNvSpPr/>
+              <p:nvPr/>
+            </p:nvSpPr>
+            <p:spPr>
+              <a:xfrm>
+                <a:off x="8648390" y="4508757"/>
+                <a:ext cx="144016" cy="216024"/>
+              </a:xfrm>
+              <a:prstGeom prst="rect">
+                <a:avLst/>
+              </a:prstGeom>
+              <a:solidFill>
+                <a:schemeClr val="bg1">
+                  <a:lumMod val="50000"/>
+                </a:schemeClr>
+              </a:solidFill>
+              <a:ln w="6350">
+                <a:solidFill>
+                  <a:schemeClr val="bg1">
+                    <a:lumMod val="65000"/>
+                  </a:schemeClr>
+                </a:solidFill>
+              </a:ln>
+            </p:spPr>
+            <p:style>
+              <a:lnRef idx="2">
+                <a:schemeClr val="accent1">
+                  <a:shade val="50000"/>
+                </a:schemeClr>
+              </a:lnRef>
+              <a:fillRef idx="1">
+                <a:schemeClr val="accent1"/>
+              </a:fillRef>
+              <a:effectRef idx="0">
+                <a:schemeClr val="accent1"/>
+              </a:effectRef>
+              <a:fontRef idx="minor">
+                <a:schemeClr val="lt1"/>
+              </a:fontRef>
+            </p:style>
+            <p:txBody>
+              <a:bodyPr rtlCol="0" anchor="ctr"/>
+              <a:lstStyle/>
+              <a:p>
+                <a:pPr algn="ctr"/>
+                <a:endParaRPr lang="fr-FR">
+                  <a:latin typeface="Yu Gothic UI Light" panose="020B0300000000000000" pitchFamily="34" charset="-128"/>
+                  <a:ea typeface="Yu Gothic UI Light" panose="020B0300000000000000" pitchFamily="34" charset="-128"/>
+                </a:endParaRPr>
+              </a:p>
+            </p:txBody>
+          </p:sp>
+          <p:sp>
+            <p:nvSpPr>
+              <p:cNvPr id="15" name="Rectangle 14"/>
+              <p:cNvSpPr/>
+              <p:nvPr/>
+            </p:nvSpPr>
+            <p:spPr>
+              <a:xfrm>
+                <a:off x="8648390" y="4724781"/>
+                <a:ext cx="144016" cy="216024"/>
+              </a:xfrm>
+              <a:prstGeom prst="rect">
+                <a:avLst/>
+              </a:prstGeom>
+              <a:solidFill>
+                <a:schemeClr val="bg1">
+                  <a:lumMod val="50000"/>
+                </a:schemeClr>
+              </a:solidFill>
+              <a:ln w="6350">
+                <a:solidFill>
+                  <a:schemeClr val="bg1">
+                    <a:lumMod val="65000"/>
+                  </a:schemeClr>
+                </a:solidFill>
+              </a:ln>
+            </p:spPr>
+            <p:style>
+              <a:lnRef idx="2">
+                <a:schemeClr val="accent1">
+                  <a:shade val="50000"/>
+                </a:schemeClr>
+              </a:lnRef>
+              <a:fillRef idx="1">
+                <a:schemeClr val="accent1"/>
+              </a:fillRef>
+              <a:effectRef idx="0">
+                <a:schemeClr val="accent1"/>
+              </a:effectRef>
+              <a:fontRef idx="minor">
+                <a:schemeClr val="lt1"/>
+              </a:fontRef>
+            </p:style>
+            <p:txBody>
+              <a:bodyPr rtlCol="0" anchor="ctr"/>
+              <a:lstStyle/>
+              <a:p>
+                <a:pPr algn="ctr"/>
+                <a:endParaRPr lang="fr-FR">
+                  <a:latin typeface="Yu Gothic UI Light" panose="020B0300000000000000" pitchFamily="34" charset="-128"/>
+                  <a:ea typeface="Yu Gothic UI Light" panose="020B0300000000000000" pitchFamily="34" charset="-128"/>
+                </a:endParaRPr>
+              </a:p>
+            </p:txBody>
+          </p:sp>
+          <p:sp>
+            <p:nvSpPr>
+              <p:cNvPr id="17" name="Rectangle 16"/>
+              <p:cNvSpPr/>
+              <p:nvPr/>
+            </p:nvSpPr>
+            <p:spPr>
+              <a:xfrm>
+                <a:off x="8648390" y="4940805"/>
+                <a:ext cx="144016" cy="216024"/>
+              </a:xfrm>
+              <a:prstGeom prst="rect">
+                <a:avLst/>
+              </a:prstGeom>
+              <a:solidFill>
+                <a:schemeClr val="bg1">
+                  <a:lumMod val="50000"/>
+                </a:schemeClr>
+              </a:solidFill>
+              <a:ln w="6350">
+                <a:solidFill>
+                  <a:schemeClr val="bg1">
+                    <a:lumMod val="65000"/>
+                  </a:schemeClr>
+                </a:solidFill>
+              </a:ln>
+            </p:spPr>
+            <p:style>
+              <a:lnRef idx="2">
+                <a:schemeClr val="accent1">
+                  <a:shade val="50000"/>
+                </a:schemeClr>
+              </a:lnRef>
+              <a:fillRef idx="1">
+                <a:schemeClr val="accent1"/>
+              </a:fillRef>
+              <a:effectRef idx="0">
+                <a:schemeClr val="accent1"/>
+              </a:effectRef>
+              <a:fontRef idx="minor">
+                <a:schemeClr val="lt1"/>
+              </a:fontRef>
+            </p:style>
+            <p:txBody>
+              <a:bodyPr rtlCol="0" anchor="ctr"/>
+              <a:lstStyle/>
+              <a:p>
+                <a:pPr algn="ctr"/>
+                <a:endParaRPr lang="fr-FR">
+                  <a:latin typeface="Yu Gothic UI Light" panose="020B0300000000000000" pitchFamily="34" charset="-128"/>
+                  <a:ea typeface="Yu Gothic UI Light" panose="020B0300000000000000" pitchFamily="34" charset="-128"/>
+                </a:endParaRPr>
+              </a:p>
+            </p:txBody>
+          </p:sp>
+        </p:grpSp>
         <p:sp>
           <p:nvSpPr>
-            <p:cNvPr id="13" name="Rectangle 12"/>
+            <p:cNvPr id="19" name="Rectangle 18"/>
             <p:cNvSpPr/>
             <p:nvPr/>
           </p:nvSpPr>
           <p:spPr>
             <a:xfrm>
-              <a:off x="8648390" y="4292733"/>
-              <a:ext cx="144016" cy="216024"/>
+              <a:off x="8288351" y="3657087"/>
+              <a:ext cx="244090" cy="521381"/>
             </a:xfrm>
             <a:prstGeom prst="rect">
               <a:avLst/>
             </a:prstGeom>
             <a:solidFill>
-              <a:schemeClr val="bg1">
-                <a:lumMod val="50000"/>
-              </a:schemeClr>
+              <a:srgbClr val="00153E"/>
             </a:solidFill>
             <a:ln w="6350">
               <a:solidFill>
@@ -5847,175 +6030,7 @@
             <a:lstStyle/>
             <a:p>
               <a:pPr algn="ctr"/>
-              <a:endParaRPr lang="fr-FR">
-                <a:latin typeface="Yu Gothic UI Light" panose="020B0300000000000000" pitchFamily="34" charset="-128"/>
-                <a:ea typeface="Yu Gothic UI Light" panose="020B0300000000000000" pitchFamily="34" charset="-128"/>
-              </a:endParaRPr>
-            </a:p>
-          </p:txBody>
-        </p:sp>
-        <p:sp>
-          <p:nvSpPr>
-            <p:cNvPr id="14" name="Rectangle 13"/>
-            <p:cNvSpPr/>
-            <p:nvPr/>
-          </p:nvSpPr>
-          <p:spPr>
-            <a:xfrm>
-              <a:off x="8648390" y="4508757"/>
-              <a:ext cx="144016" cy="216024"/>
-            </a:xfrm>
-            <a:prstGeom prst="rect">
-              <a:avLst/>
-            </a:prstGeom>
-            <a:solidFill>
-              <a:schemeClr val="bg1">
-                <a:lumMod val="50000"/>
-              </a:schemeClr>
-            </a:solidFill>
-            <a:ln w="6350">
-              <a:solidFill>
-                <a:schemeClr val="bg1">
-                  <a:lumMod val="65000"/>
-                </a:schemeClr>
-              </a:solidFill>
-            </a:ln>
-          </p:spPr>
-          <p:style>
-            <a:lnRef idx="2">
-              <a:schemeClr val="accent1">
-                <a:shade val="50000"/>
-              </a:schemeClr>
-            </a:lnRef>
-            <a:fillRef idx="1">
-              <a:schemeClr val="accent1"/>
-            </a:fillRef>
-            <a:effectRef idx="0">
-              <a:schemeClr val="accent1"/>
-            </a:effectRef>
-            <a:fontRef idx="minor">
-              <a:schemeClr val="lt1"/>
-            </a:fontRef>
-          </p:style>
-          <p:txBody>
-            <a:bodyPr rtlCol="0" anchor="ctr"/>
-            <a:lstStyle/>
-            <a:p>
-              <a:pPr algn="ctr"/>
-              <a:endParaRPr lang="fr-FR">
-                <a:latin typeface="Yu Gothic UI Light" panose="020B0300000000000000" pitchFamily="34" charset="-128"/>
-                <a:ea typeface="Yu Gothic UI Light" panose="020B0300000000000000" pitchFamily="34" charset="-128"/>
-              </a:endParaRPr>
-            </a:p>
-          </p:txBody>
-        </p:sp>
-        <p:sp>
-          <p:nvSpPr>
-            <p:cNvPr id="15" name="Rectangle 14"/>
-            <p:cNvSpPr/>
-            <p:nvPr/>
-          </p:nvSpPr>
-          <p:spPr>
-            <a:xfrm>
-              <a:off x="8648390" y="4724781"/>
-              <a:ext cx="144016" cy="216024"/>
-            </a:xfrm>
-            <a:prstGeom prst="rect">
-              <a:avLst/>
-            </a:prstGeom>
-            <a:solidFill>
-              <a:schemeClr val="bg1">
-                <a:lumMod val="50000"/>
-              </a:schemeClr>
-            </a:solidFill>
-            <a:ln w="6350">
-              <a:solidFill>
-                <a:schemeClr val="bg1">
-                  <a:lumMod val="65000"/>
-                </a:schemeClr>
-              </a:solidFill>
-            </a:ln>
-          </p:spPr>
-          <p:style>
-            <a:lnRef idx="2">
-              <a:schemeClr val="accent1">
-                <a:shade val="50000"/>
-              </a:schemeClr>
-            </a:lnRef>
-            <a:fillRef idx="1">
-              <a:schemeClr val="accent1"/>
-            </a:fillRef>
-            <a:effectRef idx="0">
-              <a:schemeClr val="accent1"/>
-            </a:effectRef>
-            <a:fontRef idx="minor">
-              <a:schemeClr val="lt1"/>
-            </a:fontRef>
-          </p:style>
-          <p:txBody>
-            <a:bodyPr rtlCol="0" anchor="ctr"/>
-            <a:lstStyle/>
-            <a:p>
-              <a:pPr algn="ctr"/>
-              <a:endParaRPr lang="fr-FR">
-                <a:latin typeface="Yu Gothic UI Light" panose="020B0300000000000000" pitchFamily="34" charset="-128"/>
-                <a:ea typeface="Yu Gothic UI Light" panose="020B0300000000000000" pitchFamily="34" charset="-128"/>
-              </a:endParaRPr>
-            </a:p>
-          </p:txBody>
-        </p:sp>
-        <p:sp>
-          <p:nvSpPr>
-            <p:cNvPr id="17" name="Rectangle 16"/>
-            <p:cNvSpPr/>
-            <p:nvPr/>
-          </p:nvSpPr>
-          <p:spPr>
-            <a:xfrm>
-              <a:off x="8648390" y="4940805"/>
-              <a:ext cx="144016" cy="216024"/>
-            </a:xfrm>
-            <a:prstGeom prst="rect">
-              <a:avLst/>
-            </a:prstGeom>
-            <a:solidFill>
-              <a:schemeClr val="accent4">
-                <a:lumMod val="75000"/>
-              </a:schemeClr>
-            </a:solidFill>
-            <a:ln w="6350">
-              <a:solidFill>
-                <a:schemeClr val="bg1">
-                  <a:lumMod val="65000"/>
-                </a:schemeClr>
-              </a:solidFill>
-            </a:ln>
-          </p:spPr>
-          <p:style>
-            <a:lnRef idx="2">
-              <a:schemeClr val="accent1">
-                <a:shade val="50000"/>
-              </a:schemeClr>
-            </a:lnRef>
-            <a:fillRef idx="1">
-              <a:schemeClr val="accent1"/>
-            </a:fillRef>
-            <a:effectRef idx="0">
-              <a:schemeClr val="accent1"/>
-            </a:effectRef>
-            <a:fontRef idx="minor">
-              <a:schemeClr val="lt1"/>
-            </a:fontRef>
-          </p:style>
-          <p:txBody>
-            <a:bodyPr rtlCol="0" anchor="ctr"/>
-            <a:lstStyle/>
-            <a:p>
-              <a:pPr algn="ctr"/>
-              <a:endParaRPr lang="fr-FR">
-                <a:latin typeface="Yu Gothic UI Light" panose="020B0300000000000000" pitchFamily="34" charset="-128"/>
-                <a:ea typeface="Yu Gothic UI Light" panose="020B0300000000000000" pitchFamily="34" charset="-128"/>
-              </a:endParaRPr>
+              <a:endParaRPr lang="fr-FR"/>
             </a:p>
           </p:txBody>
         </p:sp>
@@ -6059,6 +6074,1256 @@
       </p:grpSpPr>
       <p:sp>
         <p:nvSpPr>
+          <p:cNvPr id="4" name="Espace réservé de la date 3"/>
+          <p:cNvSpPr>
+            <a:spLocks noGrp="1"/>
+          </p:cNvSpPr>
+          <p:nvPr>
+            <p:ph type="dt" sz="half" idx="10"/>
+          </p:nvPr>
+        </p:nvSpPr>
+        <p:spPr/>
+        <p:txBody>
+          <a:bodyPr/>
+          <a:lstStyle/>
+          <a:p>
+            <a:r>
+              <a:rPr lang="fr-FR" smtClean="0"/>
+              <a:t>17/06/2020</a:t>
+            </a:r>
+            <a:endParaRPr lang="fr-FR"/>
+          </a:p>
+        </p:txBody>
+      </p:sp>
+      <p:sp>
+        <p:nvSpPr>
+          <p:cNvPr id="5" name="Espace réservé du pied de page 4"/>
+          <p:cNvSpPr>
+            <a:spLocks noGrp="1"/>
+          </p:cNvSpPr>
+          <p:nvPr>
+            <p:ph type="ftr" sz="quarter" idx="11"/>
+          </p:nvPr>
+        </p:nvSpPr>
+        <p:spPr/>
+        <p:txBody>
+          <a:bodyPr/>
+          <a:lstStyle/>
+          <a:p>
+            <a:r>
+              <a:rPr lang="fr-FR" smtClean="0"/>
+              <a:t>Maryse Muller | Parcours Data Scientist</a:t>
+            </a:r>
+            <a:endParaRPr lang="fr-FR"/>
+          </a:p>
+        </p:txBody>
+      </p:sp>
+      <p:sp>
+        <p:nvSpPr>
+          <p:cNvPr id="6" name="Espace réservé du numéro de diapositive 5"/>
+          <p:cNvSpPr>
+            <a:spLocks noGrp="1"/>
+          </p:cNvSpPr>
+          <p:nvPr>
+            <p:ph type="sldNum" sz="quarter" idx="12"/>
+          </p:nvPr>
+        </p:nvSpPr>
+        <p:spPr/>
+        <p:txBody>
+          <a:bodyPr/>
+          <a:lstStyle/>
+          <a:p>
+            <a:fld id="{D384C430-F8FC-4B07-B0BC-750FA1B3CF0A}" type="slidenum">
+              <a:rPr lang="fr-FR" smtClean="0"/>
+              <a:t>5</a:t>
+            </a:fld>
+            <a:endParaRPr lang="fr-FR"/>
+          </a:p>
+        </p:txBody>
+      </p:sp>
+      <p:sp>
+        <p:nvSpPr>
+          <p:cNvPr id="11" name="Sous-titre 2"/>
+          <p:cNvSpPr txBox="1">
+            <a:spLocks/>
+          </p:cNvSpPr>
+          <p:nvPr/>
+        </p:nvSpPr>
+        <p:spPr>
+          <a:xfrm>
+            <a:off x="3720783" y="3160318"/>
+            <a:ext cx="4496544" cy="2131990"/>
+          </a:xfrm>
+          <a:prstGeom prst="rect">
+            <a:avLst/>
+          </a:prstGeom>
+        </p:spPr>
+        <p:txBody>
+          <a:bodyPr>
+            <a:noAutofit/>
+          </a:bodyPr>
+          <a:lstStyle>
+            <a:lvl1pPr marL="342900" indent="-342900" algn="l" defTabSz="914400" rtl="0" eaLnBrk="1" latinLnBrk="0" hangingPunct="1">
+              <a:spcBef>
+                <a:spcPct val="20000"/>
+              </a:spcBef>
+              <a:buFont typeface="Arial" panose="020B0604020202020204" pitchFamily="34" charset="0"/>
+              <a:buChar char="•"/>
+              <a:defRPr sz="3200" kern="1200">
+                <a:solidFill>
+                  <a:schemeClr val="tx1"/>
+                </a:solidFill>
+                <a:latin typeface="+mn-lt"/>
+                <a:ea typeface="+mn-ea"/>
+                <a:cs typeface="+mn-cs"/>
+              </a:defRPr>
+            </a:lvl1pPr>
+            <a:lvl2pPr marL="742950" indent="-285750" algn="l" defTabSz="914400" rtl="0" eaLnBrk="1" latinLnBrk="0" hangingPunct="1">
+              <a:spcBef>
+                <a:spcPct val="20000"/>
+              </a:spcBef>
+              <a:buFont typeface="Arial" panose="020B0604020202020204" pitchFamily="34" charset="0"/>
+              <a:buChar char="–"/>
+              <a:defRPr sz="2800" kern="1200">
+                <a:solidFill>
+                  <a:schemeClr val="tx1"/>
+                </a:solidFill>
+                <a:latin typeface="+mn-lt"/>
+                <a:ea typeface="+mn-ea"/>
+                <a:cs typeface="+mn-cs"/>
+              </a:defRPr>
+            </a:lvl2pPr>
+            <a:lvl3pPr marL="1143000" indent="-228600" algn="l" defTabSz="914400" rtl="0" eaLnBrk="1" latinLnBrk="0" hangingPunct="1">
+              <a:spcBef>
+                <a:spcPct val="20000"/>
+              </a:spcBef>
+              <a:buFont typeface="Arial" panose="020B0604020202020204" pitchFamily="34" charset="0"/>
+              <a:buChar char="•"/>
+              <a:defRPr sz="2400" kern="1200">
+                <a:solidFill>
+                  <a:schemeClr val="tx1"/>
+                </a:solidFill>
+                <a:latin typeface="+mn-lt"/>
+                <a:ea typeface="+mn-ea"/>
+                <a:cs typeface="+mn-cs"/>
+              </a:defRPr>
+            </a:lvl3pPr>
+            <a:lvl4pPr marL="1600200" indent="-228600" algn="l" defTabSz="914400" rtl="0" eaLnBrk="1" latinLnBrk="0" hangingPunct="1">
+              <a:spcBef>
+                <a:spcPct val="20000"/>
+              </a:spcBef>
+              <a:buFont typeface="Arial" panose="020B0604020202020204" pitchFamily="34" charset="0"/>
+              <a:buChar char="–"/>
+              <a:defRPr sz="2000" kern="1200">
+                <a:solidFill>
+                  <a:schemeClr val="tx1"/>
+                </a:solidFill>
+                <a:latin typeface="+mn-lt"/>
+                <a:ea typeface="+mn-ea"/>
+                <a:cs typeface="+mn-cs"/>
+              </a:defRPr>
+            </a:lvl4pPr>
+            <a:lvl5pPr marL="2057400" indent="-228600" algn="l" defTabSz="914400" rtl="0" eaLnBrk="1" latinLnBrk="0" hangingPunct="1">
+              <a:spcBef>
+                <a:spcPct val="20000"/>
+              </a:spcBef>
+              <a:buFont typeface="Arial" panose="020B0604020202020204" pitchFamily="34" charset="0"/>
+              <a:buChar char="»"/>
+              <a:defRPr sz="2000" kern="1200">
+                <a:solidFill>
+                  <a:schemeClr val="tx1"/>
+                </a:solidFill>
+                <a:latin typeface="+mn-lt"/>
+                <a:ea typeface="+mn-ea"/>
+                <a:cs typeface="+mn-cs"/>
+              </a:defRPr>
+            </a:lvl5pPr>
+            <a:lvl6pPr marL="2514600" indent="-228600" algn="l" defTabSz="914400" rtl="0" eaLnBrk="1" latinLnBrk="0" hangingPunct="1">
+              <a:spcBef>
+                <a:spcPct val="20000"/>
+              </a:spcBef>
+              <a:buFont typeface="Arial" panose="020B0604020202020204" pitchFamily="34" charset="0"/>
+              <a:buChar char="•"/>
+              <a:defRPr sz="2000" kern="1200">
+                <a:solidFill>
+                  <a:schemeClr val="tx1"/>
+                </a:solidFill>
+                <a:latin typeface="+mn-lt"/>
+                <a:ea typeface="+mn-ea"/>
+                <a:cs typeface="+mn-cs"/>
+              </a:defRPr>
+            </a:lvl6pPr>
+            <a:lvl7pPr marL="2971800" indent="-228600" algn="l" defTabSz="914400" rtl="0" eaLnBrk="1" latinLnBrk="0" hangingPunct="1">
+              <a:spcBef>
+                <a:spcPct val="20000"/>
+              </a:spcBef>
+              <a:buFont typeface="Arial" panose="020B0604020202020204" pitchFamily="34" charset="0"/>
+              <a:buChar char="•"/>
+              <a:defRPr sz="2000" kern="1200">
+                <a:solidFill>
+                  <a:schemeClr val="tx1"/>
+                </a:solidFill>
+                <a:latin typeface="+mn-lt"/>
+                <a:ea typeface="+mn-ea"/>
+                <a:cs typeface="+mn-cs"/>
+              </a:defRPr>
+            </a:lvl7pPr>
+            <a:lvl8pPr marL="3429000" indent="-228600" algn="l" defTabSz="914400" rtl="0" eaLnBrk="1" latinLnBrk="0" hangingPunct="1">
+              <a:spcBef>
+                <a:spcPct val="20000"/>
+              </a:spcBef>
+              <a:buFont typeface="Arial" panose="020B0604020202020204" pitchFamily="34" charset="0"/>
+              <a:buChar char="•"/>
+              <a:defRPr sz="2000" kern="1200">
+                <a:solidFill>
+                  <a:schemeClr val="tx1"/>
+                </a:solidFill>
+                <a:latin typeface="+mn-lt"/>
+                <a:ea typeface="+mn-ea"/>
+                <a:cs typeface="+mn-cs"/>
+              </a:defRPr>
+            </a:lvl8pPr>
+            <a:lvl9pPr marL="3886200" indent="-228600" algn="l" defTabSz="914400" rtl="0" eaLnBrk="1" latinLnBrk="0" hangingPunct="1">
+              <a:spcBef>
+                <a:spcPct val="20000"/>
+              </a:spcBef>
+              <a:buFont typeface="Arial" panose="020B0604020202020204" pitchFamily="34" charset="0"/>
+              <a:buChar char="•"/>
+              <a:defRPr sz="2000" kern="1200">
+                <a:solidFill>
+                  <a:schemeClr val="tx1"/>
+                </a:solidFill>
+                <a:latin typeface="+mn-lt"/>
+                <a:ea typeface="+mn-ea"/>
+                <a:cs typeface="+mn-cs"/>
+              </a:defRPr>
+            </a:lvl9pPr>
+          </a:lstStyle>
+          <a:p>
+            <a:pPr marL="0" indent="0" algn="r">
+              <a:buNone/>
+            </a:pPr>
+            <a:r>
+              <a:rPr lang="fr-FR" sz="2800" smtClean="0">
+                <a:latin typeface="Yu Gothic UI Light" panose="020B0300000000000000" pitchFamily="34" charset="-128"/>
+                <a:ea typeface="Yu Gothic UI Light" panose="020B0300000000000000" pitchFamily="34" charset="-128"/>
+                <a:cs typeface="Segoe UI" panose="020B0502040204020203" pitchFamily="34" charset="0"/>
+              </a:rPr>
+              <a:t>Problématique</a:t>
+            </a:r>
+          </a:p>
+          <a:p>
+            <a:pPr marL="0" indent="0" algn="r">
+              <a:buNone/>
+            </a:pPr>
+            <a:r>
+              <a:rPr lang="fr-FR" sz="2800" smtClean="0">
+                <a:latin typeface="Yu Gothic UI Light" panose="020B0300000000000000" pitchFamily="34" charset="-128"/>
+                <a:ea typeface="Yu Gothic UI Light" panose="020B0300000000000000" pitchFamily="34" charset="-128"/>
+                <a:cs typeface="Segoe UI" panose="020B0502040204020203" pitchFamily="34" charset="0"/>
+              </a:rPr>
+              <a:t>Données</a:t>
+            </a:r>
+          </a:p>
+          <a:p>
+            <a:pPr marL="0" indent="0" algn="r">
+              <a:buNone/>
+            </a:pPr>
+            <a:r>
+              <a:rPr lang="fr-FR" sz="2800" smtClean="0">
+                <a:latin typeface="Yu Gothic UI Semibold" panose="020B0700000000000000" pitchFamily="34" charset="-128"/>
+                <a:ea typeface="Yu Gothic UI Semibold" panose="020B0700000000000000" pitchFamily="34" charset="-128"/>
+                <a:cs typeface="Segoe UI" panose="020B0502040204020203" pitchFamily="34" charset="0"/>
+              </a:rPr>
+              <a:t>Modélisation</a:t>
+            </a:r>
+          </a:p>
+          <a:p>
+            <a:pPr marL="0" indent="0" algn="r">
+              <a:buNone/>
+            </a:pPr>
+            <a:r>
+              <a:rPr lang="fr-FR" sz="2800" smtClean="0">
+                <a:latin typeface="Yu Gothic UI Light" panose="020B0300000000000000" pitchFamily="34" charset="-128"/>
+                <a:ea typeface="Yu Gothic UI Light" panose="020B0300000000000000" pitchFamily="34" charset="-128"/>
+                <a:cs typeface="Segoe UI" panose="020B0502040204020203" pitchFamily="34" charset="0"/>
+              </a:rPr>
+              <a:t>Conclusions</a:t>
+            </a:r>
+          </a:p>
+          <a:p>
+            <a:pPr algn="r"/>
+            <a:endParaRPr lang="fr-FR" sz="2800">
+              <a:latin typeface="Yu Gothic UI Light" panose="020B0300000000000000" pitchFamily="34" charset="-128"/>
+              <a:ea typeface="Yu Gothic UI Light" panose="020B0300000000000000" pitchFamily="34" charset="-128"/>
+            </a:endParaRPr>
+          </a:p>
+        </p:txBody>
+      </p:sp>
+      <p:grpSp>
+        <p:nvGrpSpPr>
+          <p:cNvPr id="3" name="Groupe 2"/>
+          <p:cNvGrpSpPr/>
+          <p:nvPr/>
+        </p:nvGrpSpPr>
+        <p:grpSpPr>
+          <a:xfrm>
+            <a:off x="8288350" y="3135701"/>
+            <a:ext cx="244091" cy="2085523"/>
+            <a:chOff x="8288350" y="3135701"/>
+            <a:chExt cx="244091" cy="2085523"/>
+          </a:xfrm>
+        </p:grpSpPr>
+        <p:grpSp>
+          <p:nvGrpSpPr>
+            <p:cNvPr id="16" name="Groupe 15"/>
+            <p:cNvGrpSpPr/>
+            <p:nvPr/>
+          </p:nvGrpSpPr>
+          <p:grpSpPr>
+            <a:xfrm>
+              <a:off x="8288350" y="3135701"/>
+              <a:ext cx="244090" cy="2085523"/>
+              <a:chOff x="8648390" y="4292733"/>
+              <a:chExt cx="144016" cy="864096"/>
+            </a:xfrm>
+          </p:grpSpPr>
+          <p:sp>
+            <p:nvSpPr>
+              <p:cNvPr id="18" name="Rectangle 17"/>
+              <p:cNvSpPr/>
+              <p:nvPr/>
+            </p:nvSpPr>
+            <p:spPr>
+              <a:xfrm>
+                <a:off x="8648390" y="4292733"/>
+                <a:ext cx="144016" cy="216024"/>
+              </a:xfrm>
+              <a:prstGeom prst="rect">
+                <a:avLst/>
+              </a:prstGeom>
+              <a:solidFill>
+                <a:schemeClr val="bg1">
+                  <a:lumMod val="50000"/>
+                </a:schemeClr>
+              </a:solidFill>
+              <a:ln w="6350">
+                <a:solidFill>
+                  <a:schemeClr val="bg1">
+                    <a:lumMod val="65000"/>
+                  </a:schemeClr>
+                </a:solidFill>
+              </a:ln>
+            </p:spPr>
+            <p:style>
+              <a:lnRef idx="2">
+                <a:schemeClr val="accent1">
+                  <a:shade val="50000"/>
+                </a:schemeClr>
+              </a:lnRef>
+              <a:fillRef idx="1">
+                <a:schemeClr val="accent1"/>
+              </a:fillRef>
+              <a:effectRef idx="0">
+                <a:schemeClr val="accent1"/>
+              </a:effectRef>
+              <a:fontRef idx="minor">
+                <a:schemeClr val="lt1"/>
+              </a:fontRef>
+            </p:style>
+            <p:txBody>
+              <a:bodyPr rtlCol="0" anchor="ctr"/>
+              <a:lstStyle/>
+              <a:p>
+                <a:pPr algn="ctr"/>
+                <a:endParaRPr lang="fr-FR">
+                  <a:latin typeface="Yu Gothic UI Light" panose="020B0300000000000000" pitchFamily="34" charset="-128"/>
+                  <a:ea typeface="Yu Gothic UI Light" panose="020B0300000000000000" pitchFamily="34" charset="-128"/>
+                </a:endParaRPr>
+              </a:p>
+            </p:txBody>
+          </p:sp>
+          <p:sp>
+            <p:nvSpPr>
+              <p:cNvPr id="20" name="Rectangle 19"/>
+              <p:cNvSpPr/>
+              <p:nvPr/>
+            </p:nvSpPr>
+            <p:spPr>
+              <a:xfrm>
+                <a:off x="8648390" y="4508757"/>
+                <a:ext cx="144016" cy="216024"/>
+              </a:xfrm>
+              <a:prstGeom prst="rect">
+                <a:avLst/>
+              </a:prstGeom>
+              <a:solidFill>
+                <a:schemeClr val="bg1">
+                  <a:lumMod val="50000"/>
+                </a:schemeClr>
+              </a:solidFill>
+              <a:ln w="6350">
+                <a:solidFill>
+                  <a:schemeClr val="bg1">
+                    <a:lumMod val="65000"/>
+                  </a:schemeClr>
+                </a:solidFill>
+              </a:ln>
+            </p:spPr>
+            <p:style>
+              <a:lnRef idx="2">
+                <a:schemeClr val="accent1">
+                  <a:shade val="50000"/>
+                </a:schemeClr>
+              </a:lnRef>
+              <a:fillRef idx="1">
+                <a:schemeClr val="accent1"/>
+              </a:fillRef>
+              <a:effectRef idx="0">
+                <a:schemeClr val="accent1"/>
+              </a:effectRef>
+              <a:fontRef idx="minor">
+                <a:schemeClr val="lt1"/>
+              </a:fontRef>
+            </p:style>
+            <p:txBody>
+              <a:bodyPr rtlCol="0" anchor="ctr"/>
+              <a:lstStyle/>
+              <a:p>
+                <a:pPr algn="ctr"/>
+                <a:endParaRPr lang="fr-FR">
+                  <a:latin typeface="Yu Gothic UI Light" panose="020B0300000000000000" pitchFamily="34" charset="-128"/>
+                  <a:ea typeface="Yu Gothic UI Light" panose="020B0300000000000000" pitchFamily="34" charset="-128"/>
+                </a:endParaRPr>
+              </a:p>
+            </p:txBody>
+          </p:sp>
+          <p:sp>
+            <p:nvSpPr>
+              <p:cNvPr id="21" name="Rectangle 20"/>
+              <p:cNvSpPr/>
+              <p:nvPr/>
+            </p:nvSpPr>
+            <p:spPr>
+              <a:xfrm>
+                <a:off x="8648390" y="4724781"/>
+                <a:ext cx="144016" cy="216024"/>
+              </a:xfrm>
+              <a:prstGeom prst="rect">
+                <a:avLst/>
+              </a:prstGeom>
+              <a:solidFill>
+                <a:schemeClr val="bg1">
+                  <a:lumMod val="50000"/>
+                </a:schemeClr>
+              </a:solidFill>
+              <a:ln w="6350">
+                <a:solidFill>
+                  <a:schemeClr val="bg1">
+                    <a:lumMod val="65000"/>
+                  </a:schemeClr>
+                </a:solidFill>
+              </a:ln>
+            </p:spPr>
+            <p:style>
+              <a:lnRef idx="2">
+                <a:schemeClr val="accent1">
+                  <a:shade val="50000"/>
+                </a:schemeClr>
+              </a:lnRef>
+              <a:fillRef idx="1">
+                <a:schemeClr val="accent1"/>
+              </a:fillRef>
+              <a:effectRef idx="0">
+                <a:schemeClr val="accent1"/>
+              </a:effectRef>
+              <a:fontRef idx="minor">
+                <a:schemeClr val="lt1"/>
+              </a:fontRef>
+            </p:style>
+            <p:txBody>
+              <a:bodyPr rtlCol="0" anchor="ctr"/>
+              <a:lstStyle/>
+              <a:p>
+                <a:pPr algn="ctr"/>
+                <a:endParaRPr lang="fr-FR">
+                  <a:latin typeface="Yu Gothic UI Light" panose="020B0300000000000000" pitchFamily="34" charset="-128"/>
+                  <a:ea typeface="Yu Gothic UI Light" panose="020B0300000000000000" pitchFamily="34" charset="-128"/>
+                </a:endParaRPr>
+              </a:p>
+            </p:txBody>
+          </p:sp>
+          <p:sp>
+            <p:nvSpPr>
+              <p:cNvPr id="22" name="Rectangle 21"/>
+              <p:cNvSpPr/>
+              <p:nvPr/>
+            </p:nvSpPr>
+            <p:spPr>
+              <a:xfrm>
+                <a:off x="8648390" y="4940805"/>
+                <a:ext cx="144016" cy="216024"/>
+              </a:xfrm>
+              <a:prstGeom prst="rect">
+                <a:avLst/>
+              </a:prstGeom>
+              <a:solidFill>
+                <a:schemeClr val="bg1">
+                  <a:lumMod val="50000"/>
+                </a:schemeClr>
+              </a:solidFill>
+              <a:ln w="6350">
+                <a:solidFill>
+                  <a:schemeClr val="bg1">
+                    <a:lumMod val="65000"/>
+                  </a:schemeClr>
+                </a:solidFill>
+              </a:ln>
+            </p:spPr>
+            <p:style>
+              <a:lnRef idx="2">
+                <a:schemeClr val="accent1">
+                  <a:shade val="50000"/>
+                </a:schemeClr>
+              </a:lnRef>
+              <a:fillRef idx="1">
+                <a:schemeClr val="accent1"/>
+              </a:fillRef>
+              <a:effectRef idx="0">
+                <a:schemeClr val="accent1"/>
+              </a:effectRef>
+              <a:fontRef idx="minor">
+                <a:schemeClr val="lt1"/>
+              </a:fontRef>
+            </p:style>
+            <p:txBody>
+              <a:bodyPr rtlCol="0" anchor="ctr"/>
+              <a:lstStyle/>
+              <a:p>
+                <a:pPr algn="ctr"/>
+                <a:endParaRPr lang="fr-FR">
+                  <a:latin typeface="Yu Gothic UI Light" panose="020B0300000000000000" pitchFamily="34" charset="-128"/>
+                  <a:ea typeface="Yu Gothic UI Light" panose="020B0300000000000000" pitchFamily="34" charset="-128"/>
+                </a:endParaRPr>
+              </a:p>
+            </p:txBody>
+          </p:sp>
+        </p:grpSp>
+        <p:sp>
+          <p:nvSpPr>
+            <p:cNvPr id="26" name="Rectangle 25"/>
+            <p:cNvSpPr/>
+            <p:nvPr/>
+          </p:nvSpPr>
+          <p:spPr>
+            <a:xfrm>
+              <a:off x="8288351" y="4178468"/>
+              <a:ext cx="244090" cy="521381"/>
+            </a:xfrm>
+            <a:prstGeom prst="rect">
+              <a:avLst/>
+            </a:prstGeom>
+            <a:solidFill>
+              <a:srgbClr val="00B050"/>
+            </a:solidFill>
+            <a:ln w="6350">
+              <a:solidFill>
+                <a:schemeClr val="bg1">
+                  <a:lumMod val="65000"/>
+                </a:schemeClr>
+              </a:solidFill>
+            </a:ln>
+          </p:spPr>
+          <p:style>
+            <a:lnRef idx="2">
+              <a:schemeClr val="accent1">
+                <a:shade val="50000"/>
+              </a:schemeClr>
+            </a:lnRef>
+            <a:fillRef idx="1">
+              <a:schemeClr val="accent1"/>
+            </a:fillRef>
+            <a:effectRef idx="0">
+              <a:schemeClr val="accent1"/>
+            </a:effectRef>
+            <a:fontRef idx="minor">
+              <a:schemeClr val="lt1"/>
+            </a:fontRef>
+          </p:style>
+          <p:txBody>
+            <a:bodyPr rtlCol="0" anchor="ctr"/>
+            <a:lstStyle/>
+            <a:p>
+              <a:pPr algn="ctr"/>
+              <a:endParaRPr lang="fr-FR"/>
+            </a:p>
+          </p:txBody>
+        </p:sp>
+      </p:grpSp>
+    </p:spTree>
+    <p:extLst>
+      <p:ext uri="{BB962C8B-B14F-4D97-AF65-F5344CB8AC3E}">
+        <p14:creationId xmlns:p14="http://schemas.microsoft.com/office/powerpoint/2010/main" val="3408092490"/>
+      </p:ext>
+    </p:extLst>
+  </p:cSld>
+  <p:clrMapOvr>
+    <a:masterClrMapping/>
+  </p:clrMapOvr>
+  <p:timing>
+    <p:tnLst>
+      <p:par>
+        <p:cTn id="1" dur="indefinite" restart="never" nodeType="tmRoot"/>
+      </p:par>
+    </p:tnLst>
+  </p:timing>
+</p:sld>
+</file>
+
+<file path=ppt/slides/slide6.xml><?xml version="1.0" encoding="utf-8"?>
+<p:sld xmlns:a="http://schemas.openxmlformats.org/drawingml/2006/main" xmlns:r="http://schemas.openxmlformats.org/officeDocument/2006/relationships" xmlns:p="http://schemas.openxmlformats.org/presentationml/2006/main">
+  <p:cSld>
+    <p:spTree>
+      <p:nvGrpSpPr>
+        <p:cNvPr id="1" name=""/>
+        <p:cNvGrpSpPr/>
+        <p:nvPr/>
+      </p:nvGrpSpPr>
+      <p:grpSpPr>
+        <a:xfrm>
+          <a:off x="0" y="0"/>
+          <a:ext cx="0" cy="0"/>
+          <a:chOff x="0" y="0"/>
+          <a:chExt cx="0" cy="0"/>
+        </a:xfrm>
+      </p:grpSpPr>
+      <p:sp>
+        <p:nvSpPr>
+          <p:cNvPr id="4" name="Espace réservé de la date 3"/>
+          <p:cNvSpPr>
+            <a:spLocks noGrp="1"/>
+          </p:cNvSpPr>
+          <p:nvPr>
+            <p:ph type="dt" sz="half" idx="10"/>
+          </p:nvPr>
+        </p:nvSpPr>
+        <p:spPr/>
+        <p:txBody>
+          <a:bodyPr/>
+          <a:lstStyle/>
+          <a:p>
+            <a:r>
+              <a:rPr lang="fr-FR" smtClean="0"/>
+              <a:t>17/06/2020</a:t>
+            </a:r>
+            <a:endParaRPr lang="fr-FR"/>
+          </a:p>
+        </p:txBody>
+      </p:sp>
+      <p:sp>
+        <p:nvSpPr>
+          <p:cNvPr id="5" name="Espace réservé du pied de page 4"/>
+          <p:cNvSpPr>
+            <a:spLocks noGrp="1"/>
+          </p:cNvSpPr>
+          <p:nvPr>
+            <p:ph type="ftr" sz="quarter" idx="11"/>
+          </p:nvPr>
+        </p:nvSpPr>
+        <p:spPr/>
+        <p:txBody>
+          <a:bodyPr/>
+          <a:lstStyle/>
+          <a:p>
+            <a:r>
+              <a:rPr lang="fr-FR" smtClean="0"/>
+              <a:t>Maryse Muller | Parcours Data Scientist</a:t>
+            </a:r>
+            <a:endParaRPr lang="fr-FR"/>
+          </a:p>
+        </p:txBody>
+      </p:sp>
+      <p:sp>
+        <p:nvSpPr>
+          <p:cNvPr id="6" name="Espace réservé du numéro de diapositive 5"/>
+          <p:cNvSpPr>
+            <a:spLocks noGrp="1"/>
+          </p:cNvSpPr>
+          <p:nvPr>
+            <p:ph type="sldNum" sz="quarter" idx="12"/>
+          </p:nvPr>
+        </p:nvSpPr>
+        <p:spPr/>
+        <p:txBody>
+          <a:bodyPr/>
+          <a:lstStyle/>
+          <a:p>
+            <a:fld id="{D384C430-F8FC-4B07-B0BC-750FA1B3CF0A}" type="slidenum">
+              <a:rPr lang="fr-FR" smtClean="0"/>
+              <a:t>6</a:t>
+            </a:fld>
+            <a:endParaRPr lang="fr-FR"/>
+          </a:p>
+        </p:txBody>
+      </p:sp>
+      <p:sp>
+        <p:nvSpPr>
+          <p:cNvPr id="11" name="Sous-titre 2"/>
+          <p:cNvSpPr txBox="1">
+            <a:spLocks/>
+          </p:cNvSpPr>
+          <p:nvPr/>
+        </p:nvSpPr>
+        <p:spPr>
+          <a:xfrm>
+            <a:off x="3720783" y="3160318"/>
+            <a:ext cx="4496544" cy="2131990"/>
+          </a:xfrm>
+          <a:prstGeom prst="rect">
+            <a:avLst/>
+          </a:prstGeom>
+        </p:spPr>
+        <p:txBody>
+          <a:bodyPr>
+            <a:noAutofit/>
+          </a:bodyPr>
+          <a:lstStyle>
+            <a:lvl1pPr marL="342900" indent="-342900" algn="l" defTabSz="914400" rtl="0" eaLnBrk="1" latinLnBrk="0" hangingPunct="1">
+              <a:spcBef>
+                <a:spcPct val="20000"/>
+              </a:spcBef>
+              <a:buFont typeface="Arial" panose="020B0604020202020204" pitchFamily="34" charset="0"/>
+              <a:buChar char="•"/>
+              <a:defRPr sz="3200" kern="1200">
+                <a:solidFill>
+                  <a:schemeClr val="tx1"/>
+                </a:solidFill>
+                <a:latin typeface="+mn-lt"/>
+                <a:ea typeface="+mn-ea"/>
+                <a:cs typeface="+mn-cs"/>
+              </a:defRPr>
+            </a:lvl1pPr>
+            <a:lvl2pPr marL="742950" indent="-285750" algn="l" defTabSz="914400" rtl="0" eaLnBrk="1" latinLnBrk="0" hangingPunct="1">
+              <a:spcBef>
+                <a:spcPct val="20000"/>
+              </a:spcBef>
+              <a:buFont typeface="Arial" panose="020B0604020202020204" pitchFamily="34" charset="0"/>
+              <a:buChar char="–"/>
+              <a:defRPr sz="2800" kern="1200">
+                <a:solidFill>
+                  <a:schemeClr val="tx1"/>
+                </a:solidFill>
+                <a:latin typeface="+mn-lt"/>
+                <a:ea typeface="+mn-ea"/>
+                <a:cs typeface="+mn-cs"/>
+              </a:defRPr>
+            </a:lvl2pPr>
+            <a:lvl3pPr marL="1143000" indent="-228600" algn="l" defTabSz="914400" rtl="0" eaLnBrk="1" latinLnBrk="0" hangingPunct="1">
+              <a:spcBef>
+                <a:spcPct val="20000"/>
+              </a:spcBef>
+              <a:buFont typeface="Arial" panose="020B0604020202020204" pitchFamily="34" charset="0"/>
+              <a:buChar char="•"/>
+              <a:defRPr sz="2400" kern="1200">
+                <a:solidFill>
+                  <a:schemeClr val="tx1"/>
+                </a:solidFill>
+                <a:latin typeface="+mn-lt"/>
+                <a:ea typeface="+mn-ea"/>
+                <a:cs typeface="+mn-cs"/>
+              </a:defRPr>
+            </a:lvl3pPr>
+            <a:lvl4pPr marL="1600200" indent="-228600" algn="l" defTabSz="914400" rtl="0" eaLnBrk="1" latinLnBrk="0" hangingPunct="1">
+              <a:spcBef>
+                <a:spcPct val="20000"/>
+              </a:spcBef>
+              <a:buFont typeface="Arial" panose="020B0604020202020204" pitchFamily="34" charset="0"/>
+              <a:buChar char="–"/>
+              <a:defRPr sz="2000" kern="1200">
+                <a:solidFill>
+                  <a:schemeClr val="tx1"/>
+                </a:solidFill>
+                <a:latin typeface="+mn-lt"/>
+                <a:ea typeface="+mn-ea"/>
+                <a:cs typeface="+mn-cs"/>
+              </a:defRPr>
+            </a:lvl4pPr>
+            <a:lvl5pPr marL="2057400" indent="-228600" algn="l" defTabSz="914400" rtl="0" eaLnBrk="1" latinLnBrk="0" hangingPunct="1">
+              <a:spcBef>
+                <a:spcPct val="20000"/>
+              </a:spcBef>
+              <a:buFont typeface="Arial" panose="020B0604020202020204" pitchFamily="34" charset="0"/>
+              <a:buChar char="»"/>
+              <a:defRPr sz="2000" kern="1200">
+                <a:solidFill>
+                  <a:schemeClr val="tx1"/>
+                </a:solidFill>
+                <a:latin typeface="+mn-lt"/>
+                <a:ea typeface="+mn-ea"/>
+                <a:cs typeface="+mn-cs"/>
+              </a:defRPr>
+            </a:lvl5pPr>
+            <a:lvl6pPr marL="2514600" indent="-228600" algn="l" defTabSz="914400" rtl="0" eaLnBrk="1" latinLnBrk="0" hangingPunct="1">
+              <a:spcBef>
+                <a:spcPct val="20000"/>
+              </a:spcBef>
+              <a:buFont typeface="Arial" panose="020B0604020202020204" pitchFamily="34" charset="0"/>
+              <a:buChar char="•"/>
+              <a:defRPr sz="2000" kern="1200">
+                <a:solidFill>
+                  <a:schemeClr val="tx1"/>
+                </a:solidFill>
+                <a:latin typeface="+mn-lt"/>
+                <a:ea typeface="+mn-ea"/>
+                <a:cs typeface="+mn-cs"/>
+              </a:defRPr>
+            </a:lvl6pPr>
+            <a:lvl7pPr marL="2971800" indent="-228600" algn="l" defTabSz="914400" rtl="0" eaLnBrk="1" latinLnBrk="0" hangingPunct="1">
+              <a:spcBef>
+                <a:spcPct val="20000"/>
+              </a:spcBef>
+              <a:buFont typeface="Arial" panose="020B0604020202020204" pitchFamily="34" charset="0"/>
+              <a:buChar char="•"/>
+              <a:defRPr sz="2000" kern="1200">
+                <a:solidFill>
+                  <a:schemeClr val="tx1"/>
+                </a:solidFill>
+                <a:latin typeface="+mn-lt"/>
+                <a:ea typeface="+mn-ea"/>
+                <a:cs typeface="+mn-cs"/>
+              </a:defRPr>
+            </a:lvl7pPr>
+            <a:lvl8pPr marL="3429000" indent="-228600" algn="l" defTabSz="914400" rtl="0" eaLnBrk="1" latinLnBrk="0" hangingPunct="1">
+              <a:spcBef>
+                <a:spcPct val="20000"/>
+              </a:spcBef>
+              <a:buFont typeface="Arial" panose="020B0604020202020204" pitchFamily="34" charset="0"/>
+              <a:buChar char="•"/>
+              <a:defRPr sz="2000" kern="1200">
+                <a:solidFill>
+                  <a:schemeClr val="tx1"/>
+                </a:solidFill>
+                <a:latin typeface="+mn-lt"/>
+                <a:ea typeface="+mn-ea"/>
+                <a:cs typeface="+mn-cs"/>
+              </a:defRPr>
+            </a:lvl8pPr>
+            <a:lvl9pPr marL="3886200" indent="-228600" algn="l" defTabSz="914400" rtl="0" eaLnBrk="1" latinLnBrk="0" hangingPunct="1">
+              <a:spcBef>
+                <a:spcPct val="20000"/>
+              </a:spcBef>
+              <a:buFont typeface="Arial" panose="020B0604020202020204" pitchFamily="34" charset="0"/>
+              <a:buChar char="•"/>
+              <a:defRPr sz="2000" kern="1200">
+                <a:solidFill>
+                  <a:schemeClr val="tx1"/>
+                </a:solidFill>
+                <a:latin typeface="+mn-lt"/>
+                <a:ea typeface="+mn-ea"/>
+                <a:cs typeface="+mn-cs"/>
+              </a:defRPr>
+            </a:lvl9pPr>
+          </a:lstStyle>
+          <a:p>
+            <a:pPr marL="0" indent="0" algn="r">
+              <a:buNone/>
+            </a:pPr>
+            <a:r>
+              <a:rPr lang="fr-FR" sz="2800" smtClean="0">
+                <a:latin typeface="Yu Gothic UI Light" panose="020B0300000000000000" pitchFamily="34" charset="-128"/>
+                <a:ea typeface="Yu Gothic UI Light" panose="020B0300000000000000" pitchFamily="34" charset="-128"/>
+                <a:cs typeface="Segoe UI" panose="020B0502040204020203" pitchFamily="34" charset="0"/>
+              </a:rPr>
+              <a:t>Problématique</a:t>
+            </a:r>
+          </a:p>
+          <a:p>
+            <a:pPr marL="0" indent="0" algn="r">
+              <a:buNone/>
+            </a:pPr>
+            <a:r>
+              <a:rPr lang="fr-FR" sz="2800" smtClean="0">
+                <a:latin typeface="Yu Gothic UI Light" panose="020B0300000000000000" pitchFamily="34" charset="-128"/>
+                <a:ea typeface="Yu Gothic UI Light" panose="020B0300000000000000" pitchFamily="34" charset="-128"/>
+                <a:cs typeface="Segoe UI" panose="020B0502040204020203" pitchFamily="34" charset="0"/>
+              </a:rPr>
+              <a:t>Données</a:t>
+            </a:r>
+          </a:p>
+          <a:p>
+            <a:pPr marL="0" indent="0" algn="r">
+              <a:buNone/>
+            </a:pPr>
+            <a:r>
+              <a:rPr lang="fr-FR" sz="2800" smtClean="0">
+                <a:latin typeface="Yu Gothic UI Light" panose="020B0300000000000000" pitchFamily="34" charset="-128"/>
+                <a:ea typeface="Yu Gothic UI Light" panose="020B0300000000000000" pitchFamily="34" charset="-128"/>
+                <a:cs typeface="Segoe UI" panose="020B0502040204020203" pitchFamily="34" charset="0"/>
+              </a:rPr>
+              <a:t>Modélisation</a:t>
+            </a:r>
+          </a:p>
+          <a:p>
+            <a:pPr marL="0" indent="0" algn="r">
+              <a:buNone/>
+            </a:pPr>
+            <a:r>
+              <a:rPr lang="fr-FR" sz="2800" smtClean="0">
+                <a:latin typeface="+mj-lt"/>
+                <a:ea typeface="Yu Gothic UI Light" panose="020B0300000000000000" pitchFamily="34" charset="-128"/>
+                <a:cs typeface="Segoe UI" panose="020B0502040204020203" pitchFamily="34" charset="0"/>
+              </a:rPr>
+              <a:t>Conclusions</a:t>
+            </a:r>
+          </a:p>
+          <a:p>
+            <a:pPr algn="r"/>
+            <a:endParaRPr lang="fr-FR" sz="2800">
+              <a:latin typeface="Yu Gothic UI Light" panose="020B0300000000000000" pitchFamily="34" charset="-128"/>
+              <a:ea typeface="Yu Gothic UI Light" panose="020B0300000000000000" pitchFamily="34" charset="-128"/>
+            </a:endParaRPr>
+          </a:p>
+        </p:txBody>
+      </p:sp>
+      <p:grpSp>
+        <p:nvGrpSpPr>
+          <p:cNvPr id="3" name="Groupe 2"/>
+          <p:cNvGrpSpPr/>
+          <p:nvPr/>
+        </p:nvGrpSpPr>
+        <p:grpSpPr>
+          <a:xfrm>
+            <a:off x="8288350" y="3135701"/>
+            <a:ext cx="244091" cy="2085529"/>
+            <a:chOff x="8288350" y="3135701"/>
+            <a:chExt cx="244091" cy="2085529"/>
+          </a:xfrm>
+        </p:grpSpPr>
+        <p:grpSp>
+          <p:nvGrpSpPr>
+            <p:cNvPr id="16" name="Groupe 15"/>
+            <p:cNvGrpSpPr/>
+            <p:nvPr/>
+          </p:nvGrpSpPr>
+          <p:grpSpPr>
+            <a:xfrm>
+              <a:off x="8288350" y="3135701"/>
+              <a:ext cx="244090" cy="2085523"/>
+              <a:chOff x="8648390" y="4292733"/>
+              <a:chExt cx="144016" cy="864096"/>
+            </a:xfrm>
+          </p:grpSpPr>
+          <p:sp>
+            <p:nvSpPr>
+              <p:cNvPr id="18" name="Rectangle 17"/>
+              <p:cNvSpPr/>
+              <p:nvPr/>
+            </p:nvSpPr>
+            <p:spPr>
+              <a:xfrm>
+                <a:off x="8648390" y="4292733"/>
+                <a:ext cx="144016" cy="216024"/>
+              </a:xfrm>
+              <a:prstGeom prst="rect">
+                <a:avLst/>
+              </a:prstGeom>
+              <a:solidFill>
+                <a:schemeClr val="bg1">
+                  <a:lumMod val="50000"/>
+                </a:schemeClr>
+              </a:solidFill>
+              <a:ln w="6350">
+                <a:solidFill>
+                  <a:schemeClr val="bg1">
+                    <a:lumMod val="65000"/>
+                  </a:schemeClr>
+                </a:solidFill>
+              </a:ln>
+            </p:spPr>
+            <p:style>
+              <a:lnRef idx="2">
+                <a:schemeClr val="accent1">
+                  <a:shade val="50000"/>
+                </a:schemeClr>
+              </a:lnRef>
+              <a:fillRef idx="1">
+                <a:schemeClr val="accent1"/>
+              </a:fillRef>
+              <a:effectRef idx="0">
+                <a:schemeClr val="accent1"/>
+              </a:effectRef>
+              <a:fontRef idx="minor">
+                <a:schemeClr val="lt1"/>
+              </a:fontRef>
+            </p:style>
+            <p:txBody>
+              <a:bodyPr rtlCol="0" anchor="ctr"/>
+              <a:lstStyle/>
+              <a:p>
+                <a:pPr algn="ctr"/>
+                <a:endParaRPr lang="fr-FR">
+                  <a:latin typeface="Yu Gothic UI Light" panose="020B0300000000000000" pitchFamily="34" charset="-128"/>
+                  <a:ea typeface="Yu Gothic UI Light" panose="020B0300000000000000" pitchFamily="34" charset="-128"/>
+                </a:endParaRPr>
+              </a:p>
+            </p:txBody>
+          </p:sp>
+          <p:sp>
+            <p:nvSpPr>
+              <p:cNvPr id="20" name="Rectangle 19"/>
+              <p:cNvSpPr/>
+              <p:nvPr/>
+            </p:nvSpPr>
+            <p:spPr>
+              <a:xfrm>
+                <a:off x="8648390" y="4508757"/>
+                <a:ext cx="144016" cy="216024"/>
+              </a:xfrm>
+              <a:prstGeom prst="rect">
+                <a:avLst/>
+              </a:prstGeom>
+              <a:solidFill>
+                <a:schemeClr val="bg1">
+                  <a:lumMod val="50000"/>
+                </a:schemeClr>
+              </a:solidFill>
+              <a:ln w="6350">
+                <a:solidFill>
+                  <a:schemeClr val="bg1">
+                    <a:lumMod val="65000"/>
+                  </a:schemeClr>
+                </a:solidFill>
+              </a:ln>
+            </p:spPr>
+            <p:style>
+              <a:lnRef idx="2">
+                <a:schemeClr val="accent1">
+                  <a:shade val="50000"/>
+                </a:schemeClr>
+              </a:lnRef>
+              <a:fillRef idx="1">
+                <a:schemeClr val="accent1"/>
+              </a:fillRef>
+              <a:effectRef idx="0">
+                <a:schemeClr val="accent1"/>
+              </a:effectRef>
+              <a:fontRef idx="minor">
+                <a:schemeClr val="lt1"/>
+              </a:fontRef>
+            </p:style>
+            <p:txBody>
+              <a:bodyPr rtlCol="0" anchor="ctr"/>
+              <a:lstStyle/>
+              <a:p>
+                <a:pPr algn="ctr"/>
+                <a:endParaRPr lang="fr-FR">
+                  <a:latin typeface="Yu Gothic UI Light" panose="020B0300000000000000" pitchFamily="34" charset="-128"/>
+                  <a:ea typeface="Yu Gothic UI Light" panose="020B0300000000000000" pitchFamily="34" charset="-128"/>
+                </a:endParaRPr>
+              </a:p>
+            </p:txBody>
+          </p:sp>
+          <p:sp>
+            <p:nvSpPr>
+              <p:cNvPr id="21" name="Rectangle 20"/>
+              <p:cNvSpPr/>
+              <p:nvPr/>
+            </p:nvSpPr>
+            <p:spPr>
+              <a:xfrm>
+                <a:off x="8648390" y="4724781"/>
+                <a:ext cx="144016" cy="216024"/>
+              </a:xfrm>
+              <a:prstGeom prst="rect">
+                <a:avLst/>
+              </a:prstGeom>
+              <a:solidFill>
+                <a:schemeClr val="bg1">
+                  <a:lumMod val="50000"/>
+                </a:schemeClr>
+              </a:solidFill>
+              <a:ln w="6350">
+                <a:solidFill>
+                  <a:schemeClr val="bg1">
+                    <a:lumMod val="65000"/>
+                  </a:schemeClr>
+                </a:solidFill>
+              </a:ln>
+            </p:spPr>
+            <p:style>
+              <a:lnRef idx="2">
+                <a:schemeClr val="accent1">
+                  <a:shade val="50000"/>
+                </a:schemeClr>
+              </a:lnRef>
+              <a:fillRef idx="1">
+                <a:schemeClr val="accent1"/>
+              </a:fillRef>
+              <a:effectRef idx="0">
+                <a:schemeClr val="accent1"/>
+              </a:effectRef>
+              <a:fontRef idx="minor">
+                <a:schemeClr val="lt1"/>
+              </a:fontRef>
+            </p:style>
+            <p:txBody>
+              <a:bodyPr rtlCol="0" anchor="ctr"/>
+              <a:lstStyle/>
+              <a:p>
+                <a:pPr algn="ctr"/>
+                <a:endParaRPr lang="fr-FR">
+                  <a:latin typeface="Yu Gothic UI Light" panose="020B0300000000000000" pitchFamily="34" charset="-128"/>
+                  <a:ea typeface="Yu Gothic UI Light" panose="020B0300000000000000" pitchFamily="34" charset="-128"/>
+                </a:endParaRPr>
+              </a:p>
+            </p:txBody>
+          </p:sp>
+          <p:sp>
+            <p:nvSpPr>
+              <p:cNvPr id="22" name="Rectangle 21"/>
+              <p:cNvSpPr/>
+              <p:nvPr/>
+            </p:nvSpPr>
+            <p:spPr>
+              <a:xfrm>
+                <a:off x="8648390" y="4940805"/>
+                <a:ext cx="144016" cy="216024"/>
+              </a:xfrm>
+              <a:prstGeom prst="rect">
+                <a:avLst/>
+              </a:prstGeom>
+              <a:solidFill>
+                <a:schemeClr val="bg1">
+                  <a:lumMod val="50000"/>
+                </a:schemeClr>
+              </a:solidFill>
+              <a:ln w="6350">
+                <a:solidFill>
+                  <a:schemeClr val="bg1">
+                    <a:lumMod val="65000"/>
+                  </a:schemeClr>
+                </a:solidFill>
+              </a:ln>
+            </p:spPr>
+            <p:style>
+              <a:lnRef idx="2">
+                <a:schemeClr val="accent1">
+                  <a:shade val="50000"/>
+                </a:schemeClr>
+              </a:lnRef>
+              <a:fillRef idx="1">
+                <a:schemeClr val="accent1"/>
+              </a:fillRef>
+              <a:effectRef idx="0">
+                <a:schemeClr val="accent1"/>
+              </a:effectRef>
+              <a:fontRef idx="minor">
+                <a:schemeClr val="lt1"/>
+              </a:fontRef>
+            </p:style>
+            <p:txBody>
+              <a:bodyPr rtlCol="0" anchor="ctr"/>
+              <a:lstStyle/>
+              <a:p>
+                <a:pPr algn="ctr"/>
+                <a:endParaRPr lang="fr-FR">
+                  <a:latin typeface="Yu Gothic UI Light" panose="020B0300000000000000" pitchFamily="34" charset="-128"/>
+                  <a:ea typeface="Yu Gothic UI Light" panose="020B0300000000000000" pitchFamily="34" charset="-128"/>
+                </a:endParaRPr>
+              </a:p>
+            </p:txBody>
+          </p:sp>
+        </p:grpSp>
+        <p:sp>
+          <p:nvSpPr>
+            <p:cNvPr id="27" name="Rectangle 26"/>
+            <p:cNvSpPr/>
+            <p:nvPr/>
+          </p:nvSpPr>
+          <p:spPr>
+            <a:xfrm>
+              <a:off x="8288351" y="4699849"/>
+              <a:ext cx="244090" cy="521381"/>
+            </a:xfrm>
+            <a:prstGeom prst="rect">
+              <a:avLst/>
+            </a:prstGeom>
+            <a:solidFill>
+              <a:srgbClr val="0000FA"/>
+            </a:solidFill>
+            <a:ln w="6350">
+              <a:solidFill>
+                <a:schemeClr val="bg1">
+                  <a:lumMod val="65000"/>
+                </a:schemeClr>
+              </a:solidFill>
+            </a:ln>
+          </p:spPr>
+          <p:style>
+            <a:lnRef idx="2">
+              <a:schemeClr val="accent1">
+                <a:shade val="50000"/>
+              </a:schemeClr>
+            </a:lnRef>
+            <a:fillRef idx="1">
+              <a:schemeClr val="accent1"/>
+            </a:fillRef>
+            <a:effectRef idx="0">
+              <a:schemeClr val="accent1"/>
+            </a:effectRef>
+            <a:fontRef idx="minor">
+              <a:schemeClr val="lt1"/>
+            </a:fontRef>
+          </p:style>
+          <p:txBody>
+            <a:bodyPr rtlCol="0" anchor="ctr"/>
+            <a:lstStyle/>
+            <a:p>
+              <a:pPr algn="ctr"/>
+              <a:endParaRPr lang="fr-FR"/>
+            </a:p>
+          </p:txBody>
+        </p:sp>
+      </p:grpSp>
+    </p:spTree>
+    <p:extLst>
+      <p:ext uri="{BB962C8B-B14F-4D97-AF65-F5344CB8AC3E}">
+        <p14:creationId xmlns:p14="http://schemas.microsoft.com/office/powerpoint/2010/main" val="3108534008"/>
+      </p:ext>
+    </p:extLst>
+  </p:cSld>
+  <p:clrMapOvr>
+    <a:masterClrMapping/>
+  </p:clrMapOvr>
+  <p:timing>
+    <p:tnLst>
+      <p:par>
+        <p:cTn id="1" dur="indefinite" restart="never" nodeType="tmRoot"/>
+      </p:par>
+    </p:tnLst>
+  </p:timing>
+</p:sld>
+</file>
+
+<file path=ppt/slides/slide7.xml><?xml version="1.0" encoding="utf-8"?>
+<p:sld xmlns:a="http://schemas.openxmlformats.org/drawingml/2006/main" xmlns:r="http://schemas.openxmlformats.org/officeDocument/2006/relationships" xmlns:p="http://schemas.openxmlformats.org/presentationml/2006/main">
+  <p:cSld>
+    <p:spTree>
+      <p:nvGrpSpPr>
+        <p:cNvPr id="1" name=""/>
+        <p:cNvGrpSpPr/>
+        <p:nvPr/>
+      </p:nvGrpSpPr>
+      <p:grpSpPr>
+        <a:xfrm>
+          <a:off x="0" y="0"/>
+          <a:ext cx="0" cy="0"/>
+          <a:chOff x="0" y="0"/>
+          <a:chExt cx="0" cy="0"/>
+        </a:xfrm>
+      </p:grpSpPr>
+      <p:sp>
+        <p:nvSpPr>
           <p:cNvPr id="2" name="Titre 1"/>
           <p:cNvSpPr>
             <a:spLocks noGrp="1"/>
@@ -6185,7 +7450,7 @@
           <a:p>
             <a:fld id="{D384C430-F8FC-4B07-B0BC-750FA1B3CF0A}" type="slidenum">
               <a:rPr lang="fr-FR" smtClean="0"/>
-              <a:t>5</a:t>
+              <a:t>7</a:t>
             </a:fld>
             <a:endParaRPr lang="fr-FR"/>
           </a:p>
@@ -7518,7 +8783,7 @@
 </p:sld>
 </file>
 
-<file path=ppt/slides/slide6.xml><?xml version="1.0" encoding="utf-8"?>
+<file path=ppt/slides/slide8.xml><?xml version="1.0" encoding="utf-8"?>
 <p:sld xmlns:a="http://schemas.openxmlformats.org/drawingml/2006/main" xmlns:r="http://schemas.openxmlformats.org/officeDocument/2006/relationships" xmlns:p="http://schemas.openxmlformats.org/presentationml/2006/main">
   <p:cSld>
     <p:spTree>
@@ -7631,7 +8896,7 @@
           <a:p>
             <a:fld id="{D384C430-F8FC-4B07-B0BC-750FA1B3CF0A}" type="slidenum">
               <a:rPr lang="fr-FR" smtClean="0"/>
-              <a:t>6</a:t>
+              <a:t>8</a:t>
             </a:fld>
             <a:endParaRPr lang="fr-FR"/>
           </a:p>

--- a/PRESENTATION/Projet5.pptx
+++ b/PRESENTATION/Projet5.pptx
@@ -5,20 +5,34 @@
     <p:sldMasterId id="2147483648" r:id="rId1"/>
   </p:sldMasterIdLst>
   <p:notesMasterIdLst>
-    <p:notesMasterId r:id="rId10"/>
+    <p:notesMasterId r:id="rId24"/>
   </p:notesMasterIdLst>
   <p:handoutMasterIdLst>
-    <p:handoutMasterId r:id="rId11"/>
+    <p:handoutMasterId r:id="rId25"/>
   </p:handoutMasterIdLst>
   <p:sldIdLst>
     <p:sldId id="278" r:id="rId2"/>
     <p:sldId id="339" r:id="rId3"/>
     <p:sldId id="258" r:id="rId4"/>
-    <p:sldId id="342" r:id="rId5"/>
-    <p:sldId id="360" r:id="rId6"/>
-    <p:sldId id="361" r:id="rId7"/>
-    <p:sldId id="285" r:id="rId8"/>
-    <p:sldId id="359" r:id="rId9"/>
+    <p:sldId id="363" r:id="rId5"/>
+    <p:sldId id="364" r:id="rId6"/>
+    <p:sldId id="342" r:id="rId7"/>
+    <p:sldId id="362" r:id="rId8"/>
+    <p:sldId id="365" r:id="rId9"/>
+    <p:sldId id="367" r:id="rId10"/>
+    <p:sldId id="366" r:id="rId11"/>
+    <p:sldId id="369" r:id="rId12"/>
+    <p:sldId id="371" r:id="rId13"/>
+    <p:sldId id="373" r:id="rId14"/>
+    <p:sldId id="360" r:id="rId15"/>
+    <p:sldId id="368" r:id="rId16"/>
+    <p:sldId id="370" r:id="rId17"/>
+    <p:sldId id="372" r:id="rId18"/>
+    <p:sldId id="374" r:id="rId19"/>
+    <p:sldId id="375" r:id="rId20"/>
+    <p:sldId id="361" r:id="rId21"/>
+    <p:sldId id="285" r:id="rId22"/>
+    <p:sldId id="359" r:id="rId23"/>
   </p:sldIdLst>
   <p:sldSz cx="9144000" cy="6858000" type="screen4x3"/>
   <p:notesSz cx="6858000" cy="9144000"/>
@@ -202,7 +216,7 @@
           <a:p>
             <a:fld id="{57ED8D38-08F1-4F61-B916-B7ECFC3A7ADF}" type="datetimeFigureOut">
               <a:rPr lang="fr-FR" smtClean="0"/>
-              <a:t>18/09/2020</a:t>
+              <a:t>21/09/2020</a:t>
             </a:fld>
             <a:endParaRPr lang="fr-FR"/>
           </a:p>
@@ -367,7 +381,7 @@
           <a:p>
             <a:fld id="{DB91E950-E7C0-4AB1-98FE-263150A09AFE}" type="datetimeFigureOut">
               <a:rPr lang="fr-FR" smtClean="0"/>
-              <a:t>18/09/2020</a:t>
+              <a:t>21/09/2020</a:t>
             </a:fld>
             <a:endParaRPr lang="fr-FR"/>
           </a:p>
@@ -4604,7 +4618,7 @@
 </p:sld>
 </file>
 
-<file path=ppt/slides/slide2.xml><?xml version="1.0" encoding="utf-8"?>
+<file path=ppt/slides/slide10.xml><?xml version="1.0" encoding="utf-8"?>
 <p:sld xmlns:a="http://schemas.openxmlformats.org/drawingml/2006/main" xmlns:r="http://schemas.openxmlformats.org/officeDocument/2006/relationships" xmlns:p="http://schemas.openxmlformats.org/presentationml/2006/main">
   <p:cSld>
     <p:spTree>
@@ -4623,552 +4637,6 @@
       </p:grpSpPr>
       <p:sp>
         <p:nvSpPr>
-          <p:cNvPr id="4" name="Espace réservé de la date 3"/>
-          <p:cNvSpPr>
-            <a:spLocks noGrp="1"/>
-          </p:cNvSpPr>
-          <p:nvPr>
-            <p:ph type="dt" sz="half" idx="10"/>
-          </p:nvPr>
-        </p:nvSpPr>
-        <p:spPr/>
-        <p:txBody>
-          <a:bodyPr/>
-          <a:lstStyle/>
-          <a:p>
-            <a:r>
-              <a:rPr lang="fr-FR" smtClean="0"/>
-              <a:t>17/06/2020</a:t>
-            </a:r>
-            <a:endParaRPr lang="fr-FR"/>
-          </a:p>
-        </p:txBody>
-      </p:sp>
-      <p:sp>
-        <p:nvSpPr>
-          <p:cNvPr id="5" name="Espace réservé du pied de page 4"/>
-          <p:cNvSpPr>
-            <a:spLocks noGrp="1"/>
-          </p:cNvSpPr>
-          <p:nvPr>
-            <p:ph type="ftr" sz="quarter" idx="11"/>
-          </p:nvPr>
-        </p:nvSpPr>
-        <p:spPr/>
-        <p:txBody>
-          <a:bodyPr/>
-          <a:lstStyle/>
-          <a:p>
-            <a:r>
-              <a:rPr lang="fr-FR" smtClean="0"/>
-              <a:t>Maryse Muller | Parcours Data Scientist</a:t>
-            </a:r>
-            <a:endParaRPr lang="fr-FR"/>
-          </a:p>
-        </p:txBody>
-      </p:sp>
-      <p:sp>
-        <p:nvSpPr>
-          <p:cNvPr id="6" name="Espace réservé du numéro de diapositive 5"/>
-          <p:cNvSpPr>
-            <a:spLocks noGrp="1"/>
-          </p:cNvSpPr>
-          <p:nvPr>
-            <p:ph type="sldNum" sz="quarter" idx="12"/>
-          </p:nvPr>
-        </p:nvSpPr>
-        <p:spPr/>
-        <p:txBody>
-          <a:bodyPr/>
-          <a:lstStyle/>
-          <a:p>
-            <a:fld id="{D384C430-F8FC-4B07-B0BC-750FA1B3CF0A}" type="slidenum">
-              <a:rPr lang="fr-FR" smtClean="0"/>
-              <a:t>2</a:t>
-            </a:fld>
-            <a:endParaRPr lang="fr-FR"/>
-          </a:p>
-        </p:txBody>
-      </p:sp>
-      <p:sp>
-        <p:nvSpPr>
-          <p:cNvPr id="11" name="Sous-titre 2"/>
-          <p:cNvSpPr txBox="1">
-            <a:spLocks/>
-          </p:cNvSpPr>
-          <p:nvPr/>
-        </p:nvSpPr>
-        <p:spPr>
-          <a:xfrm>
-            <a:off x="3720783" y="3160318"/>
-            <a:ext cx="4496544" cy="2131990"/>
-          </a:xfrm>
-          <a:prstGeom prst="rect">
-            <a:avLst/>
-          </a:prstGeom>
-        </p:spPr>
-        <p:txBody>
-          <a:bodyPr>
-            <a:noAutofit/>
-          </a:bodyPr>
-          <a:lstStyle>
-            <a:lvl1pPr marL="342900" indent="-342900" algn="l" defTabSz="914400" rtl="0" eaLnBrk="1" latinLnBrk="0" hangingPunct="1">
-              <a:spcBef>
-                <a:spcPct val="20000"/>
-              </a:spcBef>
-              <a:buFont typeface="Arial" panose="020B0604020202020204" pitchFamily="34" charset="0"/>
-              <a:buChar char="•"/>
-              <a:defRPr sz="3200" kern="1200">
-                <a:solidFill>
-                  <a:schemeClr val="tx1"/>
-                </a:solidFill>
-                <a:latin typeface="+mn-lt"/>
-                <a:ea typeface="+mn-ea"/>
-                <a:cs typeface="+mn-cs"/>
-              </a:defRPr>
-            </a:lvl1pPr>
-            <a:lvl2pPr marL="742950" indent="-285750" algn="l" defTabSz="914400" rtl="0" eaLnBrk="1" latinLnBrk="0" hangingPunct="1">
-              <a:spcBef>
-                <a:spcPct val="20000"/>
-              </a:spcBef>
-              <a:buFont typeface="Arial" panose="020B0604020202020204" pitchFamily="34" charset="0"/>
-              <a:buChar char="–"/>
-              <a:defRPr sz="2800" kern="1200">
-                <a:solidFill>
-                  <a:schemeClr val="tx1"/>
-                </a:solidFill>
-                <a:latin typeface="+mn-lt"/>
-                <a:ea typeface="+mn-ea"/>
-                <a:cs typeface="+mn-cs"/>
-              </a:defRPr>
-            </a:lvl2pPr>
-            <a:lvl3pPr marL="1143000" indent="-228600" algn="l" defTabSz="914400" rtl="0" eaLnBrk="1" latinLnBrk="0" hangingPunct="1">
-              <a:spcBef>
-                <a:spcPct val="20000"/>
-              </a:spcBef>
-              <a:buFont typeface="Arial" panose="020B0604020202020204" pitchFamily="34" charset="0"/>
-              <a:buChar char="•"/>
-              <a:defRPr sz="2400" kern="1200">
-                <a:solidFill>
-                  <a:schemeClr val="tx1"/>
-                </a:solidFill>
-                <a:latin typeface="+mn-lt"/>
-                <a:ea typeface="+mn-ea"/>
-                <a:cs typeface="+mn-cs"/>
-              </a:defRPr>
-            </a:lvl3pPr>
-            <a:lvl4pPr marL="1600200" indent="-228600" algn="l" defTabSz="914400" rtl="0" eaLnBrk="1" latinLnBrk="0" hangingPunct="1">
-              <a:spcBef>
-                <a:spcPct val="20000"/>
-              </a:spcBef>
-              <a:buFont typeface="Arial" panose="020B0604020202020204" pitchFamily="34" charset="0"/>
-              <a:buChar char="–"/>
-              <a:defRPr sz="2000" kern="1200">
-                <a:solidFill>
-                  <a:schemeClr val="tx1"/>
-                </a:solidFill>
-                <a:latin typeface="+mn-lt"/>
-                <a:ea typeface="+mn-ea"/>
-                <a:cs typeface="+mn-cs"/>
-              </a:defRPr>
-            </a:lvl4pPr>
-            <a:lvl5pPr marL="2057400" indent="-228600" algn="l" defTabSz="914400" rtl="0" eaLnBrk="1" latinLnBrk="0" hangingPunct="1">
-              <a:spcBef>
-                <a:spcPct val="20000"/>
-              </a:spcBef>
-              <a:buFont typeface="Arial" panose="020B0604020202020204" pitchFamily="34" charset="0"/>
-              <a:buChar char="»"/>
-              <a:defRPr sz="2000" kern="1200">
-                <a:solidFill>
-                  <a:schemeClr val="tx1"/>
-                </a:solidFill>
-                <a:latin typeface="+mn-lt"/>
-                <a:ea typeface="+mn-ea"/>
-                <a:cs typeface="+mn-cs"/>
-              </a:defRPr>
-            </a:lvl5pPr>
-            <a:lvl6pPr marL="2514600" indent="-228600" algn="l" defTabSz="914400" rtl="0" eaLnBrk="1" latinLnBrk="0" hangingPunct="1">
-              <a:spcBef>
-                <a:spcPct val="20000"/>
-              </a:spcBef>
-              <a:buFont typeface="Arial" panose="020B0604020202020204" pitchFamily="34" charset="0"/>
-              <a:buChar char="•"/>
-              <a:defRPr sz="2000" kern="1200">
-                <a:solidFill>
-                  <a:schemeClr val="tx1"/>
-                </a:solidFill>
-                <a:latin typeface="+mn-lt"/>
-                <a:ea typeface="+mn-ea"/>
-                <a:cs typeface="+mn-cs"/>
-              </a:defRPr>
-            </a:lvl6pPr>
-            <a:lvl7pPr marL="2971800" indent="-228600" algn="l" defTabSz="914400" rtl="0" eaLnBrk="1" latinLnBrk="0" hangingPunct="1">
-              <a:spcBef>
-                <a:spcPct val="20000"/>
-              </a:spcBef>
-              <a:buFont typeface="Arial" panose="020B0604020202020204" pitchFamily="34" charset="0"/>
-              <a:buChar char="•"/>
-              <a:defRPr sz="2000" kern="1200">
-                <a:solidFill>
-                  <a:schemeClr val="tx1"/>
-                </a:solidFill>
-                <a:latin typeface="+mn-lt"/>
-                <a:ea typeface="+mn-ea"/>
-                <a:cs typeface="+mn-cs"/>
-              </a:defRPr>
-            </a:lvl7pPr>
-            <a:lvl8pPr marL="3429000" indent="-228600" algn="l" defTabSz="914400" rtl="0" eaLnBrk="1" latinLnBrk="0" hangingPunct="1">
-              <a:spcBef>
-                <a:spcPct val="20000"/>
-              </a:spcBef>
-              <a:buFont typeface="Arial" panose="020B0604020202020204" pitchFamily="34" charset="0"/>
-              <a:buChar char="•"/>
-              <a:defRPr sz="2000" kern="1200">
-                <a:solidFill>
-                  <a:schemeClr val="tx1"/>
-                </a:solidFill>
-                <a:latin typeface="+mn-lt"/>
-                <a:ea typeface="+mn-ea"/>
-                <a:cs typeface="+mn-cs"/>
-              </a:defRPr>
-            </a:lvl8pPr>
-            <a:lvl9pPr marL="3886200" indent="-228600" algn="l" defTabSz="914400" rtl="0" eaLnBrk="1" latinLnBrk="0" hangingPunct="1">
-              <a:spcBef>
-                <a:spcPct val="20000"/>
-              </a:spcBef>
-              <a:buFont typeface="Arial" panose="020B0604020202020204" pitchFamily="34" charset="0"/>
-              <a:buChar char="•"/>
-              <a:defRPr sz="2000" kern="1200">
-                <a:solidFill>
-                  <a:schemeClr val="tx1"/>
-                </a:solidFill>
-                <a:latin typeface="+mn-lt"/>
-                <a:ea typeface="+mn-ea"/>
-                <a:cs typeface="+mn-cs"/>
-              </a:defRPr>
-            </a:lvl9pPr>
-          </a:lstStyle>
-          <a:p>
-            <a:pPr marL="0" indent="0" algn="r">
-              <a:buNone/>
-            </a:pPr>
-            <a:r>
-              <a:rPr lang="fr-FR" sz="2800" smtClean="0">
-                <a:latin typeface="+mj-lt"/>
-                <a:ea typeface="Yu Gothic UI Light" panose="020B0300000000000000" pitchFamily="34" charset="-128"/>
-                <a:cs typeface="Segoe UI" panose="020B0502040204020203" pitchFamily="34" charset="0"/>
-              </a:rPr>
-              <a:t>Problématique</a:t>
-            </a:r>
-          </a:p>
-          <a:p>
-            <a:pPr marL="0" indent="0" algn="r">
-              <a:buNone/>
-            </a:pPr>
-            <a:r>
-              <a:rPr lang="fr-FR" sz="2800" smtClean="0">
-                <a:latin typeface="Yu Gothic UI Light" panose="020B0300000000000000" pitchFamily="34" charset="-128"/>
-                <a:ea typeface="Yu Gothic UI Light" panose="020B0300000000000000" pitchFamily="34" charset="-128"/>
-                <a:cs typeface="Segoe UI" panose="020B0502040204020203" pitchFamily="34" charset="0"/>
-              </a:rPr>
-              <a:t>Données</a:t>
-            </a:r>
-          </a:p>
-          <a:p>
-            <a:pPr marL="0" indent="0" algn="r">
-              <a:buNone/>
-            </a:pPr>
-            <a:r>
-              <a:rPr lang="fr-FR" sz="2800" smtClean="0">
-                <a:latin typeface="Yu Gothic UI Light" panose="020B0300000000000000" pitchFamily="34" charset="-128"/>
-                <a:ea typeface="Yu Gothic UI Light" panose="020B0300000000000000" pitchFamily="34" charset="-128"/>
-                <a:cs typeface="Segoe UI" panose="020B0502040204020203" pitchFamily="34" charset="0"/>
-              </a:rPr>
-              <a:t>Modélisation</a:t>
-            </a:r>
-          </a:p>
-          <a:p>
-            <a:pPr marL="0" indent="0" algn="r">
-              <a:buNone/>
-            </a:pPr>
-            <a:r>
-              <a:rPr lang="fr-FR" sz="2800" smtClean="0">
-                <a:latin typeface="Yu Gothic UI Light" panose="020B0300000000000000" pitchFamily="34" charset="-128"/>
-                <a:ea typeface="Yu Gothic UI Light" panose="020B0300000000000000" pitchFamily="34" charset="-128"/>
-                <a:cs typeface="Segoe UI" panose="020B0502040204020203" pitchFamily="34" charset="0"/>
-              </a:rPr>
-              <a:t>Conclusions</a:t>
-            </a:r>
-          </a:p>
-          <a:p>
-            <a:pPr algn="r"/>
-            <a:endParaRPr lang="fr-FR" sz="2800">
-              <a:latin typeface="Yu Gothic UI Light" panose="020B0300000000000000" pitchFamily="34" charset="-128"/>
-              <a:ea typeface="Yu Gothic UI Light" panose="020B0300000000000000" pitchFamily="34" charset="-128"/>
-            </a:endParaRPr>
-          </a:p>
-        </p:txBody>
-      </p:sp>
-      <p:grpSp>
-        <p:nvGrpSpPr>
-          <p:cNvPr id="16" name="Groupe 15"/>
-          <p:cNvGrpSpPr/>
-          <p:nvPr/>
-        </p:nvGrpSpPr>
-        <p:grpSpPr>
-          <a:xfrm>
-            <a:off x="8288350" y="3135701"/>
-            <a:ext cx="244090" cy="2085523"/>
-            <a:chOff x="8648390" y="4292733"/>
-            <a:chExt cx="144016" cy="864096"/>
-          </a:xfrm>
-        </p:grpSpPr>
-        <p:sp>
-          <p:nvSpPr>
-            <p:cNvPr id="18" name="Rectangle 17"/>
-            <p:cNvSpPr/>
-            <p:nvPr/>
-          </p:nvSpPr>
-          <p:spPr>
-            <a:xfrm>
-              <a:off x="8648390" y="4292733"/>
-              <a:ext cx="144016" cy="216024"/>
-            </a:xfrm>
-            <a:prstGeom prst="rect">
-              <a:avLst/>
-            </a:prstGeom>
-            <a:solidFill>
-              <a:srgbClr val="00CCFF"/>
-            </a:solidFill>
-            <a:ln w="6350">
-              <a:solidFill>
-                <a:schemeClr val="bg1">
-                  <a:lumMod val="65000"/>
-                </a:schemeClr>
-              </a:solidFill>
-            </a:ln>
-          </p:spPr>
-          <p:style>
-            <a:lnRef idx="2">
-              <a:schemeClr val="accent1">
-                <a:shade val="50000"/>
-              </a:schemeClr>
-            </a:lnRef>
-            <a:fillRef idx="1">
-              <a:schemeClr val="accent1"/>
-            </a:fillRef>
-            <a:effectRef idx="0">
-              <a:schemeClr val="accent1"/>
-            </a:effectRef>
-            <a:fontRef idx="minor">
-              <a:schemeClr val="lt1"/>
-            </a:fontRef>
-          </p:style>
-          <p:txBody>
-            <a:bodyPr rtlCol="0" anchor="ctr"/>
-            <a:lstStyle/>
-            <a:p>
-              <a:pPr algn="ctr"/>
-              <a:endParaRPr lang="fr-FR"/>
-            </a:p>
-          </p:txBody>
-        </p:sp>
-        <p:sp>
-          <p:nvSpPr>
-            <p:cNvPr id="19" name="Rectangle 18"/>
-            <p:cNvSpPr/>
-            <p:nvPr/>
-          </p:nvSpPr>
-          <p:spPr>
-            <a:xfrm>
-              <a:off x="8648390" y="4508757"/>
-              <a:ext cx="144016" cy="216024"/>
-            </a:xfrm>
-            <a:prstGeom prst="rect">
-              <a:avLst/>
-            </a:prstGeom>
-            <a:solidFill>
-              <a:schemeClr val="bg1">
-                <a:lumMod val="50000"/>
-              </a:schemeClr>
-            </a:solidFill>
-            <a:ln w="6350">
-              <a:solidFill>
-                <a:schemeClr val="bg1">
-                  <a:lumMod val="65000"/>
-                </a:schemeClr>
-              </a:solidFill>
-            </a:ln>
-          </p:spPr>
-          <p:style>
-            <a:lnRef idx="2">
-              <a:schemeClr val="accent1">
-                <a:shade val="50000"/>
-              </a:schemeClr>
-            </a:lnRef>
-            <a:fillRef idx="1">
-              <a:schemeClr val="accent1"/>
-            </a:fillRef>
-            <a:effectRef idx="0">
-              <a:schemeClr val="accent1"/>
-            </a:effectRef>
-            <a:fontRef idx="minor">
-              <a:schemeClr val="lt1"/>
-            </a:fontRef>
-          </p:style>
-          <p:txBody>
-            <a:bodyPr rtlCol="0" anchor="ctr"/>
-            <a:lstStyle/>
-            <a:p>
-              <a:pPr algn="ctr"/>
-              <a:endParaRPr lang="fr-FR"/>
-            </a:p>
-          </p:txBody>
-        </p:sp>
-        <p:sp>
-          <p:nvSpPr>
-            <p:cNvPr id="20" name="Rectangle 19"/>
-            <p:cNvSpPr/>
-            <p:nvPr/>
-          </p:nvSpPr>
-          <p:spPr>
-            <a:xfrm>
-              <a:off x="8648390" y="4724781"/>
-              <a:ext cx="144016" cy="216024"/>
-            </a:xfrm>
-            <a:prstGeom prst="rect">
-              <a:avLst/>
-            </a:prstGeom>
-            <a:solidFill>
-              <a:schemeClr val="bg1">
-                <a:lumMod val="50000"/>
-              </a:schemeClr>
-            </a:solidFill>
-            <a:ln w="6350">
-              <a:solidFill>
-                <a:schemeClr val="bg1">
-                  <a:lumMod val="65000"/>
-                </a:schemeClr>
-              </a:solidFill>
-            </a:ln>
-          </p:spPr>
-          <p:style>
-            <a:lnRef idx="2">
-              <a:schemeClr val="accent1">
-                <a:shade val="50000"/>
-              </a:schemeClr>
-            </a:lnRef>
-            <a:fillRef idx="1">
-              <a:schemeClr val="accent1"/>
-            </a:fillRef>
-            <a:effectRef idx="0">
-              <a:schemeClr val="accent1"/>
-            </a:effectRef>
-            <a:fontRef idx="minor">
-              <a:schemeClr val="lt1"/>
-            </a:fontRef>
-          </p:style>
-          <p:txBody>
-            <a:bodyPr rtlCol="0" anchor="ctr"/>
-            <a:lstStyle/>
-            <a:p>
-              <a:pPr algn="ctr"/>
-              <a:endParaRPr lang="fr-FR"/>
-            </a:p>
-          </p:txBody>
-        </p:sp>
-        <p:sp>
-          <p:nvSpPr>
-            <p:cNvPr id="21" name="Rectangle 20"/>
-            <p:cNvSpPr/>
-            <p:nvPr/>
-          </p:nvSpPr>
-          <p:spPr>
-            <a:xfrm>
-              <a:off x="8648390" y="4940805"/>
-              <a:ext cx="144016" cy="216024"/>
-            </a:xfrm>
-            <a:prstGeom prst="rect">
-              <a:avLst/>
-            </a:prstGeom>
-            <a:solidFill>
-              <a:schemeClr val="bg1">
-                <a:lumMod val="50000"/>
-              </a:schemeClr>
-            </a:solidFill>
-            <a:ln w="6350">
-              <a:solidFill>
-                <a:schemeClr val="bg1">
-                  <a:lumMod val="65000"/>
-                </a:schemeClr>
-              </a:solidFill>
-            </a:ln>
-          </p:spPr>
-          <p:style>
-            <a:lnRef idx="2">
-              <a:schemeClr val="accent1">
-                <a:shade val="50000"/>
-              </a:schemeClr>
-            </a:lnRef>
-            <a:fillRef idx="1">
-              <a:schemeClr val="accent1"/>
-            </a:fillRef>
-            <a:effectRef idx="0">
-              <a:schemeClr val="accent1"/>
-            </a:effectRef>
-            <a:fontRef idx="minor">
-              <a:schemeClr val="lt1"/>
-            </a:fontRef>
-          </p:style>
-          <p:txBody>
-            <a:bodyPr rtlCol="0" anchor="ctr"/>
-            <a:lstStyle/>
-            <a:p>
-              <a:pPr algn="ctr"/>
-              <a:endParaRPr lang="fr-FR"/>
-            </a:p>
-          </p:txBody>
-        </p:sp>
-      </p:grpSp>
-    </p:spTree>
-    <p:extLst>
-      <p:ext uri="{BB962C8B-B14F-4D97-AF65-F5344CB8AC3E}">
-        <p14:creationId xmlns:p14="http://schemas.microsoft.com/office/powerpoint/2010/main" val="2721325232"/>
-      </p:ext>
-    </p:extLst>
-  </p:cSld>
-  <p:clrMapOvr>
-    <a:masterClrMapping/>
-  </p:clrMapOvr>
-  <p:timing>
-    <p:tnLst>
-      <p:par>
-        <p:cTn id="1" dur="indefinite" restart="never" nodeType="tmRoot"/>
-      </p:par>
-    </p:tnLst>
-  </p:timing>
-</p:sld>
-</file>
-
-<file path=ppt/slides/slide3.xml><?xml version="1.0" encoding="utf-8"?>
-<p:sld xmlns:a="http://schemas.openxmlformats.org/drawingml/2006/main" xmlns:r="http://schemas.openxmlformats.org/officeDocument/2006/relationships" xmlns:p="http://schemas.openxmlformats.org/presentationml/2006/main">
-  <p:cSld>
-    <p:spTree>
-      <p:nvGrpSpPr>
-        <p:cNvPr id="1" name=""/>
-        <p:cNvGrpSpPr/>
-        <p:nvPr/>
-      </p:nvGrpSpPr>
-      <p:grpSpPr>
-        <a:xfrm>
-          <a:off x="0" y="0"/>
-          <a:ext cx="0" cy="0"/>
-          <a:chOff x="0" y="0"/>
-          <a:chExt cx="0" cy="0"/>
-        </a:xfrm>
-      </p:grpSpPr>
-      <p:sp>
-        <p:nvSpPr>
           <p:cNvPr id="2" name="Titre 1"/>
           <p:cNvSpPr>
             <a:spLocks noGrp="1"/>
@@ -5192,7 +4660,7 @@
             <a:pPr algn="r"/>
             <a:r>
               <a:rPr lang="fr-FR" smtClean="0"/>
-              <a:t>Problématique</a:t>
+              <a:t>Données</a:t>
             </a:r>
             <a:r>
               <a:rPr lang="fr-FR" sz="3200" smtClean="0"/>
@@ -5217,7 +4685,7 @@
                 <a:latin typeface="Yu Gothic UI Light" panose="020B0300000000000000" pitchFamily="34" charset="-128"/>
                 <a:ea typeface="Yu Gothic UI Light" panose="020B0300000000000000" pitchFamily="34" charset="-128"/>
               </a:rPr>
-              <a:t>« Seattle Energy Benchmarking »</a:t>
+              <a:t>les acheteurs et vendeurs</a:t>
             </a:r>
             <a:endParaRPr lang="fr-FR" sz="3100">
               <a:latin typeface="Yu Gothic UI Light" panose="020B0300000000000000" pitchFamily="34" charset="-128"/>
@@ -5289,7 +4757,7 @@
           <a:p>
             <a:fld id="{D384C430-F8FC-4B07-B0BC-750FA1B3CF0A}" type="slidenum">
               <a:rPr lang="fr-FR" smtClean="0"/>
-              <a:t>3</a:t>
+              <a:t>10</a:t>
             </a:fld>
             <a:endParaRPr lang="fr-FR"/>
           </a:p>
@@ -5297,7 +4765,7 @@
       </p:sp>
       <p:sp>
         <p:nvSpPr>
-          <p:cNvPr id="16" name="Rectangle 15"/>
+          <p:cNvPr id="7" name="Rectangle 6"/>
           <p:cNvSpPr/>
           <p:nvPr/>
         </p:nvSpPr>
@@ -5312,9 +4780,7 @@
           <a:gradFill flip="none" rotWithShape="1">
             <a:gsLst>
               <a:gs pos="0">
-                <a:schemeClr val="accent1">
-                  <a:lumMod val="75000"/>
-                </a:schemeClr>
+                <a:srgbClr val="002060"/>
               </a:gs>
               <a:gs pos="100000">
                 <a:schemeClr val="accent1">
@@ -5356,64 +4822,10 @@
           </a:p>
         </p:txBody>
       </p:sp>
-      <p:pic>
-        <p:nvPicPr>
-          <p:cNvPr id="2050" name="Picture 2"/>
-          <p:cNvPicPr>
-            <a:picLocks noChangeAspect="1" noChangeArrowheads="1"/>
-          </p:cNvPicPr>
-          <p:nvPr/>
-        </p:nvPicPr>
-        <p:blipFill>
-          <a:blip r:embed="rId2">
-            <a:extLst>
-              <a:ext uri="{28A0092B-C50C-407E-A947-70E740481C1C}">
-                <a14:useLocalDpi xmlns:a14="http://schemas.microsoft.com/office/drawing/2010/main" val="0"/>
-              </a:ext>
-            </a:extLst>
-          </a:blip>
-          <a:srcRect/>
-          <a:stretch>
-            <a:fillRect/>
-          </a:stretch>
-        </p:blipFill>
-        <p:spPr bwMode="auto">
-          <a:xfrm>
-            <a:off x="646770" y="3140968"/>
-            <a:ext cx="4688633" cy="2265040"/>
-          </a:xfrm>
-          <a:prstGeom prst="rect">
-            <a:avLst/>
-          </a:prstGeom>
-          <a:noFill/>
-          <a:ln>
-            <a:noFill/>
-          </a:ln>
-          <a:extLst>
-            <a:ext uri="{909E8E84-426E-40DD-AFC4-6F175D3DCCD1}">
-              <a14:hiddenFill xmlns:a14="http://schemas.microsoft.com/office/drawing/2010/main">
-                <a:solidFill>
-                  <a:schemeClr val="accent1"/>
-                </a:solidFill>
-              </a14:hiddenFill>
-            </a:ext>
-            <a:ext uri="{91240B29-F687-4F45-9708-019B960494DF}">
-              <a14:hiddenLine xmlns:a14="http://schemas.microsoft.com/office/drawing/2010/main" w="9525">
-                <a:solidFill>
-                  <a:schemeClr val="tx1"/>
-                </a:solidFill>
-                <a:miter lim="800000"/>
-                <a:headEnd/>
-                <a:tailEnd/>
-              </a14:hiddenLine>
-            </a:ext>
-          </a:extLst>
-        </p:spPr>
-      </p:pic>
     </p:spTree>
     <p:extLst>
       <p:ext uri="{BB962C8B-B14F-4D97-AF65-F5344CB8AC3E}">
-        <p14:creationId xmlns:p14="http://schemas.microsoft.com/office/powerpoint/2010/main" val="3280440723"/>
+        <p14:creationId xmlns:p14="http://schemas.microsoft.com/office/powerpoint/2010/main" val="3085534110"/>
       </p:ext>
     </p:extLst>
   </p:cSld>
@@ -5430,7 +4842,7 @@
 </p:sld>
 </file>
 
-<file path=ppt/slides/slide4.xml><?xml version="1.0" encoding="utf-8"?>
+<file path=ppt/slides/slide11.xml><?xml version="1.0" encoding="utf-8"?>
 <p:sld xmlns:a="http://schemas.openxmlformats.org/drawingml/2006/main" xmlns:r="http://schemas.openxmlformats.org/officeDocument/2006/relationships" xmlns:p="http://schemas.openxmlformats.org/presentationml/2006/main">
   <p:cSld>
     <p:spTree>
@@ -5449,596 +4861,195 @@
       </p:grpSpPr>
       <p:sp>
         <p:nvSpPr>
-          <p:cNvPr id="4" name="Espace réservé de la date 3"/>
-          <p:cNvSpPr>
-            <a:spLocks noGrp="1"/>
-          </p:cNvSpPr>
-          <p:nvPr>
-            <p:ph type="dt" sz="half" idx="10"/>
-          </p:nvPr>
-        </p:nvSpPr>
-        <p:spPr/>
-        <p:txBody>
-          <a:bodyPr/>
-          <a:lstStyle/>
-          <a:p>
-            <a:r>
-              <a:rPr lang="fr-FR" smtClean="0"/>
-              <a:t>17/06/2020</a:t>
-            </a:r>
-            <a:endParaRPr lang="fr-FR"/>
-          </a:p>
-        </p:txBody>
-      </p:sp>
-      <p:sp>
-        <p:nvSpPr>
-          <p:cNvPr id="5" name="Espace réservé du pied de page 4"/>
-          <p:cNvSpPr>
-            <a:spLocks noGrp="1"/>
-          </p:cNvSpPr>
-          <p:nvPr>
-            <p:ph type="ftr" sz="quarter" idx="11"/>
-          </p:nvPr>
-        </p:nvSpPr>
-        <p:spPr/>
-        <p:txBody>
-          <a:bodyPr/>
-          <a:lstStyle/>
-          <a:p>
-            <a:r>
-              <a:rPr lang="fr-FR" smtClean="0"/>
-              <a:t>Maryse Muller | Parcours Data Scientist</a:t>
-            </a:r>
-            <a:endParaRPr lang="fr-FR"/>
-          </a:p>
-        </p:txBody>
-      </p:sp>
-      <p:sp>
-        <p:nvSpPr>
-          <p:cNvPr id="6" name="Espace réservé du numéro de diapositive 5"/>
-          <p:cNvSpPr>
-            <a:spLocks noGrp="1"/>
-          </p:cNvSpPr>
-          <p:nvPr>
-            <p:ph type="sldNum" sz="quarter" idx="12"/>
-          </p:nvPr>
-        </p:nvSpPr>
-        <p:spPr/>
-        <p:txBody>
-          <a:bodyPr/>
-          <a:lstStyle/>
-          <a:p>
-            <a:fld id="{D384C430-F8FC-4B07-B0BC-750FA1B3CF0A}" type="slidenum">
-              <a:rPr lang="fr-FR" smtClean="0"/>
-              <a:t>4</a:t>
-            </a:fld>
-            <a:endParaRPr lang="fr-FR"/>
-          </a:p>
-        </p:txBody>
-      </p:sp>
-      <p:sp>
-        <p:nvSpPr>
-          <p:cNvPr id="11" name="Sous-titre 2"/>
-          <p:cNvSpPr txBox="1">
-            <a:spLocks/>
-          </p:cNvSpPr>
-          <p:nvPr/>
+          <p:cNvPr id="2" name="Titre 1"/>
+          <p:cNvSpPr>
+            <a:spLocks noGrp="1"/>
+          </p:cNvSpPr>
+          <p:nvPr>
+            <p:ph type="title"/>
+          </p:nvPr>
         </p:nvSpPr>
         <p:spPr>
           <a:xfrm>
-            <a:off x="3720783" y="3160318"/>
-            <a:ext cx="4496544" cy="2131990"/>
+            <a:off x="1094408" y="588428"/>
+            <a:ext cx="7488832" cy="1066130"/>
+          </a:xfrm>
+        </p:spPr>
+        <p:txBody>
+          <a:bodyPr>
+            <a:normAutofit fontScale="90000"/>
+          </a:bodyPr>
+          <a:lstStyle/>
+          <a:p>
+            <a:pPr algn="r"/>
+            <a:r>
+              <a:rPr lang="fr-FR" smtClean="0"/>
+              <a:t>Données</a:t>
+            </a:r>
+            <a:r>
+              <a:rPr lang="fr-FR" sz="3200" smtClean="0"/>
+              <a:t/>
+            </a:r>
+            <a:br>
+              <a:rPr lang="fr-FR" sz="3200" smtClean="0"/>
+            </a:br>
+            <a:r>
+              <a:rPr lang="fr-FR" sz="900" smtClean="0"/>
+              <a:t> </a:t>
+            </a:r>
+            <a:r>
+              <a:rPr lang="fr-FR" sz="3200"/>
+              <a:t/>
+            </a:r>
+            <a:br>
+              <a:rPr lang="fr-FR" sz="3200"/>
+            </a:br>
+            <a:r>
+              <a:rPr lang="fr-FR" sz="3100" smtClean="0">
+                <a:latin typeface="Yu Gothic UI Light" panose="020B0300000000000000" pitchFamily="34" charset="-128"/>
+                <a:ea typeface="Yu Gothic UI Light" panose="020B0300000000000000" pitchFamily="34" charset="-128"/>
+              </a:rPr>
+              <a:t>bilan après nettoyage</a:t>
+            </a:r>
+            <a:endParaRPr lang="fr-FR" sz="3100">
+              <a:latin typeface="Yu Gothic UI Light" panose="020B0300000000000000" pitchFamily="34" charset="-128"/>
+              <a:ea typeface="Yu Gothic UI Light" panose="020B0300000000000000" pitchFamily="34" charset="-128"/>
+            </a:endParaRPr>
+          </a:p>
+        </p:txBody>
+      </p:sp>
+      <p:sp>
+        <p:nvSpPr>
+          <p:cNvPr id="4" name="Espace réservé de la date 3"/>
+          <p:cNvSpPr>
+            <a:spLocks noGrp="1"/>
+          </p:cNvSpPr>
+          <p:nvPr>
+            <p:ph type="dt" sz="half" idx="10"/>
+          </p:nvPr>
+        </p:nvSpPr>
+        <p:spPr/>
+        <p:txBody>
+          <a:bodyPr/>
+          <a:lstStyle/>
+          <a:p>
+            <a:r>
+              <a:rPr lang="fr-FR" smtClean="0"/>
+              <a:t>17/06/2020</a:t>
+            </a:r>
+            <a:endParaRPr lang="fr-FR"/>
+          </a:p>
+        </p:txBody>
+      </p:sp>
+      <p:sp>
+        <p:nvSpPr>
+          <p:cNvPr id="5" name="Espace réservé du pied de page 4"/>
+          <p:cNvSpPr>
+            <a:spLocks noGrp="1"/>
+          </p:cNvSpPr>
+          <p:nvPr>
+            <p:ph type="ftr" sz="quarter" idx="11"/>
+          </p:nvPr>
+        </p:nvSpPr>
+        <p:spPr/>
+        <p:txBody>
+          <a:bodyPr/>
+          <a:lstStyle/>
+          <a:p>
+            <a:r>
+              <a:rPr lang="fr-FR" smtClean="0"/>
+              <a:t>Maryse Muller | Parcours Data Scientist</a:t>
+            </a:r>
+            <a:endParaRPr lang="fr-FR"/>
+          </a:p>
+        </p:txBody>
+      </p:sp>
+      <p:sp>
+        <p:nvSpPr>
+          <p:cNvPr id="6" name="Espace réservé du numéro de diapositive 5"/>
+          <p:cNvSpPr>
+            <a:spLocks noGrp="1"/>
+          </p:cNvSpPr>
+          <p:nvPr>
+            <p:ph type="sldNum" sz="quarter" idx="12"/>
+          </p:nvPr>
+        </p:nvSpPr>
+        <p:spPr/>
+        <p:txBody>
+          <a:bodyPr/>
+          <a:lstStyle/>
+          <a:p>
+            <a:fld id="{D384C430-F8FC-4B07-B0BC-750FA1B3CF0A}" type="slidenum">
+              <a:rPr lang="fr-FR" smtClean="0"/>
+              <a:t>11</a:t>
+            </a:fld>
+            <a:endParaRPr lang="fr-FR"/>
+          </a:p>
+        </p:txBody>
+      </p:sp>
+      <p:sp>
+        <p:nvSpPr>
+          <p:cNvPr id="7" name="Rectangle 6"/>
+          <p:cNvSpPr/>
+          <p:nvPr/>
+        </p:nvSpPr>
+        <p:spPr>
+          <a:xfrm>
+            <a:off x="3823854" y="1196959"/>
+            <a:ext cx="4708586" cy="45719"/>
           </a:xfrm>
           <a:prstGeom prst="rect">
             <a:avLst/>
           </a:prstGeom>
+          <a:gradFill flip="none" rotWithShape="1">
+            <a:gsLst>
+              <a:gs pos="0">
+                <a:srgbClr val="002060"/>
+              </a:gs>
+              <a:gs pos="100000">
+                <a:schemeClr val="accent1">
+                  <a:tint val="23500"/>
+                  <a:satMod val="160000"/>
+                  <a:alpha val="0"/>
+                </a:schemeClr>
+              </a:gs>
+            </a:gsLst>
+            <a:lin ang="10800000" scaled="1"/>
+            <a:tileRect/>
+          </a:gradFill>
+          <a:ln>
+            <a:noFill/>
+          </a:ln>
         </p:spPr>
-        <p:txBody>
-          <a:bodyPr>
-            <a:noAutofit/>
-          </a:bodyPr>
-          <a:lstStyle>
-            <a:lvl1pPr marL="342900" indent="-342900" algn="l" defTabSz="914400" rtl="0" eaLnBrk="1" latinLnBrk="0" hangingPunct="1">
-              <a:spcBef>
-                <a:spcPct val="20000"/>
-              </a:spcBef>
-              <a:buFont typeface="Arial" panose="020B0604020202020204" pitchFamily="34" charset="0"/>
-              <a:buChar char="•"/>
-              <a:defRPr sz="3200" kern="1200">
-                <a:solidFill>
-                  <a:schemeClr val="tx1"/>
-                </a:solidFill>
-                <a:latin typeface="+mn-lt"/>
-                <a:ea typeface="+mn-ea"/>
-                <a:cs typeface="+mn-cs"/>
-              </a:defRPr>
-            </a:lvl1pPr>
-            <a:lvl2pPr marL="742950" indent="-285750" algn="l" defTabSz="914400" rtl="0" eaLnBrk="1" latinLnBrk="0" hangingPunct="1">
-              <a:spcBef>
-                <a:spcPct val="20000"/>
-              </a:spcBef>
-              <a:buFont typeface="Arial" panose="020B0604020202020204" pitchFamily="34" charset="0"/>
-              <a:buChar char="–"/>
-              <a:defRPr sz="2800" kern="1200">
-                <a:solidFill>
-                  <a:schemeClr val="tx1"/>
-                </a:solidFill>
-                <a:latin typeface="+mn-lt"/>
-                <a:ea typeface="+mn-ea"/>
-                <a:cs typeface="+mn-cs"/>
-              </a:defRPr>
-            </a:lvl2pPr>
-            <a:lvl3pPr marL="1143000" indent="-228600" algn="l" defTabSz="914400" rtl="0" eaLnBrk="1" latinLnBrk="0" hangingPunct="1">
-              <a:spcBef>
-                <a:spcPct val="20000"/>
-              </a:spcBef>
-              <a:buFont typeface="Arial" panose="020B0604020202020204" pitchFamily="34" charset="0"/>
-              <a:buChar char="•"/>
-              <a:defRPr sz="2400" kern="1200">
-                <a:solidFill>
-                  <a:schemeClr val="tx1"/>
-                </a:solidFill>
-                <a:latin typeface="+mn-lt"/>
-                <a:ea typeface="+mn-ea"/>
-                <a:cs typeface="+mn-cs"/>
-              </a:defRPr>
-            </a:lvl3pPr>
-            <a:lvl4pPr marL="1600200" indent="-228600" algn="l" defTabSz="914400" rtl="0" eaLnBrk="1" latinLnBrk="0" hangingPunct="1">
-              <a:spcBef>
-                <a:spcPct val="20000"/>
-              </a:spcBef>
-              <a:buFont typeface="Arial" panose="020B0604020202020204" pitchFamily="34" charset="0"/>
-              <a:buChar char="–"/>
-              <a:defRPr sz="2000" kern="1200">
-                <a:solidFill>
-                  <a:schemeClr val="tx1"/>
-                </a:solidFill>
-                <a:latin typeface="+mn-lt"/>
-                <a:ea typeface="+mn-ea"/>
-                <a:cs typeface="+mn-cs"/>
-              </a:defRPr>
-            </a:lvl4pPr>
-            <a:lvl5pPr marL="2057400" indent="-228600" algn="l" defTabSz="914400" rtl="0" eaLnBrk="1" latinLnBrk="0" hangingPunct="1">
-              <a:spcBef>
-                <a:spcPct val="20000"/>
-              </a:spcBef>
-              <a:buFont typeface="Arial" panose="020B0604020202020204" pitchFamily="34" charset="0"/>
-              <a:buChar char="»"/>
-              <a:defRPr sz="2000" kern="1200">
-                <a:solidFill>
-                  <a:schemeClr val="tx1"/>
-                </a:solidFill>
-                <a:latin typeface="+mn-lt"/>
-                <a:ea typeface="+mn-ea"/>
-                <a:cs typeface="+mn-cs"/>
-              </a:defRPr>
-            </a:lvl5pPr>
-            <a:lvl6pPr marL="2514600" indent="-228600" algn="l" defTabSz="914400" rtl="0" eaLnBrk="1" latinLnBrk="0" hangingPunct="1">
-              <a:spcBef>
-                <a:spcPct val="20000"/>
-              </a:spcBef>
-              <a:buFont typeface="Arial" panose="020B0604020202020204" pitchFamily="34" charset="0"/>
-              <a:buChar char="•"/>
-              <a:defRPr sz="2000" kern="1200">
-                <a:solidFill>
-                  <a:schemeClr val="tx1"/>
-                </a:solidFill>
-                <a:latin typeface="+mn-lt"/>
-                <a:ea typeface="+mn-ea"/>
-                <a:cs typeface="+mn-cs"/>
-              </a:defRPr>
-            </a:lvl6pPr>
-            <a:lvl7pPr marL="2971800" indent="-228600" algn="l" defTabSz="914400" rtl="0" eaLnBrk="1" latinLnBrk="0" hangingPunct="1">
-              <a:spcBef>
-                <a:spcPct val="20000"/>
-              </a:spcBef>
-              <a:buFont typeface="Arial" panose="020B0604020202020204" pitchFamily="34" charset="0"/>
-              <a:buChar char="•"/>
-              <a:defRPr sz="2000" kern="1200">
-                <a:solidFill>
-                  <a:schemeClr val="tx1"/>
-                </a:solidFill>
-                <a:latin typeface="+mn-lt"/>
-                <a:ea typeface="+mn-ea"/>
-                <a:cs typeface="+mn-cs"/>
-              </a:defRPr>
-            </a:lvl7pPr>
-            <a:lvl8pPr marL="3429000" indent="-228600" algn="l" defTabSz="914400" rtl="0" eaLnBrk="1" latinLnBrk="0" hangingPunct="1">
-              <a:spcBef>
-                <a:spcPct val="20000"/>
-              </a:spcBef>
-              <a:buFont typeface="Arial" panose="020B0604020202020204" pitchFamily="34" charset="0"/>
-              <a:buChar char="•"/>
-              <a:defRPr sz="2000" kern="1200">
-                <a:solidFill>
-                  <a:schemeClr val="tx1"/>
-                </a:solidFill>
-                <a:latin typeface="+mn-lt"/>
-                <a:ea typeface="+mn-ea"/>
-                <a:cs typeface="+mn-cs"/>
-              </a:defRPr>
-            </a:lvl8pPr>
-            <a:lvl9pPr marL="3886200" indent="-228600" algn="l" defTabSz="914400" rtl="0" eaLnBrk="1" latinLnBrk="0" hangingPunct="1">
-              <a:spcBef>
-                <a:spcPct val="20000"/>
-              </a:spcBef>
-              <a:buFont typeface="Arial" panose="020B0604020202020204" pitchFamily="34" charset="0"/>
-              <a:buChar char="•"/>
-              <a:defRPr sz="2000" kern="1200">
-                <a:solidFill>
-                  <a:schemeClr val="tx1"/>
-                </a:solidFill>
-                <a:latin typeface="+mn-lt"/>
-                <a:ea typeface="+mn-ea"/>
-                <a:cs typeface="+mn-cs"/>
-              </a:defRPr>
-            </a:lvl9pPr>
-          </a:lstStyle>
-          <a:p>
-            <a:pPr marL="0" indent="0" algn="r">
-              <a:buNone/>
-            </a:pPr>
-            <a:r>
-              <a:rPr lang="fr-FR" sz="2800" smtClean="0">
-                <a:latin typeface="Yu Gothic UI Light" panose="020B0300000000000000" pitchFamily="34" charset="-128"/>
-                <a:ea typeface="Yu Gothic UI Light" panose="020B0300000000000000" pitchFamily="34" charset="-128"/>
-                <a:cs typeface="Segoe UI" panose="020B0502040204020203" pitchFamily="34" charset="0"/>
-              </a:rPr>
-              <a:t>Problématique</a:t>
-            </a:r>
-          </a:p>
-          <a:p>
-            <a:pPr marL="0" indent="0" algn="r">
-              <a:buNone/>
-            </a:pPr>
-            <a:r>
-              <a:rPr lang="fr-FR" sz="2800" smtClean="0">
-                <a:latin typeface="+mj-lt"/>
-                <a:ea typeface="Yu Gothic UI Light" panose="020B0300000000000000" pitchFamily="34" charset="-128"/>
-                <a:cs typeface="Segoe UI" panose="020B0502040204020203" pitchFamily="34" charset="0"/>
-              </a:rPr>
-              <a:t>Données</a:t>
-            </a:r>
-          </a:p>
-          <a:p>
-            <a:pPr marL="0" indent="0" algn="r">
-              <a:buNone/>
-            </a:pPr>
-            <a:r>
-              <a:rPr lang="fr-FR" sz="2800" smtClean="0">
-                <a:latin typeface="Yu Gothic UI Light" panose="020B0300000000000000" pitchFamily="34" charset="-128"/>
-                <a:ea typeface="Yu Gothic UI Light" panose="020B0300000000000000" pitchFamily="34" charset="-128"/>
-                <a:cs typeface="Segoe UI" panose="020B0502040204020203" pitchFamily="34" charset="0"/>
-              </a:rPr>
-              <a:t>Modélisation</a:t>
-            </a:r>
-          </a:p>
-          <a:p>
-            <a:pPr marL="0" indent="0" algn="r">
-              <a:buNone/>
-            </a:pPr>
-            <a:r>
-              <a:rPr lang="fr-FR" sz="2800" smtClean="0">
-                <a:latin typeface="Yu Gothic UI Light" panose="020B0300000000000000" pitchFamily="34" charset="-128"/>
-                <a:ea typeface="Yu Gothic UI Light" panose="020B0300000000000000" pitchFamily="34" charset="-128"/>
-                <a:cs typeface="Segoe UI" panose="020B0502040204020203" pitchFamily="34" charset="0"/>
-              </a:rPr>
-              <a:t>Conclusions</a:t>
-            </a:r>
-          </a:p>
-          <a:p>
-            <a:pPr algn="r"/>
-            <a:endParaRPr lang="fr-FR" sz="2800">
-              <a:latin typeface="Yu Gothic UI Light" panose="020B0300000000000000" pitchFamily="34" charset="-128"/>
-              <a:ea typeface="Yu Gothic UI Light" panose="020B0300000000000000" pitchFamily="34" charset="-128"/>
-            </a:endParaRPr>
-          </a:p>
-        </p:txBody>
-      </p:sp>
-      <p:grpSp>
-        <p:nvGrpSpPr>
-          <p:cNvPr id="2" name="Groupe 1"/>
-          <p:cNvGrpSpPr/>
-          <p:nvPr/>
-        </p:nvGrpSpPr>
-        <p:grpSpPr>
-          <a:xfrm>
-            <a:off x="8288350" y="3135701"/>
-            <a:ext cx="244091" cy="2085523"/>
-            <a:chOff x="8288350" y="3135701"/>
-            <a:chExt cx="244091" cy="2085523"/>
-          </a:xfrm>
-        </p:grpSpPr>
-        <p:grpSp>
-          <p:nvGrpSpPr>
-            <p:cNvPr id="12" name="Groupe 11"/>
-            <p:cNvGrpSpPr/>
-            <p:nvPr/>
-          </p:nvGrpSpPr>
-          <p:grpSpPr>
-            <a:xfrm>
-              <a:off x="8288350" y="3135701"/>
-              <a:ext cx="244090" cy="2085523"/>
-              <a:chOff x="8648390" y="4292733"/>
-              <a:chExt cx="144016" cy="864096"/>
-            </a:xfrm>
-          </p:grpSpPr>
-          <p:sp>
-            <p:nvSpPr>
-              <p:cNvPr id="13" name="Rectangle 12"/>
-              <p:cNvSpPr/>
-              <p:nvPr/>
-            </p:nvSpPr>
-            <p:spPr>
-              <a:xfrm>
-                <a:off x="8648390" y="4292733"/>
-                <a:ext cx="144016" cy="216024"/>
-              </a:xfrm>
-              <a:prstGeom prst="rect">
-                <a:avLst/>
-              </a:prstGeom>
-              <a:solidFill>
-                <a:schemeClr val="bg1">
-                  <a:lumMod val="50000"/>
-                </a:schemeClr>
-              </a:solidFill>
-              <a:ln w="6350">
-                <a:solidFill>
-                  <a:schemeClr val="bg1">
-                    <a:lumMod val="65000"/>
-                  </a:schemeClr>
-                </a:solidFill>
-              </a:ln>
-            </p:spPr>
-            <p:style>
-              <a:lnRef idx="2">
-                <a:schemeClr val="accent1">
-                  <a:shade val="50000"/>
-                </a:schemeClr>
-              </a:lnRef>
-              <a:fillRef idx="1">
-                <a:schemeClr val="accent1"/>
-              </a:fillRef>
-              <a:effectRef idx="0">
-                <a:schemeClr val="accent1"/>
-              </a:effectRef>
-              <a:fontRef idx="minor">
-                <a:schemeClr val="lt1"/>
-              </a:fontRef>
-            </p:style>
-            <p:txBody>
-              <a:bodyPr rtlCol="0" anchor="ctr"/>
-              <a:lstStyle/>
-              <a:p>
-                <a:pPr algn="ctr"/>
-                <a:endParaRPr lang="fr-FR">
-                  <a:latin typeface="Yu Gothic UI Light" panose="020B0300000000000000" pitchFamily="34" charset="-128"/>
-                  <a:ea typeface="Yu Gothic UI Light" panose="020B0300000000000000" pitchFamily="34" charset="-128"/>
-                </a:endParaRPr>
-              </a:p>
-            </p:txBody>
-          </p:sp>
-          <p:sp>
-            <p:nvSpPr>
-              <p:cNvPr id="14" name="Rectangle 13"/>
-              <p:cNvSpPr/>
-              <p:nvPr/>
-            </p:nvSpPr>
-            <p:spPr>
-              <a:xfrm>
-                <a:off x="8648390" y="4508757"/>
-                <a:ext cx="144016" cy="216024"/>
-              </a:xfrm>
-              <a:prstGeom prst="rect">
-                <a:avLst/>
-              </a:prstGeom>
-              <a:solidFill>
-                <a:schemeClr val="bg1">
-                  <a:lumMod val="50000"/>
-                </a:schemeClr>
-              </a:solidFill>
-              <a:ln w="6350">
-                <a:solidFill>
-                  <a:schemeClr val="bg1">
-                    <a:lumMod val="65000"/>
-                  </a:schemeClr>
-                </a:solidFill>
-              </a:ln>
-            </p:spPr>
-            <p:style>
-              <a:lnRef idx="2">
-                <a:schemeClr val="accent1">
-                  <a:shade val="50000"/>
-                </a:schemeClr>
-              </a:lnRef>
-              <a:fillRef idx="1">
-                <a:schemeClr val="accent1"/>
-              </a:fillRef>
-              <a:effectRef idx="0">
-                <a:schemeClr val="accent1"/>
-              </a:effectRef>
-              <a:fontRef idx="minor">
-                <a:schemeClr val="lt1"/>
-              </a:fontRef>
-            </p:style>
-            <p:txBody>
-              <a:bodyPr rtlCol="0" anchor="ctr"/>
-              <a:lstStyle/>
-              <a:p>
-                <a:pPr algn="ctr"/>
-                <a:endParaRPr lang="fr-FR">
-                  <a:latin typeface="Yu Gothic UI Light" panose="020B0300000000000000" pitchFamily="34" charset="-128"/>
-                  <a:ea typeface="Yu Gothic UI Light" panose="020B0300000000000000" pitchFamily="34" charset="-128"/>
-                </a:endParaRPr>
-              </a:p>
-            </p:txBody>
-          </p:sp>
-          <p:sp>
-            <p:nvSpPr>
-              <p:cNvPr id="15" name="Rectangle 14"/>
-              <p:cNvSpPr/>
-              <p:nvPr/>
-            </p:nvSpPr>
-            <p:spPr>
-              <a:xfrm>
-                <a:off x="8648390" y="4724781"/>
-                <a:ext cx="144016" cy="216024"/>
-              </a:xfrm>
-              <a:prstGeom prst="rect">
-                <a:avLst/>
-              </a:prstGeom>
-              <a:solidFill>
-                <a:schemeClr val="bg1">
-                  <a:lumMod val="50000"/>
-                </a:schemeClr>
-              </a:solidFill>
-              <a:ln w="6350">
-                <a:solidFill>
-                  <a:schemeClr val="bg1">
-                    <a:lumMod val="65000"/>
-                  </a:schemeClr>
-                </a:solidFill>
-              </a:ln>
-            </p:spPr>
-            <p:style>
-              <a:lnRef idx="2">
-                <a:schemeClr val="accent1">
-                  <a:shade val="50000"/>
-                </a:schemeClr>
-              </a:lnRef>
-              <a:fillRef idx="1">
-                <a:schemeClr val="accent1"/>
-              </a:fillRef>
-              <a:effectRef idx="0">
-                <a:schemeClr val="accent1"/>
-              </a:effectRef>
-              <a:fontRef idx="minor">
-                <a:schemeClr val="lt1"/>
-              </a:fontRef>
-            </p:style>
-            <p:txBody>
-              <a:bodyPr rtlCol="0" anchor="ctr"/>
-              <a:lstStyle/>
-              <a:p>
-                <a:pPr algn="ctr"/>
-                <a:endParaRPr lang="fr-FR">
-                  <a:latin typeface="Yu Gothic UI Light" panose="020B0300000000000000" pitchFamily="34" charset="-128"/>
-                  <a:ea typeface="Yu Gothic UI Light" panose="020B0300000000000000" pitchFamily="34" charset="-128"/>
-                </a:endParaRPr>
-              </a:p>
-            </p:txBody>
-          </p:sp>
-          <p:sp>
-            <p:nvSpPr>
-              <p:cNvPr id="17" name="Rectangle 16"/>
-              <p:cNvSpPr/>
-              <p:nvPr/>
-            </p:nvSpPr>
-            <p:spPr>
-              <a:xfrm>
-                <a:off x="8648390" y="4940805"/>
-                <a:ext cx="144016" cy="216024"/>
-              </a:xfrm>
-              <a:prstGeom prst="rect">
-                <a:avLst/>
-              </a:prstGeom>
-              <a:solidFill>
-                <a:schemeClr val="bg1">
-                  <a:lumMod val="50000"/>
-                </a:schemeClr>
-              </a:solidFill>
-              <a:ln w="6350">
-                <a:solidFill>
-                  <a:schemeClr val="bg1">
-                    <a:lumMod val="65000"/>
-                  </a:schemeClr>
-                </a:solidFill>
-              </a:ln>
-            </p:spPr>
-            <p:style>
-              <a:lnRef idx="2">
-                <a:schemeClr val="accent1">
-                  <a:shade val="50000"/>
-                </a:schemeClr>
-              </a:lnRef>
-              <a:fillRef idx="1">
-                <a:schemeClr val="accent1"/>
-              </a:fillRef>
-              <a:effectRef idx="0">
-                <a:schemeClr val="accent1"/>
-              </a:effectRef>
-              <a:fontRef idx="minor">
-                <a:schemeClr val="lt1"/>
-              </a:fontRef>
-            </p:style>
-            <p:txBody>
-              <a:bodyPr rtlCol="0" anchor="ctr"/>
-              <a:lstStyle/>
-              <a:p>
-                <a:pPr algn="ctr"/>
-                <a:endParaRPr lang="fr-FR">
-                  <a:latin typeface="Yu Gothic UI Light" panose="020B0300000000000000" pitchFamily="34" charset="-128"/>
-                  <a:ea typeface="Yu Gothic UI Light" panose="020B0300000000000000" pitchFamily="34" charset="-128"/>
-                </a:endParaRPr>
-              </a:p>
-            </p:txBody>
-          </p:sp>
-        </p:grpSp>
-        <p:sp>
-          <p:nvSpPr>
-            <p:cNvPr id="19" name="Rectangle 18"/>
-            <p:cNvSpPr/>
-            <p:nvPr/>
-          </p:nvSpPr>
-          <p:spPr>
-            <a:xfrm>
-              <a:off x="8288351" y="3657087"/>
-              <a:ext cx="244090" cy="521381"/>
-            </a:xfrm>
-            <a:prstGeom prst="rect">
-              <a:avLst/>
-            </a:prstGeom>
-            <a:solidFill>
-              <a:srgbClr val="00153E"/>
-            </a:solidFill>
-            <a:ln w="6350">
-              <a:solidFill>
-                <a:schemeClr val="bg1">
-                  <a:lumMod val="65000"/>
-                </a:schemeClr>
-              </a:solidFill>
-            </a:ln>
-          </p:spPr>
-          <p:style>
-            <a:lnRef idx="2">
-              <a:schemeClr val="accent1">
-                <a:shade val="50000"/>
-              </a:schemeClr>
-            </a:lnRef>
-            <a:fillRef idx="1">
-              <a:schemeClr val="accent1"/>
-            </a:fillRef>
-            <a:effectRef idx="0">
-              <a:schemeClr val="accent1"/>
-            </a:effectRef>
-            <a:fontRef idx="minor">
-              <a:schemeClr val="lt1"/>
-            </a:fontRef>
-          </p:style>
-          <p:txBody>
-            <a:bodyPr rtlCol="0" anchor="ctr"/>
-            <a:lstStyle/>
-            <a:p>
-              <a:pPr algn="ctr"/>
-              <a:endParaRPr lang="fr-FR"/>
-            </a:p>
-          </p:txBody>
-        </p:sp>
-      </p:grpSp>
+        <p:style>
+          <a:lnRef idx="2">
+            <a:schemeClr val="accent1">
+              <a:shade val="50000"/>
+            </a:schemeClr>
+          </a:lnRef>
+          <a:fillRef idx="1">
+            <a:schemeClr val="accent1"/>
+          </a:fillRef>
+          <a:effectRef idx="0">
+            <a:schemeClr val="accent1"/>
+          </a:effectRef>
+          <a:fontRef idx="minor">
+            <a:schemeClr val="lt1"/>
+          </a:fontRef>
+        </p:style>
+        <p:txBody>
+          <a:bodyPr rtlCol="0" anchor="ctr"/>
+          <a:lstStyle/>
+          <a:p>
+            <a:pPr algn="ctr"/>
+            <a:endParaRPr lang="fr-FR"/>
+          </a:p>
+        </p:txBody>
+      </p:sp>
     </p:spTree>
     <p:extLst>
       <p:ext uri="{BB962C8B-B14F-4D97-AF65-F5344CB8AC3E}">
-        <p14:creationId xmlns:p14="http://schemas.microsoft.com/office/powerpoint/2010/main" val="1964233231"/>
+        <p14:creationId xmlns:p14="http://schemas.microsoft.com/office/powerpoint/2010/main" val="893778219"/>
       </p:ext>
     </p:extLst>
   </p:cSld>
@@ -6055,7 +5066,7 @@
 </p:sld>
 </file>
 
-<file path=ppt/slides/slide5.xml><?xml version="1.0" encoding="utf-8"?>
+<file path=ppt/slides/slide12.xml><?xml version="1.0" encoding="utf-8"?>
 <p:sld xmlns:a="http://schemas.openxmlformats.org/drawingml/2006/main" xmlns:r="http://schemas.openxmlformats.org/officeDocument/2006/relationships" xmlns:p="http://schemas.openxmlformats.org/presentationml/2006/main">
   <p:cSld>
     <p:spTree>
@@ -6074,6 +5085,65 @@
       </p:grpSpPr>
       <p:sp>
         <p:nvSpPr>
+          <p:cNvPr id="2" name="Titre 1"/>
+          <p:cNvSpPr>
+            <a:spLocks noGrp="1"/>
+          </p:cNvSpPr>
+          <p:nvPr>
+            <p:ph type="title"/>
+          </p:nvPr>
+        </p:nvSpPr>
+        <p:spPr>
+          <a:xfrm>
+            <a:off x="1094408" y="588428"/>
+            <a:ext cx="7488832" cy="1066130"/>
+          </a:xfrm>
+        </p:spPr>
+        <p:txBody>
+          <a:bodyPr>
+            <a:normAutofit fontScale="90000"/>
+          </a:bodyPr>
+          <a:lstStyle/>
+          <a:p>
+            <a:pPr algn="r"/>
+            <a:r>
+              <a:rPr lang="fr-FR" smtClean="0"/>
+              <a:t>Données</a:t>
+            </a:r>
+            <a:r>
+              <a:rPr lang="fr-FR" sz="3200" smtClean="0"/>
+              <a:t/>
+            </a:r>
+            <a:br>
+              <a:rPr lang="fr-FR" sz="3200" smtClean="0"/>
+            </a:br>
+            <a:r>
+              <a:rPr lang="fr-FR" sz="900" smtClean="0"/>
+              <a:t> </a:t>
+            </a:r>
+            <a:r>
+              <a:rPr lang="fr-FR" sz="3200"/>
+              <a:t/>
+            </a:r>
+            <a:br>
+              <a:rPr lang="fr-FR" sz="3200"/>
+            </a:br>
+            <a:r>
+              <a:rPr lang="fr-FR" sz="3100" smtClean="0">
+                <a:latin typeface="Yu Gothic UI Light" panose="020B0300000000000000" pitchFamily="34" charset="-128"/>
+                <a:ea typeface="Yu Gothic UI Light" panose="020B0300000000000000" pitchFamily="34" charset="-128"/>
+              </a:rPr>
+              <a:t>choix des variables</a:t>
+            </a:r>
+            <a:endParaRPr lang="fr-FR" sz="3100">
+              <a:latin typeface="Yu Gothic UI Light" panose="020B0300000000000000" pitchFamily="34" charset="-128"/>
+              <a:ea typeface="Yu Gothic UI Light" panose="020B0300000000000000" pitchFamily="34" charset="-128"/>
+            </a:endParaRPr>
+          </a:p>
+        </p:txBody>
+      </p:sp>
+      <p:sp>
+        <p:nvSpPr>
           <p:cNvPr id="4" name="Espace réservé de la date 3"/>
           <p:cNvSpPr>
             <a:spLocks noGrp="1"/>
@@ -6135,7 +5205,396 @@
           <a:p>
             <a:fld id="{D384C430-F8FC-4B07-B0BC-750FA1B3CF0A}" type="slidenum">
               <a:rPr lang="fr-FR" smtClean="0"/>
-              <a:t>5</a:t>
+              <a:t>12</a:t>
+            </a:fld>
+            <a:endParaRPr lang="fr-FR"/>
+          </a:p>
+        </p:txBody>
+      </p:sp>
+      <p:sp>
+        <p:nvSpPr>
+          <p:cNvPr id="7" name="Rectangle 6"/>
+          <p:cNvSpPr/>
+          <p:nvPr/>
+        </p:nvSpPr>
+        <p:spPr>
+          <a:xfrm>
+            <a:off x="3823854" y="1196959"/>
+            <a:ext cx="4708586" cy="45719"/>
+          </a:xfrm>
+          <a:prstGeom prst="rect">
+            <a:avLst/>
+          </a:prstGeom>
+          <a:gradFill flip="none" rotWithShape="1">
+            <a:gsLst>
+              <a:gs pos="0">
+                <a:srgbClr val="002060"/>
+              </a:gs>
+              <a:gs pos="100000">
+                <a:schemeClr val="accent1">
+                  <a:tint val="23500"/>
+                  <a:satMod val="160000"/>
+                  <a:alpha val="0"/>
+                </a:schemeClr>
+              </a:gs>
+            </a:gsLst>
+            <a:lin ang="10800000" scaled="1"/>
+            <a:tileRect/>
+          </a:gradFill>
+          <a:ln>
+            <a:noFill/>
+          </a:ln>
+        </p:spPr>
+        <p:style>
+          <a:lnRef idx="2">
+            <a:schemeClr val="accent1">
+              <a:shade val="50000"/>
+            </a:schemeClr>
+          </a:lnRef>
+          <a:fillRef idx="1">
+            <a:schemeClr val="accent1"/>
+          </a:fillRef>
+          <a:effectRef idx="0">
+            <a:schemeClr val="accent1"/>
+          </a:effectRef>
+          <a:fontRef idx="minor">
+            <a:schemeClr val="lt1"/>
+          </a:fontRef>
+        </p:style>
+        <p:txBody>
+          <a:bodyPr rtlCol="0" anchor="ctr"/>
+          <a:lstStyle/>
+          <a:p>
+            <a:pPr algn="ctr"/>
+            <a:endParaRPr lang="fr-FR"/>
+          </a:p>
+        </p:txBody>
+      </p:sp>
+    </p:spTree>
+    <p:extLst>
+      <p:ext uri="{BB962C8B-B14F-4D97-AF65-F5344CB8AC3E}">
+        <p14:creationId xmlns:p14="http://schemas.microsoft.com/office/powerpoint/2010/main" val="538192571"/>
+      </p:ext>
+    </p:extLst>
+  </p:cSld>
+  <p:clrMapOvr>
+    <a:masterClrMapping/>
+  </p:clrMapOvr>
+  <p:timing>
+    <p:tnLst>
+      <p:par>
+        <p:cTn id="1" dur="indefinite" restart="never" nodeType="tmRoot"/>
+      </p:par>
+    </p:tnLst>
+  </p:timing>
+</p:sld>
+</file>
+
+<file path=ppt/slides/slide13.xml><?xml version="1.0" encoding="utf-8"?>
+<p:sld xmlns:a="http://schemas.openxmlformats.org/drawingml/2006/main" xmlns:r="http://schemas.openxmlformats.org/officeDocument/2006/relationships" xmlns:p="http://schemas.openxmlformats.org/presentationml/2006/main">
+  <p:cSld>
+    <p:spTree>
+      <p:nvGrpSpPr>
+        <p:cNvPr id="1" name=""/>
+        <p:cNvGrpSpPr/>
+        <p:nvPr/>
+      </p:nvGrpSpPr>
+      <p:grpSpPr>
+        <a:xfrm>
+          <a:off x="0" y="0"/>
+          <a:ext cx="0" cy="0"/>
+          <a:chOff x="0" y="0"/>
+          <a:chExt cx="0" cy="0"/>
+        </a:xfrm>
+      </p:grpSpPr>
+      <p:sp>
+        <p:nvSpPr>
+          <p:cNvPr id="2" name="Titre 1"/>
+          <p:cNvSpPr>
+            <a:spLocks noGrp="1"/>
+          </p:cNvSpPr>
+          <p:nvPr>
+            <p:ph type="title"/>
+          </p:nvPr>
+        </p:nvSpPr>
+        <p:spPr>
+          <a:xfrm>
+            <a:off x="1094408" y="588428"/>
+            <a:ext cx="7488832" cy="1066130"/>
+          </a:xfrm>
+        </p:spPr>
+        <p:txBody>
+          <a:bodyPr>
+            <a:normAutofit fontScale="90000"/>
+          </a:bodyPr>
+          <a:lstStyle/>
+          <a:p>
+            <a:pPr algn="r"/>
+            <a:r>
+              <a:rPr lang="fr-FR" smtClean="0"/>
+              <a:t>Données</a:t>
+            </a:r>
+            <a:r>
+              <a:rPr lang="fr-FR" sz="3200" smtClean="0"/>
+              <a:t/>
+            </a:r>
+            <a:br>
+              <a:rPr lang="fr-FR" sz="3200" smtClean="0"/>
+            </a:br>
+            <a:r>
+              <a:rPr lang="fr-FR" sz="900" smtClean="0"/>
+              <a:t> </a:t>
+            </a:r>
+            <a:r>
+              <a:rPr lang="fr-FR" sz="3200"/>
+              <a:t/>
+            </a:r>
+            <a:br>
+              <a:rPr lang="fr-FR" sz="3200"/>
+            </a:br>
+            <a:r>
+              <a:rPr lang="fr-FR" sz="3100" smtClean="0">
+                <a:latin typeface="Yu Gothic UI Light" panose="020B0300000000000000" pitchFamily="34" charset="-128"/>
+                <a:ea typeface="Yu Gothic UI Light" panose="020B0300000000000000" pitchFamily="34" charset="-128"/>
+              </a:rPr>
+              <a:t>transformation des données</a:t>
+            </a:r>
+            <a:endParaRPr lang="fr-FR" sz="3100">
+              <a:latin typeface="Yu Gothic UI Light" panose="020B0300000000000000" pitchFamily="34" charset="-128"/>
+              <a:ea typeface="Yu Gothic UI Light" panose="020B0300000000000000" pitchFamily="34" charset="-128"/>
+            </a:endParaRPr>
+          </a:p>
+        </p:txBody>
+      </p:sp>
+      <p:sp>
+        <p:nvSpPr>
+          <p:cNvPr id="4" name="Espace réservé de la date 3"/>
+          <p:cNvSpPr>
+            <a:spLocks noGrp="1"/>
+          </p:cNvSpPr>
+          <p:nvPr>
+            <p:ph type="dt" sz="half" idx="10"/>
+          </p:nvPr>
+        </p:nvSpPr>
+        <p:spPr/>
+        <p:txBody>
+          <a:bodyPr/>
+          <a:lstStyle/>
+          <a:p>
+            <a:r>
+              <a:rPr lang="fr-FR" smtClean="0"/>
+              <a:t>17/06/2020</a:t>
+            </a:r>
+            <a:endParaRPr lang="fr-FR"/>
+          </a:p>
+        </p:txBody>
+      </p:sp>
+      <p:sp>
+        <p:nvSpPr>
+          <p:cNvPr id="5" name="Espace réservé du pied de page 4"/>
+          <p:cNvSpPr>
+            <a:spLocks noGrp="1"/>
+          </p:cNvSpPr>
+          <p:nvPr>
+            <p:ph type="ftr" sz="quarter" idx="11"/>
+          </p:nvPr>
+        </p:nvSpPr>
+        <p:spPr/>
+        <p:txBody>
+          <a:bodyPr/>
+          <a:lstStyle/>
+          <a:p>
+            <a:r>
+              <a:rPr lang="fr-FR" smtClean="0"/>
+              <a:t>Maryse Muller | Parcours Data Scientist</a:t>
+            </a:r>
+            <a:endParaRPr lang="fr-FR"/>
+          </a:p>
+        </p:txBody>
+      </p:sp>
+      <p:sp>
+        <p:nvSpPr>
+          <p:cNvPr id="6" name="Espace réservé du numéro de diapositive 5"/>
+          <p:cNvSpPr>
+            <a:spLocks noGrp="1"/>
+          </p:cNvSpPr>
+          <p:nvPr>
+            <p:ph type="sldNum" sz="quarter" idx="12"/>
+          </p:nvPr>
+        </p:nvSpPr>
+        <p:spPr/>
+        <p:txBody>
+          <a:bodyPr/>
+          <a:lstStyle/>
+          <a:p>
+            <a:fld id="{D384C430-F8FC-4B07-B0BC-750FA1B3CF0A}" type="slidenum">
+              <a:rPr lang="fr-FR" smtClean="0"/>
+              <a:t>13</a:t>
+            </a:fld>
+            <a:endParaRPr lang="fr-FR"/>
+          </a:p>
+        </p:txBody>
+      </p:sp>
+      <p:sp>
+        <p:nvSpPr>
+          <p:cNvPr id="7" name="Rectangle 6"/>
+          <p:cNvSpPr/>
+          <p:nvPr/>
+        </p:nvSpPr>
+        <p:spPr>
+          <a:xfrm>
+            <a:off x="3823854" y="1196959"/>
+            <a:ext cx="4708586" cy="45719"/>
+          </a:xfrm>
+          <a:prstGeom prst="rect">
+            <a:avLst/>
+          </a:prstGeom>
+          <a:gradFill flip="none" rotWithShape="1">
+            <a:gsLst>
+              <a:gs pos="0">
+                <a:srgbClr val="002060"/>
+              </a:gs>
+              <a:gs pos="100000">
+                <a:schemeClr val="accent1">
+                  <a:tint val="23500"/>
+                  <a:satMod val="160000"/>
+                  <a:alpha val="0"/>
+                </a:schemeClr>
+              </a:gs>
+            </a:gsLst>
+            <a:lin ang="10800000" scaled="1"/>
+            <a:tileRect/>
+          </a:gradFill>
+          <a:ln>
+            <a:noFill/>
+          </a:ln>
+        </p:spPr>
+        <p:style>
+          <a:lnRef idx="2">
+            <a:schemeClr val="accent1">
+              <a:shade val="50000"/>
+            </a:schemeClr>
+          </a:lnRef>
+          <a:fillRef idx="1">
+            <a:schemeClr val="accent1"/>
+          </a:fillRef>
+          <a:effectRef idx="0">
+            <a:schemeClr val="accent1"/>
+          </a:effectRef>
+          <a:fontRef idx="minor">
+            <a:schemeClr val="lt1"/>
+          </a:fontRef>
+        </p:style>
+        <p:txBody>
+          <a:bodyPr rtlCol="0" anchor="ctr"/>
+          <a:lstStyle/>
+          <a:p>
+            <a:pPr algn="ctr"/>
+            <a:endParaRPr lang="fr-FR"/>
+          </a:p>
+        </p:txBody>
+      </p:sp>
+    </p:spTree>
+    <p:extLst>
+      <p:ext uri="{BB962C8B-B14F-4D97-AF65-F5344CB8AC3E}">
+        <p14:creationId xmlns:p14="http://schemas.microsoft.com/office/powerpoint/2010/main" val="2152558138"/>
+      </p:ext>
+    </p:extLst>
+  </p:cSld>
+  <p:clrMapOvr>
+    <a:masterClrMapping/>
+  </p:clrMapOvr>
+  <p:timing>
+    <p:tnLst>
+      <p:par>
+        <p:cTn id="1" dur="indefinite" restart="never" nodeType="tmRoot"/>
+      </p:par>
+    </p:tnLst>
+  </p:timing>
+</p:sld>
+</file>
+
+<file path=ppt/slides/slide14.xml><?xml version="1.0" encoding="utf-8"?>
+<p:sld xmlns:a="http://schemas.openxmlformats.org/drawingml/2006/main" xmlns:r="http://schemas.openxmlformats.org/officeDocument/2006/relationships" xmlns:p="http://schemas.openxmlformats.org/presentationml/2006/main">
+  <p:cSld>
+    <p:spTree>
+      <p:nvGrpSpPr>
+        <p:cNvPr id="1" name=""/>
+        <p:cNvGrpSpPr/>
+        <p:nvPr/>
+      </p:nvGrpSpPr>
+      <p:grpSpPr>
+        <a:xfrm>
+          <a:off x="0" y="0"/>
+          <a:ext cx="0" cy="0"/>
+          <a:chOff x="0" y="0"/>
+          <a:chExt cx="0" cy="0"/>
+        </a:xfrm>
+      </p:grpSpPr>
+      <p:sp>
+        <p:nvSpPr>
+          <p:cNvPr id="4" name="Espace réservé de la date 3"/>
+          <p:cNvSpPr>
+            <a:spLocks noGrp="1"/>
+          </p:cNvSpPr>
+          <p:nvPr>
+            <p:ph type="dt" sz="half" idx="10"/>
+          </p:nvPr>
+        </p:nvSpPr>
+        <p:spPr/>
+        <p:txBody>
+          <a:bodyPr/>
+          <a:lstStyle/>
+          <a:p>
+            <a:r>
+              <a:rPr lang="fr-FR" smtClean="0"/>
+              <a:t>17/06/2020</a:t>
+            </a:r>
+            <a:endParaRPr lang="fr-FR"/>
+          </a:p>
+        </p:txBody>
+      </p:sp>
+      <p:sp>
+        <p:nvSpPr>
+          <p:cNvPr id="5" name="Espace réservé du pied de page 4"/>
+          <p:cNvSpPr>
+            <a:spLocks noGrp="1"/>
+          </p:cNvSpPr>
+          <p:nvPr>
+            <p:ph type="ftr" sz="quarter" idx="11"/>
+          </p:nvPr>
+        </p:nvSpPr>
+        <p:spPr/>
+        <p:txBody>
+          <a:bodyPr/>
+          <a:lstStyle/>
+          <a:p>
+            <a:r>
+              <a:rPr lang="fr-FR" smtClean="0"/>
+              <a:t>Maryse Muller | Parcours Data Scientist</a:t>
+            </a:r>
+            <a:endParaRPr lang="fr-FR"/>
+          </a:p>
+        </p:txBody>
+      </p:sp>
+      <p:sp>
+        <p:nvSpPr>
+          <p:cNvPr id="6" name="Espace réservé du numéro de diapositive 5"/>
+          <p:cNvSpPr>
+            <a:spLocks noGrp="1"/>
+          </p:cNvSpPr>
+          <p:nvPr>
+            <p:ph type="sldNum" sz="quarter" idx="12"/>
+          </p:nvPr>
+        </p:nvSpPr>
+        <p:spPr/>
+        <p:txBody>
+          <a:bodyPr/>
+          <a:lstStyle/>
+          <a:p>
+            <a:fld id="{D384C430-F8FC-4B07-B0BC-750FA1B3CF0A}" type="slidenum">
+              <a:rPr lang="fr-FR" smtClean="0"/>
+              <a:t>14</a:t>
             </a:fld>
             <a:endParaRPr lang="fr-FR"/>
           </a:p>
@@ -6660,6 +6119,38 @@
           </p:txBody>
         </p:sp>
       </p:grpSp>
+      <p:sp>
+        <p:nvSpPr>
+          <p:cNvPr id="13" name="ZoneTexte 12"/>
+          <p:cNvSpPr txBox="1"/>
+          <p:nvPr/>
+        </p:nvSpPr>
+        <p:spPr>
+          <a:xfrm>
+            <a:off x="2123728" y="2996952"/>
+            <a:ext cx="1362874" cy="369332"/>
+          </a:xfrm>
+          <a:prstGeom prst="rect">
+            <a:avLst/>
+          </a:prstGeom>
+          <a:solidFill>
+            <a:srgbClr val="FFFF00"/>
+          </a:solidFill>
+        </p:spPr>
+        <p:txBody>
+          <a:bodyPr wrap="none" rtlCol="0">
+            <a:spAutoFit/>
+          </a:bodyPr>
+          <a:lstStyle/>
+          <a:p>
+            <a:r>
+              <a:rPr lang="fr-FR" smtClean="0"/>
+              <a:t>15 minutes</a:t>
+            </a:r>
+            <a:endParaRPr lang="fr-FR"/>
+          </a:p>
+        </p:txBody>
+      </p:sp>
     </p:spTree>
     <p:extLst>
       <p:ext uri="{BB962C8B-B14F-4D97-AF65-F5344CB8AC3E}">
@@ -6680,7 +6171,7 @@
 </p:sld>
 </file>
 
-<file path=ppt/slides/slide6.xml><?xml version="1.0" encoding="utf-8"?>
+<file path=ppt/slides/slide15.xml><?xml version="1.0" encoding="utf-8"?>
 <p:sld xmlns:a="http://schemas.openxmlformats.org/drawingml/2006/main" xmlns:r="http://schemas.openxmlformats.org/officeDocument/2006/relationships" xmlns:p="http://schemas.openxmlformats.org/presentationml/2006/main">
   <p:cSld>
     <p:spTree>
@@ -6699,6 +6190,65 @@
       </p:grpSpPr>
       <p:sp>
         <p:nvSpPr>
+          <p:cNvPr id="2" name="Titre 1"/>
+          <p:cNvSpPr>
+            <a:spLocks noGrp="1"/>
+          </p:cNvSpPr>
+          <p:nvPr>
+            <p:ph type="title"/>
+          </p:nvPr>
+        </p:nvSpPr>
+        <p:spPr>
+          <a:xfrm>
+            <a:off x="1094408" y="588428"/>
+            <a:ext cx="7488832" cy="1066130"/>
+          </a:xfrm>
+        </p:spPr>
+        <p:txBody>
+          <a:bodyPr>
+            <a:normAutofit fontScale="90000"/>
+          </a:bodyPr>
+          <a:lstStyle/>
+          <a:p>
+            <a:pPr algn="r"/>
+            <a:r>
+              <a:rPr lang="fr-FR" smtClean="0"/>
+              <a:t>Démarche</a:t>
+            </a:r>
+            <a:r>
+              <a:rPr lang="fr-FR" sz="3200" smtClean="0"/>
+              <a:t/>
+            </a:r>
+            <a:br>
+              <a:rPr lang="fr-FR" sz="3200" smtClean="0"/>
+            </a:br>
+            <a:r>
+              <a:rPr lang="fr-FR" sz="900" smtClean="0"/>
+              <a:t> </a:t>
+            </a:r>
+            <a:r>
+              <a:rPr lang="fr-FR" sz="3200"/>
+              <a:t/>
+            </a:r>
+            <a:br>
+              <a:rPr lang="fr-FR" sz="3200"/>
+            </a:br>
+            <a:r>
+              <a:rPr lang="fr-FR" sz="3100" smtClean="0">
+                <a:latin typeface="Yu Gothic UI Light" panose="020B0300000000000000" pitchFamily="34" charset="-128"/>
+                <a:ea typeface="Yu Gothic UI Light" panose="020B0300000000000000" pitchFamily="34" charset="-128"/>
+              </a:rPr>
+              <a:t>échantillonnage</a:t>
+            </a:r>
+            <a:endParaRPr lang="fr-FR" sz="3100">
+              <a:latin typeface="Yu Gothic UI Light" panose="020B0300000000000000" pitchFamily="34" charset="-128"/>
+              <a:ea typeface="Yu Gothic UI Light" panose="020B0300000000000000" pitchFamily="34" charset="-128"/>
+            </a:endParaRPr>
+          </a:p>
+        </p:txBody>
+      </p:sp>
+      <p:sp>
+        <p:nvSpPr>
           <p:cNvPr id="4" name="Espace réservé de la date 3"/>
           <p:cNvSpPr>
             <a:spLocks noGrp="1"/>
@@ -6760,7 +6310,1639 @@
           <a:p>
             <a:fld id="{D384C430-F8FC-4B07-B0BC-750FA1B3CF0A}" type="slidenum">
               <a:rPr lang="fr-FR" smtClean="0"/>
-              <a:t>6</a:t>
+              <a:t>15</a:t>
+            </a:fld>
+            <a:endParaRPr lang="fr-FR"/>
+          </a:p>
+        </p:txBody>
+      </p:sp>
+      <p:sp>
+        <p:nvSpPr>
+          <p:cNvPr id="8" name="Rectangle 7"/>
+          <p:cNvSpPr/>
+          <p:nvPr/>
+        </p:nvSpPr>
+        <p:spPr>
+          <a:xfrm>
+            <a:off x="3823854" y="1196959"/>
+            <a:ext cx="4708586" cy="45719"/>
+          </a:xfrm>
+          <a:prstGeom prst="rect">
+            <a:avLst/>
+          </a:prstGeom>
+          <a:gradFill flip="none" rotWithShape="1">
+            <a:gsLst>
+              <a:gs pos="0">
+                <a:srgbClr val="00B050"/>
+              </a:gs>
+              <a:gs pos="100000">
+                <a:schemeClr val="accent1">
+                  <a:tint val="23500"/>
+                  <a:satMod val="160000"/>
+                  <a:alpha val="0"/>
+                </a:schemeClr>
+              </a:gs>
+            </a:gsLst>
+            <a:lin ang="10800000" scaled="1"/>
+            <a:tileRect/>
+          </a:gradFill>
+          <a:ln>
+            <a:noFill/>
+          </a:ln>
+        </p:spPr>
+        <p:style>
+          <a:lnRef idx="2">
+            <a:schemeClr val="accent1">
+              <a:shade val="50000"/>
+            </a:schemeClr>
+          </a:lnRef>
+          <a:fillRef idx="1">
+            <a:schemeClr val="accent1"/>
+          </a:fillRef>
+          <a:effectRef idx="0">
+            <a:schemeClr val="accent1"/>
+          </a:effectRef>
+          <a:fontRef idx="minor">
+            <a:schemeClr val="lt1"/>
+          </a:fontRef>
+        </p:style>
+        <p:txBody>
+          <a:bodyPr rtlCol="0" anchor="ctr"/>
+          <a:lstStyle/>
+          <a:p>
+            <a:pPr algn="ctr"/>
+            <a:endParaRPr lang="fr-FR"/>
+          </a:p>
+        </p:txBody>
+      </p:sp>
+    </p:spTree>
+    <p:extLst>
+      <p:ext uri="{BB962C8B-B14F-4D97-AF65-F5344CB8AC3E}">
+        <p14:creationId xmlns:p14="http://schemas.microsoft.com/office/powerpoint/2010/main" val="3968319726"/>
+      </p:ext>
+    </p:extLst>
+  </p:cSld>
+  <p:clrMapOvr>
+    <a:masterClrMapping/>
+  </p:clrMapOvr>
+  <p:timing>
+    <p:tnLst>
+      <p:par>
+        <p:cTn id="1" dur="indefinite" restart="never" nodeType="tmRoot"/>
+      </p:par>
+    </p:tnLst>
+  </p:timing>
+</p:sld>
+</file>
+
+<file path=ppt/slides/slide16.xml><?xml version="1.0" encoding="utf-8"?>
+<p:sld xmlns:a="http://schemas.openxmlformats.org/drawingml/2006/main" xmlns:r="http://schemas.openxmlformats.org/officeDocument/2006/relationships" xmlns:p="http://schemas.openxmlformats.org/presentationml/2006/main">
+  <p:cSld>
+    <p:spTree>
+      <p:nvGrpSpPr>
+        <p:cNvPr id="1" name=""/>
+        <p:cNvGrpSpPr/>
+        <p:nvPr/>
+      </p:nvGrpSpPr>
+      <p:grpSpPr>
+        <a:xfrm>
+          <a:off x="0" y="0"/>
+          <a:ext cx="0" cy="0"/>
+          <a:chOff x="0" y="0"/>
+          <a:chExt cx="0" cy="0"/>
+        </a:xfrm>
+      </p:grpSpPr>
+      <p:sp>
+        <p:nvSpPr>
+          <p:cNvPr id="2" name="Titre 1"/>
+          <p:cNvSpPr>
+            <a:spLocks noGrp="1"/>
+          </p:cNvSpPr>
+          <p:nvPr>
+            <p:ph type="title"/>
+          </p:nvPr>
+        </p:nvSpPr>
+        <p:spPr>
+          <a:xfrm>
+            <a:off x="1094408" y="588428"/>
+            <a:ext cx="7488832" cy="1066130"/>
+          </a:xfrm>
+        </p:spPr>
+        <p:txBody>
+          <a:bodyPr>
+            <a:normAutofit fontScale="90000"/>
+          </a:bodyPr>
+          <a:lstStyle/>
+          <a:p>
+            <a:pPr algn="r"/>
+            <a:r>
+              <a:rPr lang="fr-FR" smtClean="0"/>
+              <a:t>Démarche</a:t>
+            </a:r>
+            <a:r>
+              <a:rPr lang="fr-FR" sz="3200" smtClean="0"/>
+              <a:t/>
+            </a:r>
+            <a:br>
+              <a:rPr lang="fr-FR" sz="3200" smtClean="0"/>
+            </a:br>
+            <a:r>
+              <a:rPr lang="fr-FR" sz="900" smtClean="0"/>
+              <a:t> </a:t>
+            </a:r>
+            <a:r>
+              <a:rPr lang="fr-FR" sz="3200"/>
+              <a:t/>
+            </a:r>
+            <a:br>
+              <a:rPr lang="fr-FR" sz="3200"/>
+            </a:br>
+            <a:r>
+              <a:rPr lang="fr-FR" sz="3100" smtClean="0">
+                <a:latin typeface="Yu Gothic UI Light" panose="020B0300000000000000" pitchFamily="34" charset="-128"/>
+                <a:ea typeface="Yu Gothic UI Light" panose="020B0300000000000000" pitchFamily="34" charset="-128"/>
+              </a:rPr>
+              <a:t>optimisation du nombre de clusters</a:t>
+            </a:r>
+            <a:endParaRPr lang="fr-FR" sz="3100">
+              <a:latin typeface="Yu Gothic UI Light" panose="020B0300000000000000" pitchFamily="34" charset="-128"/>
+              <a:ea typeface="Yu Gothic UI Light" panose="020B0300000000000000" pitchFamily="34" charset="-128"/>
+            </a:endParaRPr>
+          </a:p>
+        </p:txBody>
+      </p:sp>
+      <p:sp>
+        <p:nvSpPr>
+          <p:cNvPr id="4" name="Espace réservé de la date 3"/>
+          <p:cNvSpPr>
+            <a:spLocks noGrp="1"/>
+          </p:cNvSpPr>
+          <p:nvPr>
+            <p:ph type="dt" sz="half" idx="10"/>
+          </p:nvPr>
+        </p:nvSpPr>
+        <p:spPr/>
+        <p:txBody>
+          <a:bodyPr/>
+          <a:lstStyle/>
+          <a:p>
+            <a:r>
+              <a:rPr lang="fr-FR" smtClean="0"/>
+              <a:t>17/06/2020</a:t>
+            </a:r>
+            <a:endParaRPr lang="fr-FR"/>
+          </a:p>
+        </p:txBody>
+      </p:sp>
+      <p:sp>
+        <p:nvSpPr>
+          <p:cNvPr id="5" name="Espace réservé du pied de page 4"/>
+          <p:cNvSpPr>
+            <a:spLocks noGrp="1"/>
+          </p:cNvSpPr>
+          <p:nvPr>
+            <p:ph type="ftr" sz="quarter" idx="11"/>
+          </p:nvPr>
+        </p:nvSpPr>
+        <p:spPr/>
+        <p:txBody>
+          <a:bodyPr/>
+          <a:lstStyle/>
+          <a:p>
+            <a:r>
+              <a:rPr lang="fr-FR" smtClean="0"/>
+              <a:t>Maryse Muller | Parcours Data Scientist</a:t>
+            </a:r>
+            <a:endParaRPr lang="fr-FR"/>
+          </a:p>
+        </p:txBody>
+      </p:sp>
+      <p:sp>
+        <p:nvSpPr>
+          <p:cNvPr id="6" name="Espace réservé du numéro de diapositive 5"/>
+          <p:cNvSpPr>
+            <a:spLocks noGrp="1"/>
+          </p:cNvSpPr>
+          <p:nvPr>
+            <p:ph type="sldNum" sz="quarter" idx="12"/>
+          </p:nvPr>
+        </p:nvSpPr>
+        <p:spPr/>
+        <p:txBody>
+          <a:bodyPr/>
+          <a:lstStyle/>
+          <a:p>
+            <a:fld id="{D384C430-F8FC-4B07-B0BC-750FA1B3CF0A}" type="slidenum">
+              <a:rPr lang="fr-FR" smtClean="0"/>
+              <a:t>16</a:t>
+            </a:fld>
+            <a:endParaRPr lang="fr-FR"/>
+          </a:p>
+        </p:txBody>
+      </p:sp>
+      <p:sp>
+        <p:nvSpPr>
+          <p:cNvPr id="8" name="Rectangle 7"/>
+          <p:cNvSpPr/>
+          <p:nvPr/>
+        </p:nvSpPr>
+        <p:spPr>
+          <a:xfrm>
+            <a:off x="3823854" y="1196959"/>
+            <a:ext cx="4708586" cy="45719"/>
+          </a:xfrm>
+          <a:prstGeom prst="rect">
+            <a:avLst/>
+          </a:prstGeom>
+          <a:gradFill flip="none" rotWithShape="1">
+            <a:gsLst>
+              <a:gs pos="0">
+                <a:srgbClr val="00B050"/>
+              </a:gs>
+              <a:gs pos="100000">
+                <a:schemeClr val="accent1">
+                  <a:tint val="23500"/>
+                  <a:satMod val="160000"/>
+                  <a:alpha val="0"/>
+                </a:schemeClr>
+              </a:gs>
+            </a:gsLst>
+            <a:lin ang="10800000" scaled="1"/>
+            <a:tileRect/>
+          </a:gradFill>
+          <a:ln>
+            <a:noFill/>
+          </a:ln>
+        </p:spPr>
+        <p:style>
+          <a:lnRef idx="2">
+            <a:schemeClr val="accent1">
+              <a:shade val="50000"/>
+            </a:schemeClr>
+          </a:lnRef>
+          <a:fillRef idx="1">
+            <a:schemeClr val="accent1"/>
+          </a:fillRef>
+          <a:effectRef idx="0">
+            <a:schemeClr val="accent1"/>
+          </a:effectRef>
+          <a:fontRef idx="minor">
+            <a:schemeClr val="lt1"/>
+          </a:fontRef>
+        </p:style>
+        <p:txBody>
+          <a:bodyPr rtlCol="0" anchor="ctr"/>
+          <a:lstStyle/>
+          <a:p>
+            <a:pPr algn="ctr"/>
+            <a:endParaRPr lang="fr-FR"/>
+          </a:p>
+        </p:txBody>
+      </p:sp>
+    </p:spTree>
+    <p:extLst>
+      <p:ext uri="{BB962C8B-B14F-4D97-AF65-F5344CB8AC3E}">
+        <p14:creationId xmlns:p14="http://schemas.microsoft.com/office/powerpoint/2010/main" val="432049734"/>
+      </p:ext>
+    </p:extLst>
+  </p:cSld>
+  <p:clrMapOvr>
+    <a:masterClrMapping/>
+  </p:clrMapOvr>
+  <p:timing>
+    <p:tnLst>
+      <p:par>
+        <p:cTn id="1" dur="indefinite" restart="never" nodeType="tmRoot"/>
+      </p:par>
+    </p:tnLst>
+  </p:timing>
+</p:sld>
+</file>
+
+<file path=ppt/slides/slide17.xml><?xml version="1.0" encoding="utf-8"?>
+<p:sld xmlns:a="http://schemas.openxmlformats.org/drawingml/2006/main" xmlns:r="http://schemas.openxmlformats.org/officeDocument/2006/relationships" xmlns:p="http://schemas.openxmlformats.org/presentationml/2006/main">
+  <p:cSld>
+    <p:spTree>
+      <p:nvGrpSpPr>
+        <p:cNvPr id="1" name=""/>
+        <p:cNvGrpSpPr/>
+        <p:nvPr/>
+      </p:nvGrpSpPr>
+      <p:grpSpPr>
+        <a:xfrm>
+          <a:off x="0" y="0"/>
+          <a:ext cx="0" cy="0"/>
+          <a:chOff x="0" y="0"/>
+          <a:chExt cx="0" cy="0"/>
+        </a:xfrm>
+      </p:grpSpPr>
+      <p:sp>
+        <p:nvSpPr>
+          <p:cNvPr id="2" name="Titre 1"/>
+          <p:cNvSpPr>
+            <a:spLocks noGrp="1"/>
+          </p:cNvSpPr>
+          <p:nvPr>
+            <p:ph type="title"/>
+          </p:nvPr>
+        </p:nvSpPr>
+        <p:spPr>
+          <a:xfrm>
+            <a:off x="1094408" y="588428"/>
+            <a:ext cx="7488832" cy="1066130"/>
+          </a:xfrm>
+        </p:spPr>
+        <p:txBody>
+          <a:bodyPr>
+            <a:normAutofit fontScale="90000"/>
+          </a:bodyPr>
+          <a:lstStyle/>
+          <a:p>
+            <a:pPr algn="r"/>
+            <a:r>
+              <a:rPr lang="fr-FR" smtClean="0"/>
+              <a:t>Démarche</a:t>
+            </a:r>
+            <a:r>
+              <a:rPr lang="fr-FR" sz="3200" smtClean="0"/>
+              <a:t/>
+            </a:r>
+            <a:br>
+              <a:rPr lang="fr-FR" sz="3200" smtClean="0"/>
+            </a:br>
+            <a:r>
+              <a:rPr lang="fr-FR" sz="900" smtClean="0"/>
+              <a:t> </a:t>
+            </a:r>
+            <a:r>
+              <a:rPr lang="fr-FR" sz="3200"/>
+              <a:t/>
+            </a:r>
+            <a:br>
+              <a:rPr lang="fr-FR" sz="3200"/>
+            </a:br>
+            <a:r>
+              <a:rPr lang="fr-FR" sz="3100" smtClean="0">
+                <a:latin typeface="Yu Gothic UI Light" panose="020B0300000000000000" pitchFamily="34" charset="-128"/>
+                <a:ea typeface="Yu Gothic UI Light" panose="020B0300000000000000" pitchFamily="34" charset="-128"/>
+              </a:rPr>
+              <a:t>stabilité à l’initialisation</a:t>
+            </a:r>
+            <a:endParaRPr lang="fr-FR" sz="3100">
+              <a:latin typeface="Yu Gothic UI Light" panose="020B0300000000000000" pitchFamily="34" charset="-128"/>
+              <a:ea typeface="Yu Gothic UI Light" panose="020B0300000000000000" pitchFamily="34" charset="-128"/>
+            </a:endParaRPr>
+          </a:p>
+        </p:txBody>
+      </p:sp>
+      <p:sp>
+        <p:nvSpPr>
+          <p:cNvPr id="4" name="Espace réservé de la date 3"/>
+          <p:cNvSpPr>
+            <a:spLocks noGrp="1"/>
+          </p:cNvSpPr>
+          <p:nvPr>
+            <p:ph type="dt" sz="half" idx="10"/>
+          </p:nvPr>
+        </p:nvSpPr>
+        <p:spPr/>
+        <p:txBody>
+          <a:bodyPr/>
+          <a:lstStyle/>
+          <a:p>
+            <a:r>
+              <a:rPr lang="fr-FR" smtClean="0"/>
+              <a:t>17/06/2020</a:t>
+            </a:r>
+            <a:endParaRPr lang="fr-FR"/>
+          </a:p>
+        </p:txBody>
+      </p:sp>
+      <p:sp>
+        <p:nvSpPr>
+          <p:cNvPr id="5" name="Espace réservé du pied de page 4"/>
+          <p:cNvSpPr>
+            <a:spLocks noGrp="1"/>
+          </p:cNvSpPr>
+          <p:nvPr>
+            <p:ph type="ftr" sz="quarter" idx="11"/>
+          </p:nvPr>
+        </p:nvSpPr>
+        <p:spPr/>
+        <p:txBody>
+          <a:bodyPr/>
+          <a:lstStyle/>
+          <a:p>
+            <a:r>
+              <a:rPr lang="fr-FR" smtClean="0"/>
+              <a:t>Maryse Muller | Parcours Data Scientist</a:t>
+            </a:r>
+            <a:endParaRPr lang="fr-FR"/>
+          </a:p>
+        </p:txBody>
+      </p:sp>
+      <p:sp>
+        <p:nvSpPr>
+          <p:cNvPr id="6" name="Espace réservé du numéro de diapositive 5"/>
+          <p:cNvSpPr>
+            <a:spLocks noGrp="1"/>
+          </p:cNvSpPr>
+          <p:nvPr>
+            <p:ph type="sldNum" sz="quarter" idx="12"/>
+          </p:nvPr>
+        </p:nvSpPr>
+        <p:spPr/>
+        <p:txBody>
+          <a:bodyPr/>
+          <a:lstStyle/>
+          <a:p>
+            <a:fld id="{D384C430-F8FC-4B07-B0BC-750FA1B3CF0A}" type="slidenum">
+              <a:rPr lang="fr-FR" smtClean="0"/>
+              <a:t>17</a:t>
+            </a:fld>
+            <a:endParaRPr lang="fr-FR"/>
+          </a:p>
+        </p:txBody>
+      </p:sp>
+      <p:sp>
+        <p:nvSpPr>
+          <p:cNvPr id="8" name="Rectangle 7"/>
+          <p:cNvSpPr/>
+          <p:nvPr/>
+        </p:nvSpPr>
+        <p:spPr>
+          <a:xfrm>
+            <a:off x="3823854" y="1196959"/>
+            <a:ext cx="4708586" cy="45719"/>
+          </a:xfrm>
+          <a:prstGeom prst="rect">
+            <a:avLst/>
+          </a:prstGeom>
+          <a:gradFill flip="none" rotWithShape="1">
+            <a:gsLst>
+              <a:gs pos="0">
+                <a:srgbClr val="00B050"/>
+              </a:gs>
+              <a:gs pos="100000">
+                <a:schemeClr val="accent1">
+                  <a:tint val="23500"/>
+                  <a:satMod val="160000"/>
+                  <a:alpha val="0"/>
+                </a:schemeClr>
+              </a:gs>
+            </a:gsLst>
+            <a:lin ang="10800000" scaled="1"/>
+            <a:tileRect/>
+          </a:gradFill>
+          <a:ln>
+            <a:noFill/>
+          </a:ln>
+        </p:spPr>
+        <p:style>
+          <a:lnRef idx="2">
+            <a:schemeClr val="accent1">
+              <a:shade val="50000"/>
+            </a:schemeClr>
+          </a:lnRef>
+          <a:fillRef idx="1">
+            <a:schemeClr val="accent1"/>
+          </a:fillRef>
+          <a:effectRef idx="0">
+            <a:schemeClr val="accent1"/>
+          </a:effectRef>
+          <a:fontRef idx="minor">
+            <a:schemeClr val="lt1"/>
+          </a:fontRef>
+        </p:style>
+        <p:txBody>
+          <a:bodyPr rtlCol="0" anchor="ctr"/>
+          <a:lstStyle/>
+          <a:p>
+            <a:pPr algn="ctr"/>
+            <a:endParaRPr lang="fr-FR"/>
+          </a:p>
+        </p:txBody>
+      </p:sp>
+    </p:spTree>
+    <p:extLst>
+      <p:ext uri="{BB962C8B-B14F-4D97-AF65-F5344CB8AC3E}">
+        <p14:creationId xmlns:p14="http://schemas.microsoft.com/office/powerpoint/2010/main" val="1718131306"/>
+      </p:ext>
+    </p:extLst>
+  </p:cSld>
+  <p:clrMapOvr>
+    <a:masterClrMapping/>
+  </p:clrMapOvr>
+  <p:timing>
+    <p:tnLst>
+      <p:par>
+        <p:cTn id="1" dur="indefinite" restart="never" nodeType="tmRoot"/>
+      </p:par>
+    </p:tnLst>
+  </p:timing>
+</p:sld>
+</file>
+
+<file path=ppt/slides/slide18.xml><?xml version="1.0" encoding="utf-8"?>
+<p:sld xmlns:a="http://schemas.openxmlformats.org/drawingml/2006/main" xmlns:r="http://schemas.openxmlformats.org/officeDocument/2006/relationships" xmlns:p="http://schemas.openxmlformats.org/presentationml/2006/main">
+  <p:cSld>
+    <p:spTree>
+      <p:nvGrpSpPr>
+        <p:cNvPr id="1" name=""/>
+        <p:cNvGrpSpPr/>
+        <p:nvPr/>
+      </p:nvGrpSpPr>
+      <p:grpSpPr>
+        <a:xfrm>
+          <a:off x="0" y="0"/>
+          <a:ext cx="0" cy="0"/>
+          <a:chOff x="0" y="0"/>
+          <a:chExt cx="0" cy="0"/>
+        </a:xfrm>
+      </p:grpSpPr>
+      <p:sp>
+        <p:nvSpPr>
+          <p:cNvPr id="2" name="Titre 1"/>
+          <p:cNvSpPr>
+            <a:spLocks noGrp="1"/>
+          </p:cNvSpPr>
+          <p:nvPr>
+            <p:ph type="title"/>
+          </p:nvPr>
+        </p:nvSpPr>
+        <p:spPr>
+          <a:xfrm>
+            <a:off x="1094408" y="588428"/>
+            <a:ext cx="7488832" cy="1066130"/>
+          </a:xfrm>
+        </p:spPr>
+        <p:txBody>
+          <a:bodyPr>
+            <a:normAutofit fontScale="90000"/>
+          </a:bodyPr>
+          <a:lstStyle/>
+          <a:p>
+            <a:pPr algn="r"/>
+            <a:r>
+              <a:rPr lang="fr-FR" smtClean="0"/>
+              <a:t>Analyse des segments</a:t>
+            </a:r>
+            <a:r>
+              <a:rPr lang="fr-FR" sz="3200" smtClean="0"/>
+              <a:t/>
+            </a:r>
+            <a:br>
+              <a:rPr lang="fr-FR" sz="3200" smtClean="0"/>
+            </a:br>
+            <a:r>
+              <a:rPr lang="fr-FR" sz="900" smtClean="0"/>
+              <a:t> </a:t>
+            </a:r>
+            <a:r>
+              <a:rPr lang="fr-FR" sz="3200"/>
+              <a:t/>
+            </a:r>
+            <a:br>
+              <a:rPr lang="fr-FR" sz="3200"/>
+            </a:br>
+            <a:r>
+              <a:rPr lang="fr-FR" sz="3100" smtClean="0">
+                <a:latin typeface="Yu Gothic UI Light" panose="020B0300000000000000" pitchFamily="34" charset="-128"/>
+                <a:ea typeface="Yu Gothic UI Light" panose="020B0300000000000000" pitchFamily="34" charset="-128"/>
+              </a:rPr>
+              <a:t>Profils</a:t>
+            </a:r>
+            <a:endParaRPr lang="fr-FR" sz="3100">
+              <a:latin typeface="Yu Gothic UI Light" panose="020B0300000000000000" pitchFamily="34" charset="-128"/>
+              <a:ea typeface="Yu Gothic UI Light" panose="020B0300000000000000" pitchFamily="34" charset="-128"/>
+            </a:endParaRPr>
+          </a:p>
+        </p:txBody>
+      </p:sp>
+      <p:sp>
+        <p:nvSpPr>
+          <p:cNvPr id="4" name="Espace réservé de la date 3"/>
+          <p:cNvSpPr>
+            <a:spLocks noGrp="1"/>
+          </p:cNvSpPr>
+          <p:nvPr>
+            <p:ph type="dt" sz="half" idx="10"/>
+          </p:nvPr>
+        </p:nvSpPr>
+        <p:spPr/>
+        <p:txBody>
+          <a:bodyPr/>
+          <a:lstStyle/>
+          <a:p>
+            <a:r>
+              <a:rPr lang="fr-FR" smtClean="0"/>
+              <a:t>17/06/2020</a:t>
+            </a:r>
+            <a:endParaRPr lang="fr-FR"/>
+          </a:p>
+        </p:txBody>
+      </p:sp>
+      <p:sp>
+        <p:nvSpPr>
+          <p:cNvPr id="5" name="Espace réservé du pied de page 4"/>
+          <p:cNvSpPr>
+            <a:spLocks noGrp="1"/>
+          </p:cNvSpPr>
+          <p:nvPr>
+            <p:ph type="ftr" sz="quarter" idx="11"/>
+          </p:nvPr>
+        </p:nvSpPr>
+        <p:spPr/>
+        <p:txBody>
+          <a:bodyPr/>
+          <a:lstStyle/>
+          <a:p>
+            <a:r>
+              <a:rPr lang="fr-FR" smtClean="0"/>
+              <a:t>Maryse Muller | Parcours Data Scientist</a:t>
+            </a:r>
+            <a:endParaRPr lang="fr-FR"/>
+          </a:p>
+        </p:txBody>
+      </p:sp>
+      <p:sp>
+        <p:nvSpPr>
+          <p:cNvPr id="6" name="Espace réservé du numéro de diapositive 5"/>
+          <p:cNvSpPr>
+            <a:spLocks noGrp="1"/>
+          </p:cNvSpPr>
+          <p:nvPr>
+            <p:ph type="sldNum" sz="quarter" idx="12"/>
+          </p:nvPr>
+        </p:nvSpPr>
+        <p:spPr/>
+        <p:txBody>
+          <a:bodyPr/>
+          <a:lstStyle/>
+          <a:p>
+            <a:fld id="{D384C430-F8FC-4B07-B0BC-750FA1B3CF0A}" type="slidenum">
+              <a:rPr lang="fr-FR" smtClean="0"/>
+              <a:t>18</a:t>
+            </a:fld>
+            <a:endParaRPr lang="fr-FR"/>
+          </a:p>
+        </p:txBody>
+      </p:sp>
+      <p:sp>
+        <p:nvSpPr>
+          <p:cNvPr id="8" name="Rectangle 7"/>
+          <p:cNvSpPr/>
+          <p:nvPr/>
+        </p:nvSpPr>
+        <p:spPr>
+          <a:xfrm>
+            <a:off x="3823854" y="1196959"/>
+            <a:ext cx="4708586" cy="45719"/>
+          </a:xfrm>
+          <a:prstGeom prst="rect">
+            <a:avLst/>
+          </a:prstGeom>
+          <a:gradFill flip="none" rotWithShape="1">
+            <a:gsLst>
+              <a:gs pos="0">
+                <a:srgbClr val="00B050"/>
+              </a:gs>
+              <a:gs pos="100000">
+                <a:schemeClr val="accent1">
+                  <a:tint val="23500"/>
+                  <a:satMod val="160000"/>
+                  <a:alpha val="0"/>
+                </a:schemeClr>
+              </a:gs>
+            </a:gsLst>
+            <a:lin ang="10800000" scaled="1"/>
+            <a:tileRect/>
+          </a:gradFill>
+          <a:ln>
+            <a:noFill/>
+          </a:ln>
+        </p:spPr>
+        <p:style>
+          <a:lnRef idx="2">
+            <a:schemeClr val="accent1">
+              <a:shade val="50000"/>
+            </a:schemeClr>
+          </a:lnRef>
+          <a:fillRef idx="1">
+            <a:schemeClr val="accent1"/>
+          </a:fillRef>
+          <a:effectRef idx="0">
+            <a:schemeClr val="accent1"/>
+          </a:effectRef>
+          <a:fontRef idx="minor">
+            <a:schemeClr val="lt1"/>
+          </a:fontRef>
+        </p:style>
+        <p:txBody>
+          <a:bodyPr rtlCol="0" anchor="ctr"/>
+          <a:lstStyle/>
+          <a:p>
+            <a:pPr algn="ctr"/>
+            <a:endParaRPr lang="fr-FR"/>
+          </a:p>
+        </p:txBody>
+      </p:sp>
+    </p:spTree>
+    <p:extLst>
+      <p:ext uri="{BB962C8B-B14F-4D97-AF65-F5344CB8AC3E}">
+        <p14:creationId xmlns:p14="http://schemas.microsoft.com/office/powerpoint/2010/main" val="1446865563"/>
+      </p:ext>
+    </p:extLst>
+  </p:cSld>
+  <p:clrMapOvr>
+    <a:masterClrMapping/>
+  </p:clrMapOvr>
+  <p:timing>
+    <p:tnLst>
+      <p:par>
+        <p:cTn id="1" dur="indefinite" restart="never" nodeType="tmRoot"/>
+      </p:par>
+    </p:tnLst>
+  </p:timing>
+</p:sld>
+</file>
+
+<file path=ppt/slides/slide19.xml><?xml version="1.0" encoding="utf-8"?>
+<p:sld xmlns:a="http://schemas.openxmlformats.org/drawingml/2006/main" xmlns:r="http://schemas.openxmlformats.org/officeDocument/2006/relationships" xmlns:p="http://schemas.openxmlformats.org/presentationml/2006/main">
+  <p:cSld>
+    <p:spTree>
+      <p:nvGrpSpPr>
+        <p:cNvPr id="1" name=""/>
+        <p:cNvGrpSpPr/>
+        <p:nvPr/>
+      </p:nvGrpSpPr>
+      <p:grpSpPr>
+        <a:xfrm>
+          <a:off x="0" y="0"/>
+          <a:ext cx="0" cy="0"/>
+          <a:chOff x="0" y="0"/>
+          <a:chExt cx="0" cy="0"/>
+        </a:xfrm>
+      </p:grpSpPr>
+      <p:sp>
+        <p:nvSpPr>
+          <p:cNvPr id="2" name="Titre 1"/>
+          <p:cNvSpPr>
+            <a:spLocks noGrp="1"/>
+          </p:cNvSpPr>
+          <p:nvPr>
+            <p:ph type="title"/>
+          </p:nvPr>
+        </p:nvSpPr>
+        <p:spPr>
+          <a:xfrm>
+            <a:off x="1094408" y="588428"/>
+            <a:ext cx="7488832" cy="1066130"/>
+          </a:xfrm>
+        </p:spPr>
+        <p:txBody>
+          <a:bodyPr>
+            <a:normAutofit fontScale="90000"/>
+          </a:bodyPr>
+          <a:lstStyle/>
+          <a:p>
+            <a:pPr algn="r"/>
+            <a:r>
+              <a:rPr lang="fr-FR" smtClean="0"/>
+              <a:t>Stabilité temporelle</a:t>
+            </a:r>
+            <a:r>
+              <a:rPr lang="fr-FR" sz="900" smtClean="0"/>
+              <a:t> </a:t>
+            </a:r>
+            <a:r>
+              <a:rPr lang="fr-FR" sz="3200"/>
+              <a:t/>
+            </a:r>
+            <a:br>
+              <a:rPr lang="fr-FR" sz="3200"/>
+            </a:br>
+            <a:r>
+              <a:rPr lang="fr-FR" sz="3100" smtClean="0">
+                <a:latin typeface="Yu Gothic UI Light" panose="020B0300000000000000" pitchFamily="34" charset="-128"/>
+                <a:ea typeface="Yu Gothic UI Light" panose="020B0300000000000000" pitchFamily="34" charset="-128"/>
+              </a:rPr>
+              <a:t>Profils</a:t>
+            </a:r>
+            <a:endParaRPr lang="fr-FR" sz="3100">
+              <a:latin typeface="Yu Gothic UI Light" panose="020B0300000000000000" pitchFamily="34" charset="-128"/>
+              <a:ea typeface="Yu Gothic UI Light" panose="020B0300000000000000" pitchFamily="34" charset="-128"/>
+            </a:endParaRPr>
+          </a:p>
+        </p:txBody>
+      </p:sp>
+      <p:sp>
+        <p:nvSpPr>
+          <p:cNvPr id="4" name="Espace réservé de la date 3"/>
+          <p:cNvSpPr>
+            <a:spLocks noGrp="1"/>
+          </p:cNvSpPr>
+          <p:nvPr>
+            <p:ph type="dt" sz="half" idx="10"/>
+          </p:nvPr>
+        </p:nvSpPr>
+        <p:spPr/>
+        <p:txBody>
+          <a:bodyPr/>
+          <a:lstStyle/>
+          <a:p>
+            <a:r>
+              <a:rPr lang="fr-FR" smtClean="0"/>
+              <a:t>17/06/2020</a:t>
+            </a:r>
+            <a:endParaRPr lang="fr-FR"/>
+          </a:p>
+        </p:txBody>
+      </p:sp>
+      <p:sp>
+        <p:nvSpPr>
+          <p:cNvPr id="5" name="Espace réservé du pied de page 4"/>
+          <p:cNvSpPr>
+            <a:spLocks noGrp="1"/>
+          </p:cNvSpPr>
+          <p:nvPr>
+            <p:ph type="ftr" sz="quarter" idx="11"/>
+          </p:nvPr>
+        </p:nvSpPr>
+        <p:spPr/>
+        <p:txBody>
+          <a:bodyPr/>
+          <a:lstStyle/>
+          <a:p>
+            <a:r>
+              <a:rPr lang="fr-FR" smtClean="0"/>
+              <a:t>Maryse Muller | Parcours Data Scientist</a:t>
+            </a:r>
+            <a:endParaRPr lang="fr-FR"/>
+          </a:p>
+        </p:txBody>
+      </p:sp>
+      <p:sp>
+        <p:nvSpPr>
+          <p:cNvPr id="6" name="Espace réservé du numéro de diapositive 5"/>
+          <p:cNvSpPr>
+            <a:spLocks noGrp="1"/>
+          </p:cNvSpPr>
+          <p:nvPr>
+            <p:ph type="sldNum" sz="quarter" idx="12"/>
+          </p:nvPr>
+        </p:nvSpPr>
+        <p:spPr/>
+        <p:txBody>
+          <a:bodyPr/>
+          <a:lstStyle/>
+          <a:p>
+            <a:fld id="{D384C430-F8FC-4B07-B0BC-750FA1B3CF0A}" type="slidenum">
+              <a:rPr lang="fr-FR" smtClean="0"/>
+              <a:t>19</a:t>
+            </a:fld>
+            <a:endParaRPr lang="fr-FR"/>
+          </a:p>
+        </p:txBody>
+      </p:sp>
+      <p:sp>
+        <p:nvSpPr>
+          <p:cNvPr id="8" name="Rectangle 7"/>
+          <p:cNvSpPr/>
+          <p:nvPr/>
+        </p:nvSpPr>
+        <p:spPr>
+          <a:xfrm>
+            <a:off x="3823854" y="1196959"/>
+            <a:ext cx="4708586" cy="45719"/>
+          </a:xfrm>
+          <a:prstGeom prst="rect">
+            <a:avLst/>
+          </a:prstGeom>
+          <a:gradFill flip="none" rotWithShape="1">
+            <a:gsLst>
+              <a:gs pos="0">
+                <a:srgbClr val="00B050"/>
+              </a:gs>
+              <a:gs pos="100000">
+                <a:schemeClr val="accent1">
+                  <a:tint val="23500"/>
+                  <a:satMod val="160000"/>
+                  <a:alpha val="0"/>
+                </a:schemeClr>
+              </a:gs>
+            </a:gsLst>
+            <a:lin ang="10800000" scaled="1"/>
+            <a:tileRect/>
+          </a:gradFill>
+          <a:ln>
+            <a:noFill/>
+          </a:ln>
+        </p:spPr>
+        <p:style>
+          <a:lnRef idx="2">
+            <a:schemeClr val="accent1">
+              <a:shade val="50000"/>
+            </a:schemeClr>
+          </a:lnRef>
+          <a:fillRef idx="1">
+            <a:schemeClr val="accent1"/>
+          </a:fillRef>
+          <a:effectRef idx="0">
+            <a:schemeClr val="accent1"/>
+          </a:effectRef>
+          <a:fontRef idx="minor">
+            <a:schemeClr val="lt1"/>
+          </a:fontRef>
+        </p:style>
+        <p:txBody>
+          <a:bodyPr rtlCol="0" anchor="ctr"/>
+          <a:lstStyle/>
+          <a:p>
+            <a:pPr algn="ctr"/>
+            <a:endParaRPr lang="fr-FR"/>
+          </a:p>
+        </p:txBody>
+      </p:sp>
+    </p:spTree>
+    <p:extLst>
+      <p:ext uri="{BB962C8B-B14F-4D97-AF65-F5344CB8AC3E}">
+        <p14:creationId xmlns:p14="http://schemas.microsoft.com/office/powerpoint/2010/main" val="4240594285"/>
+      </p:ext>
+    </p:extLst>
+  </p:cSld>
+  <p:clrMapOvr>
+    <a:masterClrMapping/>
+  </p:clrMapOvr>
+  <p:timing>
+    <p:tnLst>
+      <p:par>
+        <p:cTn id="1" dur="indefinite" restart="never" nodeType="tmRoot"/>
+      </p:par>
+    </p:tnLst>
+  </p:timing>
+</p:sld>
+</file>
+
+<file path=ppt/slides/slide2.xml><?xml version="1.0" encoding="utf-8"?>
+<p:sld xmlns:a="http://schemas.openxmlformats.org/drawingml/2006/main" xmlns:r="http://schemas.openxmlformats.org/officeDocument/2006/relationships" xmlns:p="http://schemas.openxmlformats.org/presentationml/2006/main">
+  <p:cSld>
+    <p:spTree>
+      <p:nvGrpSpPr>
+        <p:cNvPr id="1" name=""/>
+        <p:cNvGrpSpPr/>
+        <p:nvPr/>
+      </p:nvGrpSpPr>
+      <p:grpSpPr>
+        <a:xfrm>
+          <a:off x="0" y="0"/>
+          <a:ext cx="0" cy="0"/>
+          <a:chOff x="0" y="0"/>
+          <a:chExt cx="0" cy="0"/>
+        </a:xfrm>
+      </p:grpSpPr>
+      <p:sp>
+        <p:nvSpPr>
+          <p:cNvPr id="4" name="Espace réservé de la date 3"/>
+          <p:cNvSpPr>
+            <a:spLocks noGrp="1"/>
+          </p:cNvSpPr>
+          <p:nvPr>
+            <p:ph type="dt" sz="half" idx="10"/>
+          </p:nvPr>
+        </p:nvSpPr>
+        <p:spPr/>
+        <p:txBody>
+          <a:bodyPr/>
+          <a:lstStyle/>
+          <a:p>
+            <a:r>
+              <a:rPr lang="fr-FR" smtClean="0"/>
+              <a:t>17/06/2020</a:t>
+            </a:r>
+            <a:endParaRPr lang="fr-FR"/>
+          </a:p>
+        </p:txBody>
+      </p:sp>
+      <p:sp>
+        <p:nvSpPr>
+          <p:cNvPr id="5" name="Espace réservé du pied de page 4"/>
+          <p:cNvSpPr>
+            <a:spLocks noGrp="1"/>
+          </p:cNvSpPr>
+          <p:nvPr>
+            <p:ph type="ftr" sz="quarter" idx="11"/>
+          </p:nvPr>
+        </p:nvSpPr>
+        <p:spPr/>
+        <p:txBody>
+          <a:bodyPr/>
+          <a:lstStyle/>
+          <a:p>
+            <a:r>
+              <a:rPr lang="fr-FR" smtClean="0"/>
+              <a:t>Maryse Muller | Parcours Data Scientist</a:t>
+            </a:r>
+            <a:endParaRPr lang="fr-FR"/>
+          </a:p>
+        </p:txBody>
+      </p:sp>
+      <p:sp>
+        <p:nvSpPr>
+          <p:cNvPr id="6" name="Espace réservé du numéro de diapositive 5"/>
+          <p:cNvSpPr>
+            <a:spLocks noGrp="1"/>
+          </p:cNvSpPr>
+          <p:nvPr>
+            <p:ph type="sldNum" sz="quarter" idx="12"/>
+          </p:nvPr>
+        </p:nvSpPr>
+        <p:spPr/>
+        <p:txBody>
+          <a:bodyPr/>
+          <a:lstStyle/>
+          <a:p>
+            <a:fld id="{D384C430-F8FC-4B07-B0BC-750FA1B3CF0A}" type="slidenum">
+              <a:rPr lang="fr-FR" smtClean="0"/>
+              <a:t>2</a:t>
+            </a:fld>
+            <a:endParaRPr lang="fr-FR"/>
+          </a:p>
+        </p:txBody>
+      </p:sp>
+      <p:sp>
+        <p:nvSpPr>
+          <p:cNvPr id="11" name="Sous-titre 2"/>
+          <p:cNvSpPr txBox="1">
+            <a:spLocks/>
+          </p:cNvSpPr>
+          <p:nvPr/>
+        </p:nvSpPr>
+        <p:spPr>
+          <a:xfrm>
+            <a:off x="3720783" y="3160318"/>
+            <a:ext cx="4496544" cy="2131990"/>
+          </a:xfrm>
+          <a:prstGeom prst="rect">
+            <a:avLst/>
+          </a:prstGeom>
+        </p:spPr>
+        <p:txBody>
+          <a:bodyPr>
+            <a:noAutofit/>
+          </a:bodyPr>
+          <a:lstStyle>
+            <a:lvl1pPr marL="342900" indent="-342900" algn="l" defTabSz="914400" rtl="0" eaLnBrk="1" latinLnBrk="0" hangingPunct="1">
+              <a:spcBef>
+                <a:spcPct val="20000"/>
+              </a:spcBef>
+              <a:buFont typeface="Arial" panose="020B0604020202020204" pitchFamily="34" charset="0"/>
+              <a:buChar char="•"/>
+              <a:defRPr sz="3200" kern="1200">
+                <a:solidFill>
+                  <a:schemeClr val="tx1"/>
+                </a:solidFill>
+                <a:latin typeface="+mn-lt"/>
+                <a:ea typeface="+mn-ea"/>
+                <a:cs typeface="+mn-cs"/>
+              </a:defRPr>
+            </a:lvl1pPr>
+            <a:lvl2pPr marL="742950" indent="-285750" algn="l" defTabSz="914400" rtl="0" eaLnBrk="1" latinLnBrk="0" hangingPunct="1">
+              <a:spcBef>
+                <a:spcPct val="20000"/>
+              </a:spcBef>
+              <a:buFont typeface="Arial" panose="020B0604020202020204" pitchFamily="34" charset="0"/>
+              <a:buChar char="–"/>
+              <a:defRPr sz="2800" kern="1200">
+                <a:solidFill>
+                  <a:schemeClr val="tx1"/>
+                </a:solidFill>
+                <a:latin typeface="+mn-lt"/>
+                <a:ea typeface="+mn-ea"/>
+                <a:cs typeface="+mn-cs"/>
+              </a:defRPr>
+            </a:lvl2pPr>
+            <a:lvl3pPr marL="1143000" indent="-228600" algn="l" defTabSz="914400" rtl="0" eaLnBrk="1" latinLnBrk="0" hangingPunct="1">
+              <a:spcBef>
+                <a:spcPct val="20000"/>
+              </a:spcBef>
+              <a:buFont typeface="Arial" panose="020B0604020202020204" pitchFamily="34" charset="0"/>
+              <a:buChar char="•"/>
+              <a:defRPr sz="2400" kern="1200">
+                <a:solidFill>
+                  <a:schemeClr val="tx1"/>
+                </a:solidFill>
+                <a:latin typeface="+mn-lt"/>
+                <a:ea typeface="+mn-ea"/>
+                <a:cs typeface="+mn-cs"/>
+              </a:defRPr>
+            </a:lvl3pPr>
+            <a:lvl4pPr marL="1600200" indent="-228600" algn="l" defTabSz="914400" rtl="0" eaLnBrk="1" latinLnBrk="0" hangingPunct="1">
+              <a:spcBef>
+                <a:spcPct val="20000"/>
+              </a:spcBef>
+              <a:buFont typeface="Arial" panose="020B0604020202020204" pitchFamily="34" charset="0"/>
+              <a:buChar char="–"/>
+              <a:defRPr sz="2000" kern="1200">
+                <a:solidFill>
+                  <a:schemeClr val="tx1"/>
+                </a:solidFill>
+                <a:latin typeface="+mn-lt"/>
+                <a:ea typeface="+mn-ea"/>
+                <a:cs typeface="+mn-cs"/>
+              </a:defRPr>
+            </a:lvl4pPr>
+            <a:lvl5pPr marL="2057400" indent="-228600" algn="l" defTabSz="914400" rtl="0" eaLnBrk="1" latinLnBrk="0" hangingPunct="1">
+              <a:spcBef>
+                <a:spcPct val="20000"/>
+              </a:spcBef>
+              <a:buFont typeface="Arial" panose="020B0604020202020204" pitchFamily="34" charset="0"/>
+              <a:buChar char="»"/>
+              <a:defRPr sz="2000" kern="1200">
+                <a:solidFill>
+                  <a:schemeClr val="tx1"/>
+                </a:solidFill>
+                <a:latin typeface="+mn-lt"/>
+                <a:ea typeface="+mn-ea"/>
+                <a:cs typeface="+mn-cs"/>
+              </a:defRPr>
+            </a:lvl5pPr>
+            <a:lvl6pPr marL="2514600" indent="-228600" algn="l" defTabSz="914400" rtl="0" eaLnBrk="1" latinLnBrk="0" hangingPunct="1">
+              <a:spcBef>
+                <a:spcPct val="20000"/>
+              </a:spcBef>
+              <a:buFont typeface="Arial" panose="020B0604020202020204" pitchFamily="34" charset="0"/>
+              <a:buChar char="•"/>
+              <a:defRPr sz="2000" kern="1200">
+                <a:solidFill>
+                  <a:schemeClr val="tx1"/>
+                </a:solidFill>
+                <a:latin typeface="+mn-lt"/>
+                <a:ea typeface="+mn-ea"/>
+                <a:cs typeface="+mn-cs"/>
+              </a:defRPr>
+            </a:lvl6pPr>
+            <a:lvl7pPr marL="2971800" indent="-228600" algn="l" defTabSz="914400" rtl="0" eaLnBrk="1" latinLnBrk="0" hangingPunct="1">
+              <a:spcBef>
+                <a:spcPct val="20000"/>
+              </a:spcBef>
+              <a:buFont typeface="Arial" panose="020B0604020202020204" pitchFamily="34" charset="0"/>
+              <a:buChar char="•"/>
+              <a:defRPr sz="2000" kern="1200">
+                <a:solidFill>
+                  <a:schemeClr val="tx1"/>
+                </a:solidFill>
+                <a:latin typeface="+mn-lt"/>
+                <a:ea typeface="+mn-ea"/>
+                <a:cs typeface="+mn-cs"/>
+              </a:defRPr>
+            </a:lvl7pPr>
+            <a:lvl8pPr marL="3429000" indent="-228600" algn="l" defTabSz="914400" rtl="0" eaLnBrk="1" latinLnBrk="0" hangingPunct="1">
+              <a:spcBef>
+                <a:spcPct val="20000"/>
+              </a:spcBef>
+              <a:buFont typeface="Arial" panose="020B0604020202020204" pitchFamily="34" charset="0"/>
+              <a:buChar char="•"/>
+              <a:defRPr sz="2000" kern="1200">
+                <a:solidFill>
+                  <a:schemeClr val="tx1"/>
+                </a:solidFill>
+                <a:latin typeface="+mn-lt"/>
+                <a:ea typeface="+mn-ea"/>
+                <a:cs typeface="+mn-cs"/>
+              </a:defRPr>
+            </a:lvl8pPr>
+            <a:lvl9pPr marL="3886200" indent="-228600" algn="l" defTabSz="914400" rtl="0" eaLnBrk="1" latinLnBrk="0" hangingPunct="1">
+              <a:spcBef>
+                <a:spcPct val="20000"/>
+              </a:spcBef>
+              <a:buFont typeface="Arial" panose="020B0604020202020204" pitchFamily="34" charset="0"/>
+              <a:buChar char="•"/>
+              <a:defRPr sz="2000" kern="1200">
+                <a:solidFill>
+                  <a:schemeClr val="tx1"/>
+                </a:solidFill>
+                <a:latin typeface="+mn-lt"/>
+                <a:ea typeface="+mn-ea"/>
+                <a:cs typeface="+mn-cs"/>
+              </a:defRPr>
+            </a:lvl9pPr>
+          </a:lstStyle>
+          <a:p>
+            <a:pPr marL="0" indent="0" algn="r">
+              <a:buNone/>
+            </a:pPr>
+            <a:r>
+              <a:rPr lang="fr-FR" sz="2800" smtClean="0">
+                <a:latin typeface="+mj-lt"/>
+                <a:ea typeface="Yu Gothic UI Light" panose="020B0300000000000000" pitchFamily="34" charset="-128"/>
+                <a:cs typeface="Segoe UI" panose="020B0502040204020203" pitchFamily="34" charset="0"/>
+              </a:rPr>
+              <a:t>Problématique</a:t>
+            </a:r>
+          </a:p>
+          <a:p>
+            <a:pPr marL="0" indent="0" algn="r">
+              <a:buNone/>
+            </a:pPr>
+            <a:r>
+              <a:rPr lang="fr-FR" sz="2800" smtClean="0">
+                <a:latin typeface="Yu Gothic UI Light" panose="020B0300000000000000" pitchFamily="34" charset="-128"/>
+                <a:ea typeface="Yu Gothic UI Light" panose="020B0300000000000000" pitchFamily="34" charset="-128"/>
+                <a:cs typeface="Segoe UI" panose="020B0502040204020203" pitchFamily="34" charset="0"/>
+              </a:rPr>
+              <a:t>Données</a:t>
+            </a:r>
+          </a:p>
+          <a:p>
+            <a:pPr marL="0" indent="0" algn="r">
+              <a:buNone/>
+            </a:pPr>
+            <a:r>
+              <a:rPr lang="fr-FR" sz="2800" smtClean="0">
+                <a:latin typeface="Yu Gothic UI Light" panose="020B0300000000000000" pitchFamily="34" charset="-128"/>
+                <a:ea typeface="Yu Gothic UI Light" panose="020B0300000000000000" pitchFamily="34" charset="-128"/>
+                <a:cs typeface="Segoe UI" panose="020B0502040204020203" pitchFamily="34" charset="0"/>
+              </a:rPr>
+              <a:t>Modélisation</a:t>
+            </a:r>
+          </a:p>
+          <a:p>
+            <a:pPr marL="0" indent="0" algn="r">
+              <a:buNone/>
+            </a:pPr>
+            <a:r>
+              <a:rPr lang="fr-FR" sz="2800" smtClean="0">
+                <a:latin typeface="Yu Gothic UI Light" panose="020B0300000000000000" pitchFamily="34" charset="-128"/>
+                <a:ea typeface="Yu Gothic UI Light" panose="020B0300000000000000" pitchFamily="34" charset="-128"/>
+                <a:cs typeface="Segoe UI" panose="020B0502040204020203" pitchFamily="34" charset="0"/>
+              </a:rPr>
+              <a:t>Conclusions</a:t>
+            </a:r>
+          </a:p>
+          <a:p>
+            <a:pPr algn="r"/>
+            <a:endParaRPr lang="fr-FR" sz="2800">
+              <a:latin typeface="Yu Gothic UI Light" panose="020B0300000000000000" pitchFamily="34" charset="-128"/>
+              <a:ea typeface="Yu Gothic UI Light" panose="020B0300000000000000" pitchFamily="34" charset="-128"/>
+            </a:endParaRPr>
+          </a:p>
+        </p:txBody>
+      </p:sp>
+      <p:grpSp>
+        <p:nvGrpSpPr>
+          <p:cNvPr id="16" name="Groupe 15"/>
+          <p:cNvGrpSpPr/>
+          <p:nvPr/>
+        </p:nvGrpSpPr>
+        <p:grpSpPr>
+          <a:xfrm>
+            <a:off x="8288350" y="3135701"/>
+            <a:ext cx="244090" cy="2085523"/>
+            <a:chOff x="8648390" y="4292733"/>
+            <a:chExt cx="144016" cy="864096"/>
+          </a:xfrm>
+        </p:grpSpPr>
+        <p:sp>
+          <p:nvSpPr>
+            <p:cNvPr id="18" name="Rectangle 17"/>
+            <p:cNvSpPr/>
+            <p:nvPr/>
+          </p:nvSpPr>
+          <p:spPr>
+            <a:xfrm>
+              <a:off x="8648390" y="4292733"/>
+              <a:ext cx="144016" cy="216024"/>
+            </a:xfrm>
+            <a:prstGeom prst="rect">
+              <a:avLst/>
+            </a:prstGeom>
+            <a:solidFill>
+              <a:srgbClr val="00CCFF"/>
+            </a:solidFill>
+            <a:ln w="6350">
+              <a:solidFill>
+                <a:schemeClr val="bg1">
+                  <a:lumMod val="65000"/>
+                </a:schemeClr>
+              </a:solidFill>
+            </a:ln>
+          </p:spPr>
+          <p:style>
+            <a:lnRef idx="2">
+              <a:schemeClr val="accent1">
+                <a:shade val="50000"/>
+              </a:schemeClr>
+            </a:lnRef>
+            <a:fillRef idx="1">
+              <a:schemeClr val="accent1"/>
+            </a:fillRef>
+            <a:effectRef idx="0">
+              <a:schemeClr val="accent1"/>
+            </a:effectRef>
+            <a:fontRef idx="minor">
+              <a:schemeClr val="lt1"/>
+            </a:fontRef>
+          </p:style>
+          <p:txBody>
+            <a:bodyPr rtlCol="0" anchor="ctr"/>
+            <a:lstStyle/>
+            <a:p>
+              <a:pPr algn="ctr"/>
+              <a:endParaRPr lang="fr-FR"/>
+            </a:p>
+          </p:txBody>
+        </p:sp>
+        <p:sp>
+          <p:nvSpPr>
+            <p:cNvPr id="19" name="Rectangle 18"/>
+            <p:cNvSpPr/>
+            <p:nvPr/>
+          </p:nvSpPr>
+          <p:spPr>
+            <a:xfrm>
+              <a:off x="8648390" y="4508757"/>
+              <a:ext cx="144016" cy="216024"/>
+            </a:xfrm>
+            <a:prstGeom prst="rect">
+              <a:avLst/>
+            </a:prstGeom>
+            <a:solidFill>
+              <a:schemeClr val="bg1">
+                <a:lumMod val="50000"/>
+              </a:schemeClr>
+            </a:solidFill>
+            <a:ln w="6350">
+              <a:solidFill>
+                <a:schemeClr val="bg1">
+                  <a:lumMod val="65000"/>
+                </a:schemeClr>
+              </a:solidFill>
+            </a:ln>
+          </p:spPr>
+          <p:style>
+            <a:lnRef idx="2">
+              <a:schemeClr val="accent1">
+                <a:shade val="50000"/>
+              </a:schemeClr>
+            </a:lnRef>
+            <a:fillRef idx="1">
+              <a:schemeClr val="accent1"/>
+            </a:fillRef>
+            <a:effectRef idx="0">
+              <a:schemeClr val="accent1"/>
+            </a:effectRef>
+            <a:fontRef idx="minor">
+              <a:schemeClr val="lt1"/>
+            </a:fontRef>
+          </p:style>
+          <p:txBody>
+            <a:bodyPr rtlCol="0" anchor="ctr"/>
+            <a:lstStyle/>
+            <a:p>
+              <a:pPr algn="ctr"/>
+              <a:endParaRPr lang="fr-FR"/>
+            </a:p>
+          </p:txBody>
+        </p:sp>
+        <p:sp>
+          <p:nvSpPr>
+            <p:cNvPr id="20" name="Rectangle 19"/>
+            <p:cNvSpPr/>
+            <p:nvPr/>
+          </p:nvSpPr>
+          <p:spPr>
+            <a:xfrm>
+              <a:off x="8648390" y="4724781"/>
+              <a:ext cx="144016" cy="216024"/>
+            </a:xfrm>
+            <a:prstGeom prst="rect">
+              <a:avLst/>
+            </a:prstGeom>
+            <a:solidFill>
+              <a:schemeClr val="bg1">
+                <a:lumMod val="50000"/>
+              </a:schemeClr>
+            </a:solidFill>
+            <a:ln w="6350">
+              <a:solidFill>
+                <a:schemeClr val="bg1">
+                  <a:lumMod val="65000"/>
+                </a:schemeClr>
+              </a:solidFill>
+            </a:ln>
+          </p:spPr>
+          <p:style>
+            <a:lnRef idx="2">
+              <a:schemeClr val="accent1">
+                <a:shade val="50000"/>
+              </a:schemeClr>
+            </a:lnRef>
+            <a:fillRef idx="1">
+              <a:schemeClr val="accent1"/>
+            </a:fillRef>
+            <a:effectRef idx="0">
+              <a:schemeClr val="accent1"/>
+            </a:effectRef>
+            <a:fontRef idx="minor">
+              <a:schemeClr val="lt1"/>
+            </a:fontRef>
+          </p:style>
+          <p:txBody>
+            <a:bodyPr rtlCol="0" anchor="ctr"/>
+            <a:lstStyle/>
+            <a:p>
+              <a:pPr algn="ctr"/>
+              <a:endParaRPr lang="fr-FR"/>
+            </a:p>
+          </p:txBody>
+        </p:sp>
+        <p:sp>
+          <p:nvSpPr>
+            <p:cNvPr id="21" name="Rectangle 20"/>
+            <p:cNvSpPr/>
+            <p:nvPr/>
+          </p:nvSpPr>
+          <p:spPr>
+            <a:xfrm>
+              <a:off x="8648390" y="4940805"/>
+              <a:ext cx="144016" cy="216024"/>
+            </a:xfrm>
+            <a:prstGeom prst="rect">
+              <a:avLst/>
+            </a:prstGeom>
+            <a:solidFill>
+              <a:schemeClr val="bg1">
+                <a:lumMod val="50000"/>
+              </a:schemeClr>
+            </a:solidFill>
+            <a:ln w="6350">
+              <a:solidFill>
+                <a:schemeClr val="bg1">
+                  <a:lumMod val="65000"/>
+                </a:schemeClr>
+              </a:solidFill>
+            </a:ln>
+          </p:spPr>
+          <p:style>
+            <a:lnRef idx="2">
+              <a:schemeClr val="accent1">
+                <a:shade val="50000"/>
+              </a:schemeClr>
+            </a:lnRef>
+            <a:fillRef idx="1">
+              <a:schemeClr val="accent1"/>
+            </a:fillRef>
+            <a:effectRef idx="0">
+              <a:schemeClr val="accent1"/>
+            </a:effectRef>
+            <a:fontRef idx="minor">
+              <a:schemeClr val="lt1"/>
+            </a:fontRef>
+          </p:style>
+          <p:txBody>
+            <a:bodyPr rtlCol="0" anchor="ctr"/>
+            <a:lstStyle/>
+            <a:p>
+              <a:pPr algn="ctr"/>
+              <a:endParaRPr lang="fr-FR"/>
+            </a:p>
+          </p:txBody>
+        </p:sp>
+      </p:grpSp>
+      <p:sp>
+        <p:nvSpPr>
+          <p:cNvPr id="12" name="ZoneTexte 11"/>
+          <p:cNvSpPr txBox="1"/>
+          <p:nvPr/>
+        </p:nvSpPr>
+        <p:spPr>
+          <a:xfrm>
+            <a:off x="2123728" y="2996952"/>
+            <a:ext cx="1234633" cy="369332"/>
+          </a:xfrm>
+          <a:prstGeom prst="rect">
+            <a:avLst/>
+          </a:prstGeom>
+          <a:solidFill>
+            <a:srgbClr val="FFFF00"/>
+          </a:solidFill>
+        </p:spPr>
+        <p:txBody>
+          <a:bodyPr wrap="none" rtlCol="0">
+            <a:spAutoFit/>
+          </a:bodyPr>
+          <a:lstStyle/>
+          <a:p>
+            <a:r>
+              <a:rPr lang="fr-FR" smtClean="0"/>
+              <a:t>5 minutes</a:t>
+            </a:r>
+            <a:endParaRPr lang="fr-FR"/>
+          </a:p>
+        </p:txBody>
+      </p:sp>
+    </p:spTree>
+    <p:extLst>
+      <p:ext uri="{BB962C8B-B14F-4D97-AF65-F5344CB8AC3E}">
+        <p14:creationId xmlns:p14="http://schemas.microsoft.com/office/powerpoint/2010/main" val="2721325232"/>
+      </p:ext>
+    </p:extLst>
+  </p:cSld>
+  <p:clrMapOvr>
+    <a:masterClrMapping/>
+  </p:clrMapOvr>
+  <p:timing>
+    <p:tnLst>
+      <p:par>
+        <p:cTn id="1" dur="indefinite" restart="never" nodeType="tmRoot"/>
+      </p:par>
+    </p:tnLst>
+  </p:timing>
+</p:sld>
+</file>
+
+<file path=ppt/slides/slide20.xml><?xml version="1.0" encoding="utf-8"?>
+<p:sld xmlns:a="http://schemas.openxmlformats.org/drawingml/2006/main" xmlns:r="http://schemas.openxmlformats.org/officeDocument/2006/relationships" xmlns:p="http://schemas.openxmlformats.org/presentationml/2006/main">
+  <p:cSld>
+    <p:spTree>
+      <p:nvGrpSpPr>
+        <p:cNvPr id="1" name=""/>
+        <p:cNvGrpSpPr/>
+        <p:nvPr/>
+      </p:nvGrpSpPr>
+      <p:grpSpPr>
+        <a:xfrm>
+          <a:off x="0" y="0"/>
+          <a:ext cx="0" cy="0"/>
+          <a:chOff x="0" y="0"/>
+          <a:chExt cx="0" cy="0"/>
+        </a:xfrm>
+      </p:grpSpPr>
+      <p:sp>
+        <p:nvSpPr>
+          <p:cNvPr id="4" name="Espace réservé de la date 3"/>
+          <p:cNvSpPr>
+            <a:spLocks noGrp="1"/>
+          </p:cNvSpPr>
+          <p:nvPr>
+            <p:ph type="dt" sz="half" idx="10"/>
+          </p:nvPr>
+        </p:nvSpPr>
+        <p:spPr/>
+        <p:txBody>
+          <a:bodyPr/>
+          <a:lstStyle/>
+          <a:p>
+            <a:r>
+              <a:rPr lang="fr-FR" smtClean="0"/>
+              <a:t>17/06/2020</a:t>
+            </a:r>
+            <a:endParaRPr lang="fr-FR"/>
+          </a:p>
+        </p:txBody>
+      </p:sp>
+      <p:sp>
+        <p:nvSpPr>
+          <p:cNvPr id="5" name="Espace réservé du pied de page 4"/>
+          <p:cNvSpPr>
+            <a:spLocks noGrp="1"/>
+          </p:cNvSpPr>
+          <p:nvPr>
+            <p:ph type="ftr" sz="quarter" idx="11"/>
+          </p:nvPr>
+        </p:nvSpPr>
+        <p:spPr/>
+        <p:txBody>
+          <a:bodyPr/>
+          <a:lstStyle/>
+          <a:p>
+            <a:r>
+              <a:rPr lang="fr-FR" smtClean="0"/>
+              <a:t>Maryse Muller | Parcours Data Scientist</a:t>
+            </a:r>
+            <a:endParaRPr lang="fr-FR"/>
+          </a:p>
+        </p:txBody>
+      </p:sp>
+      <p:sp>
+        <p:nvSpPr>
+          <p:cNvPr id="6" name="Espace réservé du numéro de diapositive 5"/>
+          <p:cNvSpPr>
+            <a:spLocks noGrp="1"/>
+          </p:cNvSpPr>
+          <p:nvPr>
+            <p:ph type="sldNum" sz="quarter" idx="12"/>
+          </p:nvPr>
+        </p:nvSpPr>
+        <p:spPr/>
+        <p:txBody>
+          <a:bodyPr/>
+          <a:lstStyle/>
+          <a:p>
+            <a:fld id="{D384C430-F8FC-4B07-B0BC-750FA1B3CF0A}" type="slidenum">
+              <a:rPr lang="fr-FR" smtClean="0"/>
+              <a:t>20</a:t>
             </a:fld>
             <a:endParaRPr lang="fr-FR"/>
           </a:p>
@@ -7305,7 +8487,7 @@
 </p:sld>
 </file>
 
-<file path=ppt/slides/slide7.xml><?xml version="1.0" encoding="utf-8"?>
+<file path=ppt/slides/slide21.xml><?xml version="1.0" encoding="utf-8"?>
 <p:sld xmlns:a="http://schemas.openxmlformats.org/drawingml/2006/main" xmlns:r="http://schemas.openxmlformats.org/officeDocument/2006/relationships" xmlns:p="http://schemas.openxmlformats.org/presentationml/2006/main">
   <p:cSld>
     <p:spTree>
@@ -7450,7 +8632,7 @@
           <a:p>
             <a:fld id="{D384C430-F8FC-4B07-B0BC-750FA1B3CF0A}" type="slidenum">
               <a:rPr lang="fr-FR" smtClean="0"/>
-              <a:t>7</a:t>
+              <a:t>21</a:t>
             </a:fld>
             <a:endParaRPr lang="fr-FR"/>
           </a:p>
@@ -8783,6 +9965,3523 @@
 </p:sld>
 </file>
 
+<file path=ppt/slides/slide22.xml><?xml version="1.0" encoding="utf-8"?>
+<p:sld xmlns:a="http://schemas.openxmlformats.org/drawingml/2006/main" xmlns:r="http://schemas.openxmlformats.org/officeDocument/2006/relationships" xmlns:p="http://schemas.openxmlformats.org/presentationml/2006/main">
+  <p:cSld>
+    <p:spTree>
+      <p:nvGrpSpPr>
+        <p:cNvPr id="1" name=""/>
+        <p:cNvGrpSpPr/>
+        <p:nvPr/>
+      </p:nvGrpSpPr>
+      <p:grpSpPr>
+        <a:xfrm>
+          <a:off x="0" y="0"/>
+          <a:ext cx="0" cy="0"/>
+          <a:chOff x="0" y="0"/>
+          <a:chExt cx="0" cy="0"/>
+        </a:xfrm>
+      </p:grpSpPr>
+      <p:sp>
+        <p:nvSpPr>
+          <p:cNvPr id="2" name="Titre 1"/>
+          <p:cNvSpPr>
+            <a:spLocks noGrp="1"/>
+          </p:cNvSpPr>
+          <p:nvPr>
+            <p:ph type="title"/>
+          </p:nvPr>
+        </p:nvSpPr>
+        <p:spPr>
+          <a:xfrm>
+            <a:off x="827584" y="2780928"/>
+            <a:ext cx="7488832" cy="1066130"/>
+          </a:xfrm>
+        </p:spPr>
+        <p:txBody>
+          <a:bodyPr>
+            <a:normAutofit/>
+          </a:bodyPr>
+          <a:lstStyle/>
+          <a:p>
+            <a:r>
+              <a:rPr lang="fr-FR" b="1" smtClean="0"/>
+              <a:t>Questions</a:t>
+            </a:r>
+            <a:endParaRPr lang="fr-FR" sz="3100">
+              <a:latin typeface="Yu Gothic UI Light" panose="020B0300000000000000" pitchFamily="34" charset="-128"/>
+              <a:ea typeface="Yu Gothic UI Light" panose="020B0300000000000000" pitchFamily="34" charset="-128"/>
+            </a:endParaRPr>
+          </a:p>
+        </p:txBody>
+      </p:sp>
+      <p:sp>
+        <p:nvSpPr>
+          <p:cNvPr id="4" name="Espace réservé de la date 3"/>
+          <p:cNvSpPr>
+            <a:spLocks noGrp="1"/>
+          </p:cNvSpPr>
+          <p:nvPr>
+            <p:ph type="dt" sz="half" idx="10"/>
+          </p:nvPr>
+        </p:nvSpPr>
+        <p:spPr/>
+        <p:txBody>
+          <a:bodyPr/>
+          <a:lstStyle/>
+          <a:p>
+            <a:r>
+              <a:rPr lang="fr-FR" smtClean="0"/>
+              <a:t>17/06/2020</a:t>
+            </a:r>
+            <a:endParaRPr lang="fr-FR"/>
+          </a:p>
+        </p:txBody>
+      </p:sp>
+      <p:sp>
+        <p:nvSpPr>
+          <p:cNvPr id="5" name="Espace réservé du pied de page 4"/>
+          <p:cNvSpPr>
+            <a:spLocks noGrp="1"/>
+          </p:cNvSpPr>
+          <p:nvPr>
+            <p:ph type="ftr" sz="quarter" idx="11"/>
+          </p:nvPr>
+        </p:nvSpPr>
+        <p:spPr/>
+        <p:txBody>
+          <a:bodyPr/>
+          <a:lstStyle/>
+          <a:p>
+            <a:r>
+              <a:rPr lang="fr-FR" smtClean="0"/>
+              <a:t>Maryse Muller | Parcours Data Scientist</a:t>
+            </a:r>
+            <a:endParaRPr lang="fr-FR"/>
+          </a:p>
+        </p:txBody>
+      </p:sp>
+      <p:sp>
+        <p:nvSpPr>
+          <p:cNvPr id="6" name="Espace réservé du numéro de diapositive 5"/>
+          <p:cNvSpPr>
+            <a:spLocks noGrp="1"/>
+          </p:cNvSpPr>
+          <p:nvPr>
+            <p:ph type="sldNum" sz="quarter" idx="12"/>
+          </p:nvPr>
+        </p:nvSpPr>
+        <p:spPr/>
+        <p:txBody>
+          <a:bodyPr/>
+          <a:lstStyle/>
+          <a:p>
+            <a:fld id="{D384C430-F8FC-4B07-B0BC-750FA1B3CF0A}" type="slidenum">
+              <a:rPr lang="fr-FR" smtClean="0"/>
+              <a:t>22</a:t>
+            </a:fld>
+            <a:endParaRPr lang="fr-FR"/>
+          </a:p>
+        </p:txBody>
+      </p:sp>
+    </p:spTree>
+    <p:extLst>
+      <p:ext uri="{BB962C8B-B14F-4D97-AF65-F5344CB8AC3E}">
+        <p14:creationId xmlns:p14="http://schemas.microsoft.com/office/powerpoint/2010/main" val="1568875553"/>
+      </p:ext>
+    </p:extLst>
+  </p:cSld>
+  <p:clrMapOvr>
+    <a:masterClrMapping/>
+  </p:clrMapOvr>
+  <p:timing>
+    <p:tnLst>
+      <p:par>
+        <p:cTn id="1" dur="indefinite" restart="never" nodeType="tmRoot"/>
+      </p:par>
+    </p:tnLst>
+  </p:timing>
+</p:sld>
+</file>
+
+<file path=ppt/slides/slide3.xml><?xml version="1.0" encoding="utf-8"?>
+<p:sld xmlns:a="http://schemas.openxmlformats.org/drawingml/2006/main" xmlns:r="http://schemas.openxmlformats.org/officeDocument/2006/relationships" xmlns:p="http://schemas.openxmlformats.org/presentationml/2006/main">
+  <p:cSld>
+    <p:spTree>
+      <p:nvGrpSpPr>
+        <p:cNvPr id="1" name=""/>
+        <p:cNvGrpSpPr/>
+        <p:nvPr/>
+      </p:nvGrpSpPr>
+      <p:grpSpPr>
+        <a:xfrm>
+          <a:off x="0" y="0"/>
+          <a:ext cx="0" cy="0"/>
+          <a:chOff x="0" y="0"/>
+          <a:chExt cx="0" cy="0"/>
+        </a:xfrm>
+      </p:grpSpPr>
+      <p:sp>
+        <p:nvSpPr>
+          <p:cNvPr id="2" name="Titre 1"/>
+          <p:cNvSpPr>
+            <a:spLocks noGrp="1"/>
+          </p:cNvSpPr>
+          <p:nvPr>
+            <p:ph type="title"/>
+          </p:nvPr>
+        </p:nvSpPr>
+        <p:spPr>
+          <a:xfrm>
+            <a:off x="1094408" y="588428"/>
+            <a:ext cx="7488832" cy="1066130"/>
+          </a:xfrm>
+        </p:spPr>
+        <p:txBody>
+          <a:bodyPr>
+            <a:normAutofit fontScale="90000"/>
+          </a:bodyPr>
+          <a:lstStyle/>
+          <a:p>
+            <a:pPr algn="r"/>
+            <a:r>
+              <a:rPr lang="fr-FR" smtClean="0"/>
+              <a:t>Problématique</a:t>
+            </a:r>
+            <a:r>
+              <a:rPr lang="fr-FR" sz="3200" smtClean="0"/>
+              <a:t/>
+            </a:r>
+            <a:br>
+              <a:rPr lang="fr-FR" sz="3200" smtClean="0"/>
+            </a:br>
+            <a:r>
+              <a:rPr lang="fr-FR" sz="900" smtClean="0"/>
+              <a:t> </a:t>
+            </a:r>
+            <a:r>
+              <a:rPr lang="fr-FR" sz="3200"/>
+              <a:t/>
+            </a:r>
+            <a:br>
+              <a:rPr lang="fr-FR" sz="3200"/>
+            </a:br>
+            <a:r>
+              <a:rPr lang="fr-FR" sz="3100" smtClean="0">
+                <a:latin typeface="Yu Gothic UI Light" panose="020B0300000000000000" pitchFamily="34" charset="-128"/>
+                <a:ea typeface="Yu Gothic UI Light" panose="020B0300000000000000" pitchFamily="34" charset="-128"/>
+              </a:rPr>
+              <a:t>Olist : une plateforme d’e-commerce</a:t>
+            </a:r>
+            <a:endParaRPr lang="fr-FR" sz="3100">
+              <a:latin typeface="Yu Gothic UI Light" panose="020B0300000000000000" pitchFamily="34" charset="-128"/>
+              <a:ea typeface="Yu Gothic UI Light" panose="020B0300000000000000" pitchFamily="34" charset="-128"/>
+            </a:endParaRPr>
+          </a:p>
+        </p:txBody>
+      </p:sp>
+      <p:sp>
+        <p:nvSpPr>
+          <p:cNvPr id="4" name="Espace réservé de la date 3"/>
+          <p:cNvSpPr>
+            <a:spLocks noGrp="1"/>
+          </p:cNvSpPr>
+          <p:nvPr>
+            <p:ph type="dt" sz="half" idx="10"/>
+          </p:nvPr>
+        </p:nvSpPr>
+        <p:spPr/>
+        <p:txBody>
+          <a:bodyPr/>
+          <a:lstStyle/>
+          <a:p>
+            <a:r>
+              <a:rPr lang="fr-FR" smtClean="0"/>
+              <a:t>17/06/2020</a:t>
+            </a:r>
+            <a:endParaRPr lang="fr-FR"/>
+          </a:p>
+        </p:txBody>
+      </p:sp>
+      <p:sp>
+        <p:nvSpPr>
+          <p:cNvPr id="5" name="Espace réservé du pied de page 4"/>
+          <p:cNvSpPr>
+            <a:spLocks noGrp="1"/>
+          </p:cNvSpPr>
+          <p:nvPr>
+            <p:ph type="ftr" sz="quarter" idx="11"/>
+          </p:nvPr>
+        </p:nvSpPr>
+        <p:spPr/>
+        <p:txBody>
+          <a:bodyPr/>
+          <a:lstStyle/>
+          <a:p>
+            <a:r>
+              <a:rPr lang="fr-FR" smtClean="0"/>
+              <a:t>Maryse Muller | Parcours Data Scientist</a:t>
+            </a:r>
+            <a:endParaRPr lang="fr-FR"/>
+          </a:p>
+        </p:txBody>
+      </p:sp>
+      <p:sp>
+        <p:nvSpPr>
+          <p:cNvPr id="6" name="Espace réservé du numéro de diapositive 5"/>
+          <p:cNvSpPr>
+            <a:spLocks noGrp="1"/>
+          </p:cNvSpPr>
+          <p:nvPr>
+            <p:ph type="sldNum" sz="quarter" idx="12"/>
+          </p:nvPr>
+        </p:nvSpPr>
+        <p:spPr/>
+        <p:txBody>
+          <a:bodyPr/>
+          <a:lstStyle/>
+          <a:p>
+            <a:fld id="{D384C430-F8FC-4B07-B0BC-750FA1B3CF0A}" type="slidenum">
+              <a:rPr lang="fr-FR" smtClean="0"/>
+              <a:t>3</a:t>
+            </a:fld>
+            <a:endParaRPr lang="fr-FR"/>
+          </a:p>
+        </p:txBody>
+      </p:sp>
+      <p:sp>
+        <p:nvSpPr>
+          <p:cNvPr id="16" name="Rectangle 15"/>
+          <p:cNvSpPr/>
+          <p:nvPr/>
+        </p:nvSpPr>
+        <p:spPr>
+          <a:xfrm>
+            <a:off x="3823854" y="1196959"/>
+            <a:ext cx="4708586" cy="45719"/>
+          </a:xfrm>
+          <a:prstGeom prst="rect">
+            <a:avLst/>
+          </a:prstGeom>
+          <a:gradFill flip="none" rotWithShape="1">
+            <a:gsLst>
+              <a:gs pos="0">
+                <a:schemeClr val="accent1">
+                  <a:lumMod val="75000"/>
+                </a:schemeClr>
+              </a:gs>
+              <a:gs pos="100000">
+                <a:schemeClr val="accent1">
+                  <a:tint val="23500"/>
+                  <a:satMod val="160000"/>
+                  <a:alpha val="0"/>
+                </a:schemeClr>
+              </a:gs>
+            </a:gsLst>
+            <a:lin ang="10800000" scaled="1"/>
+            <a:tileRect/>
+          </a:gradFill>
+          <a:ln>
+            <a:noFill/>
+          </a:ln>
+        </p:spPr>
+        <p:style>
+          <a:lnRef idx="2">
+            <a:schemeClr val="accent1">
+              <a:shade val="50000"/>
+            </a:schemeClr>
+          </a:lnRef>
+          <a:fillRef idx="1">
+            <a:schemeClr val="accent1"/>
+          </a:fillRef>
+          <a:effectRef idx="0">
+            <a:schemeClr val="accent1"/>
+          </a:effectRef>
+          <a:fontRef idx="minor">
+            <a:schemeClr val="lt1"/>
+          </a:fontRef>
+        </p:style>
+        <p:txBody>
+          <a:bodyPr rtlCol="0" anchor="ctr"/>
+          <a:lstStyle/>
+          <a:p>
+            <a:pPr algn="ctr"/>
+            <a:endParaRPr lang="fr-FR"/>
+          </a:p>
+        </p:txBody>
+      </p:sp>
+      <p:sp>
+        <p:nvSpPr>
+          <p:cNvPr id="3" name="Rectangle 2"/>
+          <p:cNvSpPr/>
+          <p:nvPr/>
+        </p:nvSpPr>
+        <p:spPr>
+          <a:xfrm>
+            <a:off x="611560" y="4293096"/>
+            <a:ext cx="6242653" cy="1200329"/>
+          </a:xfrm>
+          <a:prstGeom prst="rect">
+            <a:avLst/>
+          </a:prstGeom>
+        </p:spPr>
+        <p:txBody>
+          <a:bodyPr wrap="square">
+            <a:spAutoFit/>
+          </a:bodyPr>
+          <a:lstStyle/>
+          <a:p>
+            <a:r>
+              <a:rPr lang="fr-FR" smtClean="0"/>
+              <a:t>Olist : </a:t>
+            </a:r>
+          </a:p>
+          <a:p>
+            <a:pPr marL="285750" indent="-285750">
+              <a:buFontTx/>
+              <a:buChar char="-"/>
+            </a:pPr>
+            <a:r>
+              <a:rPr lang="fr-FR" smtClean="0"/>
+              <a:t>plateforme d’e-commerce</a:t>
+            </a:r>
+          </a:p>
+          <a:p>
+            <a:pPr marL="285750" indent="-285750">
+              <a:buFontTx/>
+              <a:buChar char="-"/>
+            </a:pPr>
+            <a:r>
+              <a:rPr lang="fr-FR" smtClean="0"/>
+              <a:t>créée en 2016 au Brésil</a:t>
+            </a:r>
+          </a:p>
+          <a:p>
+            <a:pPr marL="285750" indent="-285750">
+              <a:buFontTx/>
+              <a:buChar char="-"/>
+            </a:pPr>
+            <a:r>
+              <a:rPr lang="fr-FR" smtClean="0"/>
+              <a:t>facilite les transactions entre acheteur et vendeur</a:t>
+            </a:r>
+          </a:p>
+        </p:txBody>
+      </p:sp>
+      <p:grpSp>
+        <p:nvGrpSpPr>
+          <p:cNvPr id="17" name="Groupe 16"/>
+          <p:cNvGrpSpPr/>
+          <p:nvPr/>
+        </p:nvGrpSpPr>
+        <p:grpSpPr>
+          <a:xfrm>
+            <a:off x="3430124" y="2267648"/>
+            <a:ext cx="4688633" cy="1152128"/>
+            <a:chOff x="1163538" y="1556792"/>
+            <a:chExt cx="4688633" cy="1152128"/>
+          </a:xfrm>
+        </p:grpSpPr>
+        <p:pic>
+          <p:nvPicPr>
+            <p:cNvPr id="2050" name="Picture 2"/>
+            <p:cNvPicPr>
+              <a:picLocks noChangeAspect="1" noChangeArrowheads="1"/>
+            </p:cNvPicPr>
+            <p:nvPr/>
+          </p:nvPicPr>
+          <p:blipFill rotWithShape="1">
+            <a:blip r:embed="rId2">
+              <a:extLst>
+                <a:ext uri="{28A0092B-C50C-407E-A947-70E740481C1C}">
+                  <a14:useLocalDpi xmlns:a14="http://schemas.microsoft.com/office/drawing/2010/main" val="0"/>
+                </a:ext>
+              </a:extLst>
+            </a:blip>
+            <a:srcRect t="33783" b="26454"/>
+            <a:stretch/>
+          </p:blipFill>
+          <p:spPr bwMode="auto">
+            <a:xfrm>
+              <a:off x="1163538" y="1556792"/>
+              <a:ext cx="4688633" cy="900658"/>
+            </a:xfrm>
+            <a:prstGeom prst="rect">
+              <a:avLst/>
+            </a:prstGeom>
+            <a:noFill/>
+            <a:ln>
+              <a:noFill/>
+            </a:ln>
+            <a:extLst>
+              <a:ext uri="{909E8E84-426E-40DD-AFC4-6F175D3DCCD1}">
+                <a14:hiddenFill xmlns:a14="http://schemas.microsoft.com/office/drawing/2010/main">
+                  <a:solidFill>
+                    <a:schemeClr val="accent1"/>
+                  </a:solidFill>
+                </a14:hiddenFill>
+              </a:ext>
+              <a:ext uri="{91240B29-F687-4F45-9708-019B960494DF}">
+                <a14:hiddenLine xmlns:a14="http://schemas.microsoft.com/office/drawing/2010/main" w="9525">
+                  <a:solidFill>
+                    <a:schemeClr val="tx1"/>
+                  </a:solidFill>
+                  <a:miter lim="800000"/>
+                  <a:headEnd/>
+                  <a:tailEnd/>
+                </a14:hiddenLine>
+              </a:ext>
+            </a:extLst>
+          </p:spPr>
+        </p:pic>
+        <p:sp>
+          <p:nvSpPr>
+            <p:cNvPr id="7" name="Rectangle 6"/>
+            <p:cNvSpPr/>
+            <p:nvPr/>
+          </p:nvSpPr>
+          <p:spPr>
+            <a:xfrm>
+              <a:off x="4605908" y="2060848"/>
+              <a:ext cx="576064" cy="396602"/>
+            </a:xfrm>
+            <a:custGeom>
+              <a:avLst/>
+              <a:gdLst>
+                <a:gd name="connsiteX0" fmla="*/ 0 w 576064"/>
+                <a:gd name="connsiteY0" fmla="*/ 0 h 396602"/>
+                <a:gd name="connsiteX1" fmla="*/ 576064 w 576064"/>
+                <a:gd name="connsiteY1" fmla="*/ 0 h 396602"/>
+                <a:gd name="connsiteX2" fmla="*/ 576064 w 576064"/>
+                <a:gd name="connsiteY2" fmla="*/ 396602 h 396602"/>
+                <a:gd name="connsiteX3" fmla="*/ 0 w 576064"/>
+                <a:gd name="connsiteY3" fmla="*/ 396602 h 396602"/>
+                <a:gd name="connsiteX4" fmla="*/ 0 w 576064"/>
+                <a:gd name="connsiteY4" fmla="*/ 0 h 396602"/>
+                <a:gd name="connsiteX0" fmla="*/ 0 w 576064"/>
+                <a:gd name="connsiteY0" fmla="*/ 0 h 396602"/>
+                <a:gd name="connsiteX1" fmla="*/ 576064 w 576064"/>
+                <a:gd name="connsiteY1" fmla="*/ 0 h 396602"/>
+                <a:gd name="connsiteX2" fmla="*/ 576064 w 576064"/>
+                <a:gd name="connsiteY2" fmla="*/ 396602 h 396602"/>
+                <a:gd name="connsiteX3" fmla="*/ 228600 w 576064"/>
+                <a:gd name="connsiteY3" fmla="*/ 377552 h 396602"/>
+                <a:gd name="connsiteX4" fmla="*/ 0 w 576064"/>
+                <a:gd name="connsiteY4" fmla="*/ 0 h 396602"/>
+                <a:gd name="connsiteX0" fmla="*/ 0 w 576064"/>
+                <a:gd name="connsiteY0" fmla="*/ 0 h 396602"/>
+                <a:gd name="connsiteX1" fmla="*/ 480814 w 576064"/>
+                <a:gd name="connsiteY1" fmla="*/ 190500 h 396602"/>
+                <a:gd name="connsiteX2" fmla="*/ 576064 w 576064"/>
+                <a:gd name="connsiteY2" fmla="*/ 396602 h 396602"/>
+                <a:gd name="connsiteX3" fmla="*/ 228600 w 576064"/>
+                <a:gd name="connsiteY3" fmla="*/ 377552 h 396602"/>
+                <a:gd name="connsiteX4" fmla="*/ 0 w 576064"/>
+                <a:gd name="connsiteY4" fmla="*/ 0 h 396602"/>
+              </a:gdLst>
+              <a:ahLst/>
+              <a:cxnLst>
+                <a:cxn ang="0">
+                  <a:pos x="connsiteX0" y="connsiteY0"/>
+                </a:cxn>
+                <a:cxn ang="0">
+                  <a:pos x="connsiteX1" y="connsiteY1"/>
+                </a:cxn>
+                <a:cxn ang="0">
+                  <a:pos x="connsiteX2" y="connsiteY2"/>
+                </a:cxn>
+                <a:cxn ang="0">
+                  <a:pos x="connsiteX3" y="connsiteY3"/>
+                </a:cxn>
+                <a:cxn ang="0">
+                  <a:pos x="connsiteX4" y="connsiteY4"/>
+                </a:cxn>
+              </a:cxnLst>
+              <a:rect l="l" t="t" r="r" b="b"/>
+              <a:pathLst>
+                <a:path w="576064" h="396602">
+                  <a:moveTo>
+                    <a:pt x="0" y="0"/>
+                  </a:moveTo>
+                  <a:lnTo>
+                    <a:pt x="480814" y="190500"/>
+                  </a:lnTo>
+                  <a:lnTo>
+                    <a:pt x="576064" y="396602"/>
+                  </a:lnTo>
+                  <a:lnTo>
+                    <a:pt x="228600" y="377552"/>
+                  </a:lnTo>
+                  <a:lnTo>
+                    <a:pt x="0" y="0"/>
+                  </a:lnTo>
+                  <a:close/>
+                </a:path>
+              </a:pathLst>
+            </a:custGeom>
+            <a:solidFill>
+              <a:schemeClr val="bg1"/>
+            </a:solidFill>
+            <a:ln>
+              <a:noFill/>
+            </a:ln>
+          </p:spPr>
+          <p:style>
+            <a:lnRef idx="2">
+              <a:schemeClr val="accent1">
+                <a:shade val="50000"/>
+              </a:schemeClr>
+            </a:lnRef>
+            <a:fillRef idx="1">
+              <a:schemeClr val="accent1"/>
+            </a:fillRef>
+            <a:effectRef idx="0">
+              <a:schemeClr val="accent1"/>
+            </a:effectRef>
+            <a:fontRef idx="minor">
+              <a:schemeClr val="lt1"/>
+            </a:fontRef>
+          </p:style>
+          <p:txBody>
+            <a:bodyPr rtlCol="0" anchor="ctr"/>
+            <a:lstStyle/>
+            <a:p>
+              <a:pPr algn="ctr"/>
+              <a:endParaRPr lang="fr-FR" sz="1200"/>
+            </a:p>
+          </p:txBody>
+        </p:sp>
+        <p:sp>
+          <p:nvSpPr>
+            <p:cNvPr id="10" name="Rectangle 6"/>
+            <p:cNvSpPr/>
+            <p:nvPr/>
+          </p:nvSpPr>
+          <p:spPr>
+            <a:xfrm flipV="1">
+              <a:off x="4605908" y="1659868"/>
+              <a:ext cx="576064" cy="396602"/>
+            </a:xfrm>
+            <a:custGeom>
+              <a:avLst/>
+              <a:gdLst>
+                <a:gd name="connsiteX0" fmla="*/ 0 w 576064"/>
+                <a:gd name="connsiteY0" fmla="*/ 0 h 396602"/>
+                <a:gd name="connsiteX1" fmla="*/ 576064 w 576064"/>
+                <a:gd name="connsiteY1" fmla="*/ 0 h 396602"/>
+                <a:gd name="connsiteX2" fmla="*/ 576064 w 576064"/>
+                <a:gd name="connsiteY2" fmla="*/ 396602 h 396602"/>
+                <a:gd name="connsiteX3" fmla="*/ 0 w 576064"/>
+                <a:gd name="connsiteY3" fmla="*/ 396602 h 396602"/>
+                <a:gd name="connsiteX4" fmla="*/ 0 w 576064"/>
+                <a:gd name="connsiteY4" fmla="*/ 0 h 396602"/>
+                <a:gd name="connsiteX0" fmla="*/ 0 w 576064"/>
+                <a:gd name="connsiteY0" fmla="*/ 0 h 396602"/>
+                <a:gd name="connsiteX1" fmla="*/ 576064 w 576064"/>
+                <a:gd name="connsiteY1" fmla="*/ 0 h 396602"/>
+                <a:gd name="connsiteX2" fmla="*/ 576064 w 576064"/>
+                <a:gd name="connsiteY2" fmla="*/ 396602 h 396602"/>
+                <a:gd name="connsiteX3" fmla="*/ 228600 w 576064"/>
+                <a:gd name="connsiteY3" fmla="*/ 377552 h 396602"/>
+                <a:gd name="connsiteX4" fmla="*/ 0 w 576064"/>
+                <a:gd name="connsiteY4" fmla="*/ 0 h 396602"/>
+                <a:gd name="connsiteX0" fmla="*/ 0 w 576064"/>
+                <a:gd name="connsiteY0" fmla="*/ 0 h 396602"/>
+                <a:gd name="connsiteX1" fmla="*/ 480814 w 576064"/>
+                <a:gd name="connsiteY1" fmla="*/ 190500 h 396602"/>
+                <a:gd name="connsiteX2" fmla="*/ 576064 w 576064"/>
+                <a:gd name="connsiteY2" fmla="*/ 396602 h 396602"/>
+                <a:gd name="connsiteX3" fmla="*/ 228600 w 576064"/>
+                <a:gd name="connsiteY3" fmla="*/ 377552 h 396602"/>
+                <a:gd name="connsiteX4" fmla="*/ 0 w 576064"/>
+                <a:gd name="connsiteY4" fmla="*/ 0 h 396602"/>
+              </a:gdLst>
+              <a:ahLst/>
+              <a:cxnLst>
+                <a:cxn ang="0">
+                  <a:pos x="connsiteX0" y="connsiteY0"/>
+                </a:cxn>
+                <a:cxn ang="0">
+                  <a:pos x="connsiteX1" y="connsiteY1"/>
+                </a:cxn>
+                <a:cxn ang="0">
+                  <a:pos x="connsiteX2" y="connsiteY2"/>
+                </a:cxn>
+                <a:cxn ang="0">
+                  <a:pos x="connsiteX3" y="connsiteY3"/>
+                </a:cxn>
+                <a:cxn ang="0">
+                  <a:pos x="connsiteX4" y="connsiteY4"/>
+                </a:cxn>
+              </a:cxnLst>
+              <a:rect l="l" t="t" r="r" b="b"/>
+              <a:pathLst>
+                <a:path w="576064" h="396602">
+                  <a:moveTo>
+                    <a:pt x="0" y="0"/>
+                  </a:moveTo>
+                  <a:lnTo>
+                    <a:pt x="480814" y="190500"/>
+                  </a:lnTo>
+                  <a:lnTo>
+                    <a:pt x="576064" y="396602"/>
+                  </a:lnTo>
+                  <a:lnTo>
+                    <a:pt x="228600" y="377552"/>
+                  </a:lnTo>
+                  <a:lnTo>
+                    <a:pt x="0" y="0"/>
+                  </a:lnTo>
+                  <a:close/>
+                </a:path>
+              </a:pathLst>
+            </a:custGeom>
+            <a:solidFill>
+              <a:schemeClr val="bg1"/>
+            </a:solidFill>
+            <a:ln>
+              <a:noFill/>
+            </a:ln>
+          </p:spPr>
+          <p:style>
+            <a:lnRef idx="2">
+              <a:schemeClr val="accent1">
+                <a:shade val="50000"/>
+              </a:schemeClr>
+            </a:lnRef>
+            <a:fillRef idx="1">
+              <a:schemeClr val="accent1"/>
+            </a:fillRef>
+            <a:effectRef idx="0">
+              <a:schemeClr val="accent1"/>
+            </a:effectRef>
+            <a:fontRef idx="minor">
+              <a:schemeClr val="lt1"/>
+            </a:fontRef>
+          </p:style>
+          <p:txBody>
+            <a:bodyPr rtlCol="0" anchor="ctr"/>
+            <a:lstStyle/>
+            <a:p>
+              <a:pPr algn="ctr"/>
+              <a:endParaRPr lang="fr-FR" sz="1200"/>
+            </a:p>
+          </p:txBody>
+        </p:sp>
+        <p:sp>
+          <p:nvSpPr>
+            <p:cNvPr id="8" name="Rectangle 7"/>
+            <p:cNvSpPr/>
+            <p:nvPr/>
+          </p:nvSpPr>
+          <p:spPr>
+            <a:xfrm>
+              <a:off x="5148064" y="1556792"/>
+              <a:ext cx="432048" cy="216024"/>
+            </a:xfrm>
+            <a:prstGeom prst="rect">
+              <a:avLst/>
+            </a:prstGeom>
+            <a:solidFill>
+              <a:schemeClr val="bg1"/>
+            </a:solidFill>
+            <a:ln>
+              <a:noFill/>
+            </a:ln>
+          </p:spPr>
+          <p:style>
+            <a:lnRef idx="2">
+              <a:schemeClr val="accent1">
+                <a:shade val="50000"/>
+              </a:schemeClr>
+            </a:lnRef>
+            <a:fillRef idx="1">
+              <a:schemeClr val="accent1"/>
+            </a:fillRef>
+            <a:effectRef idx="0">
+              <a:schemeClr val="accent1"/>
+            </a:effectRef>
+            <a:fontRef idx="minor">
+              <a:schemeClr val="lt1"/>
+            </a:fontRef>
+          </p:style>
+          <p:txBody>
+            <a:bodyPr rtlCol="0" anchor="ctr"/>
+            <a:lstStyle/>
+            <a:p>
+              <a:pPr algn="ctr"/>
+              <a:endParaRPr lang="fr-FR" sz="1200"/>
+            </a:p>
+          </p:txBody>
+        </p:sp>
+        <p:sp>
+          <p:nvSpPr>
+            <p:cNvPr id="9" name="Rectangle 8"/>
+            <p:cNvSpPr/>
+            <p:nvPr/>
+          </p:nvSpPr>
+          <p:spPr>
+            <a:xfrm>
+              <a:off x="1163538" y="2457450"/>
+              <a:ext cx="4688633" cy="251470"/>
+            </a:xfrm>
+            <a:prstGeom prst="rect">
+              <a:avLst/>
+            </a:prstGeom>
+            <a:solidFill>
+              <a:schemeClr val="bg1"/>
+            </a:solidFill>
+            <a:ln>
+              <a:noFill/>
+            </a:ln>
+          </p:spPr>
+          <p:style>
+            <a:lnRef idx="2">
+              <a:schemeClr val="accent1">
+                <a:shade val="50000"/>
+              </a:schemeClr>
+            </a:lnRef>
+            <a:fillRef idx="1">
+              <a:schemeClr val="accent1"/>
+            </a:fillRef>
+            <a:effectRef idx="0">
+              <a:schemeClr val="accent1"/>
+            </a:effectRef>
+            <a:fontRef idx="minor">
+              <a:schemeClr val="lt1"/>
+            </a:fontRef>
+          </p:style>
+          <p:txBody>
+            <a:bodyPr rtlCol="0" anchor="ctr"/>
+            <a:lstStyle/>
+            <a:p>
+              <a:pPr algn="ctr"/>
+              <a:endParaRPr lang="fr-FR" sz="1200"/>
+            </a:p>
+          </p:txBody>
+        </p:sp>
+        <p:sp>
+          <p:nvSpPr>
+            <p:cNvPr id="13" name="Rectangle 12"/>
+            <p:cNvSpPr/>
+            <p:nvPr/>
+          </p:nvSpPr>
+          <p:spPr>
+            <a:xfrm>
+              <a:off x="5181972" y="2259149"/>
+              <a:ext cx="432048" cy="216024"/>
+            </a:xfrm>
+            <a:prstGeom prst="rect">
+              <a:avLst/>
+            </a:prstGeom>
+            <a:solidFill>
+              <a:schemeClr val="bg1"/>
+            </a:solidFill>
+            <a:ln>
+              <a:noFill/>
+            </a:ln>
+          </p:spPr>
+          <p:style>
+            <a:lnRef idx="2">
+              <a:schemeClr val="accent1">
+                <a:shade val="50000"/>
+              </a:schemeClr>
+            </a:lnRef>
+            <a:fillRef idx="1">
+              <a:schemeClr val="accent1"/>
+            </a:fillRef>
+            <a:effectRef idx="0">
+              <a:schemeClr val="accent1"/>
+            </a:effectRef>
+            <a:fontRef idx="minor">
+              <a:schemeClr val="lt1"/>
+            </a:fontRef>
+          </p:style>
+          <p:txBody>
+            <a:bodyPr rtlCol="0" anchor="ctr"/>
+            <a:lstStyle/>
+            <a:p>
+              <a:pPr algn="ctr"/>
+              <a:endParaRPr lang="fr-FR" sz="1200"/>
+            </a:p>
+          </p:txBody>
+        </p:sp>
+        <p:pic>
+          <p:nvPicPr>
+            <p:cNvPr id="14" name="Picture 2"/>
+            <p:cNvPicPr>
+              <a:picLocks noChangeAspect="1" noChangeArrowheads="1"/>
+            </p:cNvPicPr>
+            <p:nvPr/>
+          </p:nvPicPr>
+          <p:blipFill rotWithShape="1">
+            <a:blip r:embed="rId2">
+              <a:extLst>
+                <a:ext uri="{28A0092B-C50C-407E-A947-70E740481C1C}">
+                  <a14:useLocalDpi xmlns:a14="http://schemas.microsoft.com/office/drawing/2010/main" val="0"/>
+                </a:ext>
+              </a:extLst>
+            </a:blip>
+            <a:srcRect l="6017" t="33783" r="82433" b="26454"/>
+            <a:stretch/>
+          </p:blipFill>
+          <p:spPr bwMode="auto">
+            <a:xfrm>
+              <a:off x="5148063" y="1592238"/>
+              <a:ext cx="541538" cy="900658"/>
+            </a:xfrm>
+            <a:prstGeom prst="rect">
+              <a:avLst/>
+            </a:prstGeom>
+            <a:noFill/>
+            <a:ln>
+              <a:noFill/>
+            </a:ln>
+            <a:extLst>
+              <a:ext uri="{909E8E84-426E-40DD-AFC4-6F175D3DCCD1}">
+                <a14:hiddenFill xmlns:a14="http://schemas.microsoft.com/office/drawing/2010/main">
+                  <a:solidFill>
+                    <a:schemeClr val="accent1"/>
+                  </a:solidFill>
+                </a14:hiddenFill>
+              </a:ext>
+              <a:ext uri="{91240B29-F687-4F45-9708-019B960494DF}">
+                <a14:hiddenLine xmlns:a14="http://schemas.microsoft.com/office/drawing/2010/main" w="9525">
+                  <a:solidFill>
+                    <a:schemeClr val="tx1"/>
+                  </a:solidFill>
+                  <a:miter lim="800000"/>
+                  <a:headEnd/>
+                  <a:tailEnd/>
+                </a14:hiddenLine>
+              </a:ext>
+            </a:extLst>
+          </p:spPr>
+        </p:pic>
+        <p:sp>
+          <p:nvSpPr>
+            <p:cNvPr id="15" name="Rectangle 14"/>
+            <p:cNvSpPr/>
+            <p:nvPr/>
+          </p:nvSpPr>
+          <p:spPr>
+            <a:xfrm>
+              <a:off x="5470500" y="1925216"/>
+              <a:ext cx="374898" cy="247774"/>
+            </a:xfrm>
+            <a:custGeom>
+              <a:avLst/>
+              <a:gdLst>
+                <a:gd name="connsiteX0" fmla="*/ 0 w 432048"/>
+                <a:gd name="connsiteY0" fmla="*/ 0 h 216024"/>
+                <a:gd name="connsiteX1" fmla="*/ 432048 w 432048"/>
+                <a:gd name="connsiteY1" fmla="*/ 0 h 216024"/>
+                <a:gd name="connsiteX2" fmla="*/ 432048 w 432048"/>
+                <a:gd name="connsiteY2" fmla="*/ 216024 h 216024"/>
+                <a:gd name="connsiteX3" fmla="*/ 0 w 432048"/>
+                <a:gd name="connsiteY3" fmla="*/ 216024 h 216024"/>
+                <a:gd name="connsiteX4" fmla="*/ 0 w 432048"/>
+                <a:gd name="connsiteY4" fmla="*/ 0 h 216024"/>
+                <a:gd name="connsiteX0" fmla="*/ 101600 w 533648"/>
+                <a:gd name="connsiteY0" fmla="*/ 0 h 216024"/>
+                <a:gd name="connsiteX1" fmla="*/ 533648 w 533648"/>
+                <a:gd name="connsiteY1" fmla="*/ 0 h 216024"/>
+                <a:gd name="connsiteX2" fmla="*/ 533648 w 533648"/>
+                <a:gd name="connsiteY2" fmla="*/ 216024 h 216024"/>
+                <a:gd name="connsiteX3" fmla="*/ 0 w 533648"/>
+                <a:gd name="connsiteY3" fmla="*/ 184274 h 216024"/>
+                <a:gd name="connsiteX4" fmla="*/ 101600 w 533648"/>
+                <a:gd name="connsiteY4" fmla="*/ 0 h 216024"/>
+                <a:gd name="connsiteX0" fmla="*/ 101600 w 533648"/>
+                <a:gd name="connsiteY0" fmla="*/ 0 h 247774"/>
+                <a:gd name="connsiteX1" fmla="*/ 533648 w 533648"/>
+                <a:gd name="connsiteY1" fmla="*/ 0 h 247774"/>
+                <a:gd name="connsiteX2" fmla="*/ 374898 w 533648"/>
+                <a:gd name="connsiteY2" fmla="*/ 247774 h 247774"/>
+                <a:gd name="connsiteX3" fmla="*/ 0 w 533648"/>
+                <a:gd name="connsiteY3" fmla="*/ 184274 h 247774"/>
+                <a:gd name="connsiteX4" fmla="*/ 101600 w 533648"/>
+                <a:gd name="connsiteY4" fmla="*/ 0 h 247774"/>
+                <a:gd name="connsiteX0" fmla="*/ 101600 w 374898"/>
+                <a:gd name="connsiteY0" fmla="*/ 0 h 247774"/>
+                <a:gd name="connsiteX1" fmla="*/ 352673 w 374898"/>
+                <a:gd name="connsiteY1" fmla="*/ 3175 h 247774"/>
+                <a:gd name="connsiteX2" fmla="*/ 374898 w 374898"/>
+                <a:gd name="connsiteY2" fmla="*/ 247774 h 247774"/>
+                <a:gd name="connsiteX3" fmla="*/ 0 w 374898"/>
+                <a:gd name="connsiteY3" fmla="*/ 184274 h 247774"/>
+                <a:gd name="connsiteX4" fmla="*/ 101600 w 374898"/>
+                <a:gd name="connsiteY4" fmla="*/ 0 h 247774"/>
+                <a:gd name="connsiteX0" fmla="*/ 101600 w 374898"/>
+                <a:gd name="connsiteY0" fmla="*/ 0 h 247774"/>
+                <a:gd name="connsiteX1" fmla="*/ 355848 w 374898"/>
+                <a:gd name="connsiteY1" fmla="*/ 6350 h 247774"/>
+                <a:gd name="connsiteX2" fmla="*/ 374898 w 374898"/>
+                <a:gd name="connsiteY2" fmla="*/ 247774 h 247774"/>
+                <a:gd name="connsiteX3" fmla="*/ 0 w 374898"/>
+                <a:gd name="connsiteY3" fmla="*/ 184274 h 247774"/>
+                <a:gd name="connsiteX4" fmla="*/ 101600 w 374898"/>
+                <a:gd name="connsiteY4" fmla="*/ 0 h 247774"/>
+              </a:gdLst>
+              <a:ahLst/>
+              <a:cxnLst>
+                <a:cxn ang="0">
+                  <a:pos x="connsiteX0" y="connsiteY0"/>
+                </a:cxn>
+                <a:cxn ang="0">
+                  <a:pos x="connsiteX1" y="connsiteY1"/>
+                </a:cxn>
+                <a:cxn ang="0">
+                  <a:pos x="connsiteX2" y="connsiteY2"/>
+                </a:cxn>
+                <a:cxn ang="0">
+                  <a:pos x="connsiteX3" y="connsiteY3"/>
+                </a:cxn>
+                <a:cxn ang="0">
+                  <a:pos x="connsiteX4" y="connsiteY4"/>
+                </a:cxn>
+              </a:cxnLst>
+              <a:rect l="l" t="t" r="r" b="b"/>
+              <a:pathLst>
+                <a:path w="374898" h="247774">
+                  <a:moveTo>
+                    <a:pt x="101600" y="0"/>
+                  </a:moveTo>
+                  <a:lnTo>
+                    <a:pt x="355848" y="6350"/>
+                  </a:lnTo>
+                  <a:lnTo>
+                    <a:pt x="374898" y="247774"/>
+                  </a:lnTo>
+                  <a:lnTo>
+                    <a:pt x="0" y="184274"/>
+                  </a:lnTo>
+                  <a:lnTo>
+                    <a:pt x="101600" y="0"/>
+                  </a:lnTo>
+                  <a:close/>
+                </a:path>
+              </a:pathLst>
+            </a:custGeom>
+            <a:solidFill>
+              <a:schemeClr val="bg1"/>
+            </a:solidFill>
+            <a:ln>
+              <a:noFill/>
+            </a:ln>
+          </p:spPr>
+          <p:style>
+            <a:lnRef idx="2">
+              <a:schemeClr val="accent1">
+                <a:shade val="50000"/>
+              </a:schemeClr>
+            </a:lnRef>
+            <a:fillRef idx="1">
+              <a:schemeClr val="accent1"/>
+            </a:fillRef>
+            <a:effectRef idx="0">
+              <a:schemeClr val="accent1"/>
+            </a:effectRef>
+            <a:fontRef idx="minor">
+              <a:schemeClr val="lt1"/>
+            </a:fontRef>
+          </p:style>
+          <p:txBody>
+            <a:bodyPr rtlCol="0" anchor="ctr"/>
+            <a:lstStyle/>
+            <a:p>
+              <a:pPr algn="ctr"/>
+              <a:endParaRPr lang="fr-FR" sz="1200"/>
+            </a:p>
+          </p:txBody>
+        </p:sp>
+        <p:sp>
+          <p:nvSpPr>
+            <p:cNvPr id="11" name="Forme libre 10"/>
+            <p:cNvSpPr/>
+            <p:nvPr/>
+          </p:nvSpPr>
+          <p:spPr>
+            <a:xfrm>
+              <a:off x="5198270" y="2105025"/>
+              <a:ext cx="452436" cy="285750"/>
+            </a:xfrm>
+            <a:custGeom>
+              <a:avLst/>
+              <a:gdLst>
+                <a:gd name="connsiteX0" fmla="*/ 0 w 438150"/>
+                <a:gd name="connsiteY0" fmla="*/ 273844 h 273844"/>
+                <a:gd name="connsiteX1" fmla="*/ 16668 w 438150"/>
+                <a:gd name="connsiteY1" fmla="*/ 147637 h 273844"/>
+                <a:gd name="connsiteX2" fmla="*/ 42862 w 438150"/>
+                <a:gd name="connsiteY2" fmla="*/ 92869 h 273844"/>
+                <a:gd name="connsiteX3" fmla="*/ 66675 w 438150"/>
+                <a:gd name="connsiteY3" fmla="*/ 52387 h 273844"/>
+                <a:gd name="connsiteX4" fmla="*/ 102393 w 438150"/>
+                <a:gd name="connsiteY4" fmla="*/ 28575 h 273844"/>
+                <a:gd name="connsiteX5" fmla="*/ 145256 w 438150"/>
+                <a:gd name="connsiteY5" fmla="*/ 4762 h 273844"/>
+                <a:gd name="connsiteX6" fmla="*/ 164306 w 438150"/>
+                <a:gd name="connsiteY6" fmla="*/ 2381 h 273844"/>
+                <a:gd name="connsiteX7" fmla="*/ 178593 w 438150"/>
+                <a:gd name="connsiteY7" fmla="*/ 28575 h 273844"/>
+                <a:gd name="connsiteX8" fmla="*/ 200025 w 438150"/>
+                <a:gd name="connsiteY8" fmla="*/ 30956 h 273844"/>
+                <a:gd name="connsiteX9" fmla="*/ 221456 w 438150"/>
+                <a:gd name="connsiteY9" fmla="*/ 38100 h 273844"/>
+                <a:gd name="connsiteX10" fmla="*/ 245268 w 438150"/>
+                <a:gd name="connsiteY10" fmla="*/ 28575 h 273844"/>
+                <a:gd name="connsiteX11" fmla="*/ 266700 w 438150"/>
+                <a:gd name="connsiteY11" fmla="*/ 23812 h 273844"/>
+                <a:gd name="connsiteX12" fmla="*/ 273843 w 438150"/>
+                <a:gd name="connsiteY12" fmla="*/ 0 h 273844"/>
+                <a:gd name="connsiteX13" fmla="*/ 316706 w 438150"/>
+                <a:gd name="connsiteY13" fmla="*/ 9525 h 273844"/>
+                <a:gd name="connsiteX14" fmla="*/ 340518 w 438150"/>
+                <a:gd name="connsiteY14" fmla="*/ 23812 h 273844"/>
+                <a:gd name="connsiteX15" fmla="*/ 369093 w 438150"/>
+                <a:gd name="connsiteY15" fmla="*/ 45244 h 273844"/>
+                <a:gd name="connsiteX16" fmla="*/ 385762 w 438150"/>
+                <a:gd name="connsiteY16" fmla="*/ 69056 h 273844"/>
+                <a:gd name="connsiteX17" fmla="*/ 416718 w 438150"/>
+                <a:gd name="connsiteY17" fmla="*/ 123825 h 273844"/>
+                <a:gd name="connsiteX18" fmla="*/ 426243 w 438150"/>
+                <a:gd name="connsiteY18" fmla="*/ 147637 h 273844"/>
+                <a:gd name="connsiteX19" fmla="*/ 433387 w 438150"/>
+                <a:gd name="connsiteY19" fmla="*/ 216694 h 273844"/>
+                <a:gd name="connsiteX20" fmla="*/ 438150 w 438150"/>
+                <a:gd name="connsiteY20" fmla="*/ 273844 h 273844"/>
+                <a:gd name="connsiteX21" fmla="*/ 0 w 438150"/>
+                <a:gd name="connsiteY21" fmla="*/ 273844 h 273844"/>
+                <a:gd name="connsiteX0" fmla="*/ 0 w 438150"/>
+                <a:gd name="connsiteY0" fmla="*/ 273844 h 273844"/>
+                <a:gd name="connsiteX1" fmla="*/ 16668 w 438150"/>
+                <a:gd name="connsiteY1" fmla="*/ 147637 h 273844"/>
+                <a:gd name="connsiteX2" fmla="*/ 42862 w 438150"/>
+                <a:gd name="connsiteY2" fmla="*/ 92869 h 273844"/>
+                <a:gd name="connsiteX3" fmla="*/ 66675 w 438150"/>
+                <a:gd name="connsiteY3" fmla="*/ 52387 h 273844"/>
+                <a:gd name="connsiteX4" fmla="*/ 102393 w 438150"/>
+                <a:gd name="connsiteY4" fmla="*/ 28575 h 273844"/>
+                <a:gd name="connsiteX5" fmla="*/ 145256 w 438150"/>
+                <a:gd name="connsiteY5" fmla="*/ 4762 h 273844"/>
+                <a:gd name="connsiteX6" fmla="*/ 164306 w 438150"/>
+                <a:gd name="connsiteY6" fmla="*/ 2381 h 273844"/>
+                <a:gd name="connsiteX7" fmla="*/ 178593 w 438150"/>
+                <a:gd name="connsiteY7" fmla="*/ 28575 h 273844"/>
+                <a:gd name="connsiteX8" fmla="*/ 200025 w 438150"/>
+                <a:gd name="connsiteY8" fmla="*/ 30956 h 273844"/>
+                <a:gd name="connsiteX9" fmla="*/ 221456 w 438150"/>
+                <a:gd name="connsiteY9" fmla="*/ 38100 h 273844"/>
+                <a:gd name="connsiteX10" fmla="*/ 245268 w 438150"/>
+                <a:gd name="connsiteY10" fmla="*/ 28575 h 273844"/>
+                <a:gd name="connsiteX11" fmla="*/ 266700 w 438150"/>
+                <a:gd name="connsiteY11" fmla="*/ 23812 h 273844"/>
+                <a:gd name="connsiteX12" fmla="*/ 273843 w 438150"/>
+                <a:gd name="connsiteY12" fmla="*/ 0 h 273844"/>
+                <a:gd name="connsiteX13" fmla="*/ 316706 w 438150"/>
+                <a:gd name="connsiteY13" fmla="*/ 9525 h 273844"/>
+                <a:gd name="connsiteX14" fmla="*/ 340518 w 438150"/>
+                <a:gd name="connsiteY14" fmla="*/ 23812 h 273844"/>
+                <a:gd name="connsiteX15" fmla="*/ 369093 w 438150"/>
+                <a:gd name="connsiteY15" fmla="*/ 45244 h 273844"/>
+                <a:gd name="connsiteX16" fmla="*/ 385762 w 438150"/>
+                <a:gd name="connsiteY16" fmla="*/ 69056 h 273844"/>
+                <a:gd name="connsiteX17" fmla="*/ 416718 w 438150"/>
+                <a:gd name="connsiteY17" fmla="*/ 123825 h 273844"/>
+                <a:gd name="connsiteX18" fmla="*/ 426243 w 438150"/>
+                <a:gd name="connsiteY18" fmla="*/ 147637 h 273844"/>
+                <a:gd name="connsiteX19" fmla="*/ 433387 w 438150"/>
+                <a:gd name="connsiteY19" fmla="*/ 216694 h 273844"/>
+                <a:gd name="connsiteX20" fmla="*/ 438150 w 438150"/>
+                <a:gd name="connsiteY20" fmla="*/ 273844 h 273844"/>
+                <a:gd name="connsiteX21" fmla="*/ 0 w 438150"/>
+                <a:gd name="connsiteY21" fmla="*/ 273844 h 273844"/>
+                <a:gd name="connsiteX0" fmla="*/ 0 w 438150"/>
+                <a:gd name="connsiteY0" fmla="*/ 273844 h 273844"/>
+                <a:gd name="connsiteX1" fmla="*/ 16668 w 438150"/>
+                <a:gd name="connsiteY1" fmla="*/ 147637 h 273844"/>
+                <a:gd name="connsiteX2" fmla="*/ 42862 w 438150"/>
+                <a:gd name="connsiteY2" fmla="*/ 92869 h 273844"/>
+                <a:gd name="connsiteX3" fmla="*/ 66675 w 438150"/>
+                <a:gd name="connsiteY3" fmla="*/ 52387 h 273844"/>
+                <a:gd name="connsiteX4" fmla="*/ 102393 w 438150"/>
+                <a:gd name="connsiteY4" fmla="*/ 28575 h 273844"/>
+                <a:gd name="connsiteX5" fmla="*/ 145256 w 438150"/>
+                <a:gd name="connsiteY5" fmla="*/ 4762 h 273844"/>
+                <a:gd name="connsiteX6" fmla="*/ 164306 w 438150"/>
+                <a:gd name="connsiteY6" fmla="*/ 2381 h 273844"/>
+                <a:gd name="connsiteX7" fmla="*/ 178593 w 438150"/>
+                <a:gd name="connsiteY7" fmla="*/ 28575 h 273844"/>
+                <a:gd name="connsiteX8" fmla="*/ 200025 w 438150"/>
+                <a:gd name="connsiteY8" fmla="*/ 30956 h 273844"/>
+                <a:gd name="connsiteX9" fmla="*/ 221456 w 438150"/>
+                <a:gd name="connsiteY9" fmla="*/ 38100 h 273844"/>
+                <a:gd name="connsiteX10" fmla="*/ 245268 w 438150"/>
+                <a:gd name="connsiteY10" fmla="*/ 28575 h 273844"/>
+                <a:gd name="connsiteX11" fmla="*/ 266700 w 438150"/>
+                <a:gd name="connsiteY11" fmla="*/ 23812 h 273844"/>
+                <a:gd name="connsiteX12" fmla="*/ 273843 w 438150"/>
+                <a:gd name="connsiteY12" fmla="*/ 0 h 273844"/>
+                <a:gd name="connsiteX13" fmla="*/ 316706 w 438150"/>
+                <a:gd name="connsiteY13" fmla="*/ 9525 h 273844"/>
+                <a:gd name="connsiteX14" fmla="*/ 340518 w 438150"/>
+                <a:gd name="connsiteY14" fmla="*/ 23812 h 273844"/>
+                <a:gd name="connsiteX15" fmla="*/ 369093 w 438150"/>
+                <a:gd name="connsiteY15" fmla="*/ 45244 h 273844"/>
+                <a:gd name="connsiteX16" fmla="*/ 385762 w 438150"/>
+                <a:gd name="connsiteY16" fmla="*/ 69056 h 273844"/>
+                <a:gd name="connsiteX17" fmla="*/ 416718 w 438150"/>
+                <a:gd name="connsiteY17" fmla="*/ 123825 h 273844"/>
+                <a:gd name="connsiteX18" fmla="*/ 426243 w 438150"/>
+                <a:gd name="connsiteY18" fmla="*/ 147637 h 273844"/>
+                <a:gd name="connsiteX19" fmla="*/ 433387 w 438150"/>
+                <a:gd name="connsiteY19" fmla="*/ 216694 h 273844"/>
+                <a:gd name="connsiteX20" fmla="*/ 438150 w 438150"/>
+                <a:gd name="connsiteY20" fmla="*/ 273844 h 273844"/>
+                <a:gd name="connsiteX21" fmla="*/ 0 w 438150"/>
+                <a:gd name="connsiteY21" fmla="*/ 273844 h 273844"/>
+                <a:gd name="connsiteX0" fmla="*/ 0 w 438150"/>
+                <a:gd name="connsiteY0" fmla="*/ 273844 h 273844"/>
+                <a:gd name="connsiteX1" fmla="*/ 16668 w 438150"/>
+                <a:gd name="connsiteY1" fmla="*/ 147637 h 273844"/>
+                <a:gd name="connsiteX2" fmla="*/ 42862 w 438150"/>
+                <a:gd name="connsiteY2" fmla="*/ 92869 h 273844"/>
+                <a:gd name="connsiteX3" fmla="*/ 66675 w 438150"/>
+                <a:gd name="connsiteY3" fmla="*/ 52387 h 273844"/>
+                <a:gd name="connsiteX4" fmla="*/ 102393 w 438150"/>
+                <a:gd name="connsiteY4" fmla="*/ 28575 h 273844"/>
+                <a:gd name="connsiteX5" fmla="*/ 145256 w 438150"/>
+                <a:gd name="connsiteY5" fmla="*/ 4762 h 273844"/>
+                <a:gd name="connsiteX6" fmla="*/ 164306 w 438150"/>
+                <a:gd name="connsiteY6" fmla="*/ 2381 h 273844"/>
+                <a:gd name="connsiteX7" fmla="*/ 178593 w 438150"/>
+                <a:gd name="connsiteY7" fmla="*/ 28575 h 273844"/>
+                <a:gd name="connsiteX8" fmla="*/ 200025 w 438150"/>
+                <a:gd name="connsiteY8" fmla="*/ 30956 h 273844"/>
+                <a:gd name="connsiteX9" fmla="*/ 221456 w 438150"/>
+                <a:gd name="connsiteY9" fmla="*/ 38100 h 273844"/>
+                <a:gd name="connsiteX10" fmla="*/ 245268 w 438150"/>
+                <a:gd name="connsiteY10" fmla="*/ 28575 h 273844"/>
+                <a:gd name="connsiteX11" fmla="*/ 266700 w 438150"/>
+                <a:gd name="connsiteY11" fmla="*/ 23812 h 273844"/>
+                <a:gd name="connsiteX12" fmla="*/ 273843 w 438150"/>
+                <a:gd name="connsiteY12" fmla="*/ 0 h 273844"/>
+                <a:gd name="connsiteX13" fmla="*/ 316706 w 438150"/>
+                <a:gd name="connsiteY13" fmla="*/ 9525 h 273844"/>
+                <a:gd name="connsiteX14" fmla="*/ 340518 w 438150"/>
+                <a:gd name="connsiteY14" fmla="*/ 23812 h 273844"/>
+                <a:gd name="connsiteX15" fmla="*/ 369093 w 438150"/>
+                <a:gd name="connsiteY15" fmla="*/ 45244 h 273844"/>
+                <a:gd name="connsiteX16" fmla="*/ 385762 w 438150"/>
+                <a:gd name="connsiteY16" fmla="*/ 69056 h 273844"/>
+                <a:gd name="connsiteX17" fmla="*/ 416718 w 438150"/>
+                <a:gd name="connsiteY17" fmla="*/ 123825 h 273844"/>
+                <a:gd name="connsiteX18" fmla="*/ 426243 w 438150"/>
+                <a:gd name="connsiteY18" fmla="*/ 147637 h 273844"/>
+                <a:gd name="connsiteX19" fmla="*/ 433387 w 438150"/>
+                <a:gd name="connsiteY19" fmla="*/ 216694 h 273844"/>
+                <a:gd name="connsiteX20" fmla="*/ 438150 w 438150"/>
+                <a:gd name="connsiteY20" fmla="*/ 273844 h 273844"/>
+                <a:gd name="connsiteX21" fmla="*/ 0 w 438150"/>
+                <a:gd name="connsiteY21" fmla="*/ 273844 h 273844"/>
+                <a:gd name="connsiteX0" fmla="*/ 0 w 438150"/>
+                <a:gd name="connsiteY0" fmla="*/ 273844 h 273844"/>
+                <a:gd name="connsiteX1" fmla="*/ 16668 w 438150"/>
+                <a:gd name="connsiteY1" fmla="*/ 147637 h 273844"/>
+                <a:gd name="connsiteX2" fmla="*/ 42862 w 438150"/>
+                <a:gd name="connsiteY2" fmla="*/ 92869 h 273844"/>
+                <a:gd name="connsiteX3" fmla="*/ 66675 w 438150"/>
+                <a:gd name="connsiteY3" fmla="*/ 52387 h 273844"/>
+                <a:gd name="connsiteX4" fmla="*/ 102393 w 438150"/>
+                <a:gd name="connsiteY4" fmla="*/ 28575 h 273844"/>
+                <a:gd name="connsiteX5" fmla="*/ 145256 w 438150"/>
+                <a:gd name="connsiteY5" fmla="*/ 4762 h 273844"/>
+                <a:gd name="connsiteX6" fmla="*/ 164306 w 438150"/>
+                <a:gd name="connsiteY6" fmla="*/ 2381 h 273844"/>
+                <a:gd name="connsiteX7" fmla="*/ 178593 w 438150"/>
+                <a:gd name="connsiteY7" fmla="*/ 28575 h 273844"/>
+                <a:gd name="connsiteX8" fmla="*/ 200025 w 438150"/>
+                <a:gd name="connsiteY8" fmla="*/ 30956 h 273844"/>
+                <a:gd name="connsiteX9" fmla="*/ 221456 w 438150"/>
+                <a:gd name="connsiteY9" fmla="*/ 38100 h 273844"/>
+                <a:gd name="connsiteX10" fmla="*/ 245268 w 438150"/>
+                <a:gd name="connsiteY10" fmla="*/ 28575 h 273844"/>
+                <a:gd name="connsiteX11" fmla="*/ 266700 w 438150"/>
+                <a:gd name="connsiteY11" fmla="*/ 23812 h 273844"/>
+                <a:gd name="connsiteX12" fmla="*/ 273843 w 438150"/>
+                <a:gd name="connsiteY12" fmla="*/ 0 h 273844"/>
+                <a:gd name="connsiteX13" fmla="*/ 316706 w 438150"/>
+                <a:gd name="connsiteY13" fmla="*/ 9525 h 273844"/>
+                <a:gd name="connsiteX14" fmla="*/ 340518 w 438150"/>
+                <a:gd name="connsiteY14" fmla="*/ 23812 h 273844"/>
+                <a:gd name="connsiteX15" fmla="*/ 369093 w 438150"/>
+                <a:gd name="connsiteY15" fmla="*/ 45244 h 273844"/>
+                <a:gd name="connsiteX16" fmla="*/ 385762 w 438150"/>
+                <a:gd name="connsiteY16" fmla="*/ 69056 h 273844"/>
+                <a:gd name="connsiteX17" fmla="*/ 416718 w 438150"/>
+                <a:gd name="connsiteY17" fmla="*/ 123825 h 273844"/>
+                <a:gd name="connsiteX18" fmla="*/ 426243 w 438150"/>
+                <a:gd name="connsiteY18" fmla="*/ 147637 h 273844"/>
+                <a:gd name="connsiteX19" fmla="*/ 433387 w 438150"/>
+                <a:gd name="connsiteY19" fmla="*/ 216694 h 273844"/>
+                <a:gd name="connsiteX20" fmla="*/ 438150 w 438150"/>
+                <a:gd name="connsiteY20" fmla="*/ 273844 h 273844"/>
+                <a:gd name="connsiteX21" fmla="*/ 0 w 438150"/>
+                <a:gd name="connsiteY21" fmla="*/ 273844 h 273844"/>
+                <a:gd name="connsiteX0" fmla="*/ 0 w 438150"/>
+                <a:gd name="connsiteY0" fmla="*/ 273844 h 273844"/>
+                <a:gd name="connsiteX1" fmla="*/ 16668 w 438150"/>
+                <a:gd name="connsiteY1" fmla="*/ 147637 h 273844"/>
+                <a:gd name="connsiteX2" fmla="*/ 42862 w 438150"/>
+                <a:gd name="connsiteY2" fmla="*/ 92869 h 273844"/>
+                <a:gd name="connsiteX3" fmla="*/ 66675 w 438150"/>
+                <a:gd name="connsiteY3" fmla="*/ 52387 h 273844"/>
+                <a:gd name="connsiteX4" fmla="*/ 102393 w 438150"/>
+                <a:gd name="connsiteY4" fmla="*/ 28575 h 273844"/>
+                <a:gd name="connsiteX5" fmla="*/ 145256 w 438150"/>
+                <a:gd name="connsiteY5" fmla="*/ 4762 h 273844"/>
+                <a:gd name="connsiteX6" fmla="*/ 164306 w 438150"/>
+                <a:gd name="connsiteY6" fmla="*/ 2381 h 273844"/>
+                <a:gd name="connsiteX7" fmla="*/ 178593 w 438150"/>
+                <a:gd name="connsiteY7" fmla="*/ 28575 h 273844"/>
+                <a:gd name="connsiteX8" fmla="*/ 200025 w 438150"/>
+                <a:gd name="connsiteY8" fmla="*/ 30956 h 273844"/>
+                <a:gd name="connsiteX9" fmla="*/ 221456 w 438150"/>
+                <a:gd name="connsiteY9" fmla="*/ 38100 h 273844"/>
+                <a:gd name="connsiteX10" fmla="*/ 245268 w 438150"/>
+                <a:gd name="connsiteY10" fmla="*/ 28575 h 273844"/>
+                <a:gd name="connsiteX11" fmla="*/ 266700 w 438150"/>
+                <a:gd name="connsiteY11" fmla="*/ 23812 h 273844"/>
+                <a:gd name="connsiteX12" fmla="*/ 273843 w 438150"/>
+                <a:gd name="connsiteY12" fmla="*/ 0 h 273844"/>
+                <a:gd name="connsiteX13" fmla="*/ 316706 w 438150"/>
+                <a:gd name="connsiteY13" fmla="*/ 9525 h 273844"/>
+                <a:gd name="connsiteX14" fmla="*/ 340518 w 438150"/>
+                <a:gd name="connsiteY14" fmla="*/ 23812 h 273844"/>
+                <a:gd name="connsiteX15" fmla="*/ 369093 w 438150"/>
+                <a:gd name="connsiteY15" fmla="*/ 45244 h 273844"/>
+                <a:gd name="connsiteX16" fmla="*/ 385762 w 438150"/>
+                <a:gd name="connsiteY16" fmla="*/ 69056 h 273844"/>
+                <a:gd name="connsiteX17" fmla="*/ 416718 w 438150"/>
+                <a:gd name="connsiteY17" fmla="*/ 123825 h 273844"/>
+                <a:gd name="connsiteX18" fmla="*/ 426243 w 438150"/>
+                <a:gd name="connsiteY18" fmla="*/ 147637 h 273844"/>
+                <a:gd name="connsiteX19" fmla="*/ 433387 w 438150"/>
+                <a:gd name="connsiteY19" fmla="*/ 216694 h 273844"/>
+                <a:gd name="connsiteX20" fmla="*/ 438150 w 438150"/>
+                <a:gd name="connsiteY20" fmla="*/ 273844 h 273844"/>
+                <a:gd name="connsiteX21" fmla="*/ 0 w 438150"/>
+                <a:gd name="connsiteY21" fmla="*/ 273844 h 273844"/>
+              </a:gdLst>
+              <a:ahLst/>
+              <a:cxnLst>
+                <a:cxn ang="0">
+                  <a:pos x="connsiteX0" y="connsiteY0"/>
+                </a:cxn>
+                <a:cxn ang="0">
+                  <a:pos x="connsiteX1" y="connsiteY1"/>
+                </a:cxn>
+                <a:cxn ang="0">
+                  <a:pos x="connsiteX2" y="connsiteY2"/>
+                </a:cxn>
+                <a:cxn ang="0">
+                  <a:pos x="connsiteX3" y="connsiteY3"/>
+                </a:cxn>
+                <a:cxn ang="0">
+                  <a:pos x="connsiteX4" y="connsiteY4"/>
+                </a:cxn>
+                <a:cxn ang="0">
+                  <a:pos x="connsiteX5" y="connsiteY5"/>
+                </a:cxn>
+                <a:cxn ang="0">
+                  <a:pos x="connsiteX6" y="connsiteY6"/>
+                </a:cxn>
+                <a:cxn ang="0">
+                  <a:pos x="connsiteX7" y="connsiteY7"/>
+                </a:cxn>
+                <a:cxn ang="0">
+                  <a:pos x="connsiteX8" y="connsiteY8"/>
+                </a:cxn>
+                <a:cxn ang="0">
+                  <a:pos x="connsiteX9" y="connsiteY9"/>
+                </a:cxn>
+                <a:cxn ang="0">
+                  <a:pos x="connsiteX10" y="connsiteY10"/>
+                </a:cxn>
+                <a:cxn ang="0">
+                  <a:pos x="connsiteX11" y="connsiteY11"/>
+                </a:cxn>
+                <a:cxn ang="0">
+                  <a:pos x="connsiteX12" y="connsiteY12"/>
+                </a:cxn>
+                <a:cxn ang="0">
+                  <a:pos x="connsiteX13" y="connsiteY13"/>
+                </a:cxn>
+                <a:cxn ang="0">
+                  <a:pos x="connsiteX14" y="connsiteY14"/>
+                </a:cxn>
+                <a:cxn ang="0">
+                  <a:pos x="connsiteX15" y="connsiteY15"/>
+                </a:cxn>
+                <a:cxn ang="0">
+                  <a:pos x="connsiteX16" y="connsiteY16"/>
+                </a:cxn>
+                <a:cxn ang="0">
+                  <a:pos x="connsiteX17" y="connsiteY17"/>
+                </a:cxn>
+                <a:cxn ang="0">
+                  <a:pos x="connsiteX18" y="connsiteY18"/>
+                </a:cxn>
+                <a:cxn ang="0">
+                  <a:pos x="connsiteX19" y="connsiteY19"/>
+                </a:cxn>
+                <a:cxn ang="0">
+                  <a:pos x="connsiteX20" y="connsiteY20"/>
+                </a:cxn>
+                <a:cxn ang="0">
+                  <a:pos x="connsiteX21" y="connsiteY21"/>
+                </a:cxn>
+              </a:cxnLst>
+              <a:rect l="l" t="t" r="r" b="b"/>
+              <a:pathLst>
+                <a:path w="438150" h="273844">
+                  <a:moveTo>
+                    <a:pt x="0" y="273844"/>
+                  </a:moveTo>
+                  <a:lnTo>
+                    <a:pt x="16668" y="147637"/>
+                  </a:lnTo>
+                  <a:lnTo>
+                    <a:pt x="42862" y="92869"/>
+                  </a:lnTo>
+                  <a:lnTo>
+                    <a:pt x="66675" y="52387"/>
+                  </a:lnTo>
+                  <a:lnTo>
+                    <a:pt x="102393" y="28575"/>
+                  </a:lnTo>
+                  <a:lnTo>
+                    <a:pt x="145256" y="4762"/>
+                  </a:lnTo>
+                  <a:lnTo>
+                    <a:pt x="164306" y="2381"/>
+                  </a:lnTo>
+                  <a:cubicBezTo>
+                    <a:pt x="169862" y="6350"/>
+                    <a:pt x="172640" y="23813"/>
+                    <a:pt x="178593" y="28575"/>
+                  </a:cubicBezTo>
+                  <a:cubicBezTo>
+                    <a:pt x="184546" y="33337"/>
+                    <a:pt x="192881" y="29369"/>
+                    <a:pt x="200025" y="30956"/>
+                  </a:cubicBezTo>
+                  <a:cubicBezTo>
+                    <a:pt x="207169" y="32544"/>
+                    <a:pt x="213519" y="41275"/>
+                    <a:pt x="221456" y="38100"/>
+                  </a:cubicBezTo>
+                  <a:lnTo>
+                    <a:pt x="245268" y="28575"/>
+                  </a:lnTo>
+                  <a:cubicBezTo>
+                    <a:pt x="252809" y="26194"/>
+                    <a:pt x="264319" y="31749"/>
+                    <a:pt x="266700" y="23812"/>
+                  </a:cubicBezTo>
+                  <a:lnTo>
+                    <a:pt x="273843" y="0"/>
+                  </a:lnTo>
+                  <a:lnTo>
+                    <a:pt x="316706" y="9525"/>
+                  </a:lnTo>
+                  <a:lnTo>
+                    <a:pt x="340518" y="23812"/>
+                  </a:lnTo>
+                  <a:lnTo>
+                    <a:pt x="369093" y="45244"/>
+                  </a:lnTo>
+                  <a:lnTo>
+                    <a:pt x="385762" y="69056"/>
+                  </a:lnTo>
+                  <a:lnTo>
+                    <a:pt x="416718" y="123825"/>
+                  </a:lnTo>
+                  <a:lnTo>
+                    <a:pt x="426243" y="147637"/>
+                  </a:lnTo>
+                  <a:lnTo>
+                    <a:pt x="433387" y="216694"/>
+                  </a:lnTo>
+                  <a:lnTo>
+                    <a:pt x="438150" y="273844"/>
+                  </a:lnTo>
+                  <a:lnTo>
+                    <a:pt x="0" y="273844"/>
+                  </a:lnTo>
+                  <a:close/>
+                </a:path>
+              </a:pathLst>
+            </a:custGeom>
+            <a:solidFill>
+              <a:srgbClr val="C00000"/>
+            </a:solidFill>
+            <a:ln>
+              <a:noFill/>
+            </a:ln>
+          </p:spPr>
+          <p:style>
+            <a:lnRef idx="2">
+              <a:schemeClr val="accent1">
+                <a:shade val="50000"/>
+              </a:schemeClr>
+            </a:lnRef>
+            <a:fillRef idx="1">
+              <a:schemeClr val="accent1"/>
+            </a:fillRef>
+            <a:effectRef idx="0">
+              <a:schemeClr val="accent1"/>
+            </a:effectRef>
+            <a:fontRef idx="minor">
+              <a:schemeClr val="lt1"/>
+            </a:fontRef>
+          </p:style>
+          <p:txBody>
+            <a:bodyPr rtlCol="0" anchor="ctr"/>
+            <a:lstStyle/>
+            <a:p>
+              <a:pPr algn="ctr"/>
+              <a:endParaRPr lang="fr-FR" sz="1200"/>
+            </a:p>
+          </p:txBody>
+        </p:sp>
+        <p:sp>
+          <p:nvSpPr>
+            <p:cNvPr id="12" name="Rectangle 11"/>
+            <p:cNvSpPr/>
+            <p:nvPr/>
+          </p:nvSpPr>
+          <p:spPr>
+            <a:xfrm>
+              <a:off x="1403648" y="2382788"/>
+              <a:ext cx="588623" cy="276999"/>
+            </a:xfrm>
+            <a:prstGeom prst="rect">
+              <a:avLst/>
+            </a:prstGeom>
+          </p:spPr>
+          <p:txBody>
+            <a:bodyPr wrap="none">
+              <a:spAutoFit/>
+            </a:bodyPr>
+            <a:lstStyle/>
+            <a:p>
+              <a:r>
+                <a:rPr lang="fr-FR" sz="1200" smtClean="0">
+                  <a:latin typeface="+mj-lt"/>
+                </a:rPr>
+                <a:t>Client</a:t>
+              </a:r>
+              <a:endParaRPr lang="fr-FR" sz="1200">
+                <a:latin typeface="+mj-lt"/>
+              </a:endParaRPr>
+            </a:p>
+          </p:txBody>
+        </p:sp>
+        <p:sp>
+          <p:nvSpPr>
+            <p:cNvPr id="18" name="Rectangle 17"/>
+            <p:cNvSpPr/>
+            <p:nvPr/>
+          </p:nvSpPr>
+          <p:spPr>
+            <a:xfrm>
+              <a:off x="2662858" y="2398519"/>
+              <a:ext cx="503664" cy="276999"/>
+            </a:xfrm>
+            <a:prstGeom prst="rect">
+              <a:avLst/>
+            </a:prstGeom>
+          </p:spPr>
+          <p:txBody>
+            <a:bodyPr wrap="none">
+              <a:spAutoFit/>
+            </a:bodyPr>
+            <a:lstStyle/>
+            <a:p>
+              <a:r>
+                <a:rPr lang="fr-FR" sz="1200" smtClean="0">
+                  <a:latin typeface="+mj-lt"/>
+                </a:rPr>
+                <a:t>Olist</a:t>
+              </a:r>
+              <a:endParaRPr lang="fr-FR" sz="1200">
+                <a:latin typeface="+mj-lt"/>
+              </a:endParaRPr>
+            </a:p>
+          </p:txBody>
+        </p:sp>
+        <p:sp>
+          <p:nvSpPr>
+            <p:cNvPr id="19" name="Rectangle 18"/>
+            <p:cNvSpPr/>
+            <p:nvPr/>
+          </p:nvSpPr>
+          <p:spPr>
+            <a:xfrm>
+              <a:off x="3747332" y="2395736"/>
+              <a:ext cx="840295" cy="276999"/>
+            </a:xfrm>
+            <a:prstGeom prst="rect">
+              <a:avLst/>
+            </a:prstGeom>
+          </p:spPr>
+          <p:txBody>
+            <a:bodyPr wrap="none">
+              <a:spAutoFit/>
+            </a:bodyPr>
+            <a:lstStyle/>
+            <a:p>
+              <a:r>
+                <a:rPr lang="fr-FR" sz="1200" smtClean="0">
+                  <a:latin typeface="+mj-lt"/>
+                </a:rPr>
+                <a:t>Paiement</a:t>
+              </a:r>
+              <a:endParaRPr lang="fr-FR" sz="1200">
+                <a:latin typeface="+mj-lt"/>
+              </a:endParaRPr>
+            </a:p>
+          </p:txBody>
+        </p:sp>
+        <p:sp>
+          <p:nvSpPr>
+            <p:cNvPr id="20" name="Rectangle 19"/>
+            <p:cNvSpPr/>
+            <p:nvPr/>
+          </p:nvSpPr>
+          <p:spPr>
+            <a:xfrm>
+              <a:off x="5066014" y="2407439"/>
+              <a:ext cx="777777" cy="276999"/>
+            </a:xfrm>
+            <a:prstGeom prst="rect">
+              <a:avLst/>
+            </a:prstGeom>
+          </p:spPr>
+          <p:txBody>
+            <a:bodyPr wrap="none">
+              <a:spAutoFit/>
+            </a:bodyPr>
+            <a:lstStyle/>
+            <a:p>
+              <a:r>
+                <a:rPr lang="fr-FR" sz="1200" smtClean="0">
+                  <a:latin typeface="+mj-lt"/>
+                </a:rPr>
+                <a:t>Vendeur</a:t>
+              </a:r>
+              <a:endParaRPr lang="fr-FR" sz="1200">
+                <a:latin typeface="+mj-lt"/>
+              </a:endParaRPr>
+            </a:p>
+          </p:txBody>
+        </p:sp>
+      </p:grpSp>
+      <p:pic>
+        <p:nvPicPr>
+          <p:cNvPr id="1028" name="Picture 4"/>
+          <p:cNvPicPr>
+            <a:picLocks noChangeAspect="1" noChangeArrowheads="1"/>
+          </p:cNvPicPr>
+          <p:nvPr/>
+        </p:nvPicPr>
+        <p:blipFill rotWithShape="1">
+          <a:blip r:embed="rId3">
+            <a:extLst>
+              <a:ext uri="{28A0092B-C50C-407E-A947-70E740481C1C}">
+                <a14:useLocalDpi xmlns:a14="http://schemas.microsoft.com/office/drawing/2010/main" val="0"/>
+              </a:ext>
+            </a:extLst>
+          </a:blip>
+          <a:srcRect t="11448"/>
+          <a:stretch/>
+        </p:blipFill>
+        <p:spPr bwMode="auto">
+          <a:xfrm>
+            <a:off x="611560" y="773106"/>
+            <a:ext cx="1990725" cy="2032751"/>
+          </a:xfrm>
+          <a:prstGeom prst="rect">
+            <a:avLst/>
+          </a:prstGeom>
+          <a:noFill/>
+          <a:ln>
+            <a:noFill/>
+          </a:ln>
+          <a:extLst>
+            <a:ext uri="{909E8E84-426E-40DD-AFC4-6F175D3DCCD1}">
+              <a14:hiddenFill xmlns:a14="http://schemas.microsoft.com/office/drawing/2010/main">
+                <a:solidFill>
+                  <a:schemeClr val="accent1"/>
+                </a:solidFill>
+              </a14:hiddenFill>
+            </a:ext>
+            <a:ext uri="{91240B29-F687-4F45-9708-019B960494DF}">
+              <a14:hiddenLine xmlns:a14="http://schemas.microsoft.com/office/drawing/2010/main" w="9525">
+                <a:solidFill>
+                  <a:schemeClr val="tx1"/>
+                </a:solidFill>
+                <a:miter lim="800000"/>
+                <a:headEnd/>
+                <a:tailEnd/>
+              </a14:hiddenLine>
+            </a:ext>
+          </a:extLst>
+        </p:spPr>
+      </p:pic>
+    </p:spTree>
+    <p:extLst>
+      <p:ext uri="{BB962C8B-B14F-4D97-AF65-F5344CB8AC3E}">
+        <p14:creationId xmlns:p14="http://schemas.microsoft.com/office/powerpoint/2010/main" val="3280440723"/>
+      </p:ext>
+    </p:extLst>
+  </p:cSld>
+  <p:clrMapOvr>
+    <a:masterClrMapping/>
+  </p:clrMapOvr>
+  <p:timing>
+    <p:tnLst>
+      <p:par>
+        <p:cTn id="1" dur="indefinite" restart="never" nodeType="tmRoot"/>
+      </p:par>
+    </p:tnLst>
+  </p:timing>
+</p:sld>
+</file>
+
+<file path=ppt/slides/slide4.xml><?xml version="1.0" encoding="utf-8"?>
+<p:sld xmlns:a="http://schemas.openxmlformats.org/drawingml/2006/main" xmlns:r="http://schemas.openxmlformats.org/officeDocument/2006/relationships" xmlns:p="http://schemas.openxmlformats.org/presentationml/2006/main">
+  <p:cSld>
+    <p:spTree>
+      <p:nvGrpSpPr>
+        <p:cNvPr id="1" name=""/>
+        <p:cNvGrpSpPr/>
+        <p:nvPr/>
+      </p:nvGrpSpPr>
+      <p:grpSpPr>
+        <a:xfrm>
+          <a:off x="0" y="0"/>
+          <a:ext cx="0" cy="0"/>
+          <a:chOff x="0" y="0"/>
+          <a:chExt cx="0" cy="0"/>
+        </a:xfrm>
+      </p:grpSpPr>
+      <p:sp>
+        <p:nvSpPr>
+          <p:cNvPr id="2" name="Titre 1"/>
+          <p:cNvSpPr>
+            <a:spLocks noGrp="1"/>
+          </p:cNvSpPr>
+          <p:nvPr>
+            <p:ph type="title"/>
+          </p:nvPr>
+        </p:nvSpPr>
+        <p:spPr>
+          <a:xfrm>
+            <a:off x="1094408" y="588428"/>
+            <a:ext cx="7488832" cy="1066130"/>
+          </a:xfrm>
+        </p:spPr>
+        <p:txBody>
+          <a:bodyPr>
+            <a:normAutofit fontScale="90000"/>
+          </a:bodyPr>
+          <a:lstStyle/>
+          <a:p>
+            <a:pPr algn="r"/>
+            <a:r>
+              <a:rPr lang="fr-FR" smtClean="0"/>
+              <a:t>Problématique</a:t>
+            </a:r>
+            <a:r>
+              <a:rPr lang="fr-FR" sz="3200" smtClean="0"/>
+              <a:t/>
+            </a:r>
+            <a:br>
+              <a:rPr lang="fr-FR" sz="3200" smtClean="0"/>
+            </a:br>
+            <a:r>
+              <a:rPr lang="fr-FR" sz="900" smtClean="0"/>
+              <a:t> </a:t>
+            </a:r>
+            <a:r>
+              <a:rPr lang="fr-FR" sz="3200"/>
+              <a:t/>
+            </a:r>
+            <a:br>
+              <a:rPr lang="fr-FR" sz="3200"/>
+            </a:br>
+            <a:r>
+              <a:rPr lang="fr-FR" sz="3100">
+                <a:latin typeface="Yu Gothic UI Light" panose="020B0300000000000000" pitchFamily="34" charset="-128"/>
+                <a:ea typeface="Yu Gothic UI Light" panose="020B0300000000000000" pitchFamily="34" charset="-128"/>
+              </a:rPr>
+              <a:t>L</a:t>
+            </a:r>
+            <a:r>
+              <a:rPr lang="fr-FR" sz="3100" smtClean="0">
+                <a:latin typeface="Yu Gothic UI Light" panose="020B0300000000000000" pitchFamily="34" charset="-128"/>
+                <a:ea typeface="Yu Gothic UI Light" panose="020B0300000000000000" pitchFamily="34" charset="-128"/>
+              </a:rPr>
+              <a:t>a base de donnée partagée</a:t>
+            </a:r>
+            <a:endParaRPr lang="fr-FR" sz="3100">
+              <a:latin typeface="Yu Gothic UI Light" panose="020B0300000000000000" pitchFamily="34" charset="-128"/>
+              <a:ea typeface="Yu Gothic UI Light" panose="020B0300000000000000" pitchFamily="34" charset="-128"/>
+            </a:endParaRPr>
+          </a:p>
+        </p:txBody>
+      </p:sp>
+      <p:sp>
+        <p:nvSpPr>
+          <p:cNvPr id="4" name="Espace réservé de la date 3"/>
+          <p:cNvSpPr>
+            <a:spLocks noGrp="1"/>
+          </p:cNvSpPr>
+          <p:nvPr>
+            <p:ph type="dt" sz="half" idx="10"/>
+          </p:nvPr>
+        </p:nvSpPr>
+        <p:spPr/>
+        <p:txBody>
+          <a:bodyPr/>
+          <a:lstStyle/>
+          <a:p>
+            <a:r>
+              <a:rPr lang="fr-FR" smtClean="0"/>
+              <a:t>17/06/2020</a:t>
+            </a:r>
+            <a:endParaRPr lang="fr-FR"/>
+          </a:p>
+        </p:txBody>
+      </p:sp>
+      <p:sp>
+        <p:nvSpPr>
+          <p:cNvPr id="5" name="Espace réservé du pied de page 4"/>
+          <p:cNvSpPr>
+            <a:spLocks noGrp="1"/>
+          </p:cNvSpPr>
+          <p:nvPr>
+            <p:ph type="ftr" sz="quarter" idx="11"/>
+          </p:nvPr>
+        </p:nvSpPr>
+        <p:spPr/>
+        <p:txBody>
+          <a:bodyPr/>
+          <a:lstStyle/>
+          <a:p>
+            <a:r>
+              <a:rPr lang="fr-FR" smtClean="0"/>
+              <a:t>Maryse Muller | Parcours Data Scientist</a:t>
+            </a:r>
+            <a:endParaRPr lang="fr-FR"/>
+          </a:p>
+        </p:txBody>
+      </p:sp>
+      <p:sp>
+        <p:nvSpPr>
+          <p:cNvPr id="6" name="Espace réservé du numéro de diapositive 5"/>
+          <p:cNvSpPr>
+            <a:spLocks noGrp="1"/>
+          </p:cNvSpPr>
+          <p:nvPr>
+            <p:ph type="sldNum" sz="quarter" idx="12"/>
+          </p:nvPr>
+        </p:nvSpPr>
+        <p:spPr/>
+        <p:txBody>
+          <a:bodyPr/>
+          <a:lstStyle/>
+          <a:p>
+            <a:fld id="{D384C430-F8FC-4B07-B0BC-750FA1B3CF0A}" type="slidenum">
+              <a:rPr lang="fr-FR" smtClean="0"/>
+              <a:t>4</a:t>
+            </a:fld>
+            <a:endParaRPr lang="fr-FR"/>
+          </a:p>
+        </p:txBody>
+      </p:sp>
+      <p:sp>
+        <p:nvSpPr>
+          <p:cNvPr id="16" name="Rectangle 15"/>
+          <p:cNvSpPr/>
+          <p:nvPr/>
+        </p:nvSpPr>
+        <p:spPr>
+          <a:xfrm>
+            <a:off x="3823854" y="1196959"/>
+            <a:ext cx="4708586" cy="45719"/>
+          </a:xfrm>
+          <a:prstGeom prst="rect">
+            <a:avLst/>
+          </a:prstGeom>
+          <a:gradFill flip="none" rotWithShape="1">
+            <a:gsLst>
+              <a:gs pos="0">
+                <a:schemeClr val="accent1">
+                  <a:lumMod val="75000"/>
+                </a:schemeClr>
+              </a:gs>
+              <a:gs pos="100000">
+                <a:schemeClr val="accent1">
+                  <a:tint val="23500"/>
+                  <a:satMod val="160000"/>
+                  <a:alpha val="0"/>
+                </a:schemeClr>
+              </a:gs>
+            </a:gsLst>
+            <a:lin ang="10800000" scaled="1"/>
+            <a:tileRect/>
+          </a:gradFill>
+          <a:ln>
+            <a:noFill/>
+          </a:ln>
+        </p:spPr>
+        <p:style>
+          <a:lnRef idx="2">
+            <a:schemeClr val="accent1">
+              <a:shade val="50000"/>
+            </a:schemeClr>
+          </a:lnRef>
+          <a:fillRef idx="1">
+            <a:schemeClr val="accent1"/>
+          </a:fillRef>
+          <a:effectRef idx="0">
+            <a:schemeClr val="accent1"/>
+          </a:effectRef>
+          <a:fontRef idx="minor">
+            <a:schemeClr val="lt1"/>
+          </a:fontRef>
+        </p:style>
+        <p:txBody>
+          <a:bodyPr rtlCol="0" anchor="ctr"/>
+          <a:lstStyle/>
+          <a:p>
+            <a:pPr algn="ctr"/>
+            <a:endParaRPr lang="fr-FR"/>
+          </a:p>
+        </p:txBody>
+      </p:sp>
+      <p:sp>
+        <p:nvSpPr>
+          <p:cNvPr id="3" name="Rectangle 2"/>
+          <p:cNvSpPr/>
+          <p:nvPr/>
+        </p:nvSpPr>
+        <p:spPr>
+          <a:xfrm>
+            <a:off x="0" y="4653136"/>
+            <a:ext cx="8678738" cy="1477328"/>
+          </a:xfrm>
+          <a:prstGeom prst="rect">
+            <a:avLst/>
+          </a:prstGeom>
+        </p:spPr>
+        <p:txBody>
+          <a:bodyPr wrap="square">
+            <a:spAutoFit/>
+          </a:bodyPr>
+          <a:lstStyle/>
+          <a:p>
+            <a:r>
+              <a:rPr lang="fr-FR" smtClean="0"/>
+              <a:t>La base de donnée : </a:t>
+            </a:r>
+            <a:endParaRPr lang="fr-FR"/>
+          </a:p>
+          <a:p>
+            <a:pPr marL="285750" indent="-285750">
+              <a:buFontTx/>
+              <a:buChar char="-"/>
+            </a:pPr>
+            <a:r>
+              <a:rPr lang="fr-FR"/>
+              <a:t>u</a:t>
+            </a:r>
+            <a:r>
+              <a:rPr lang="fr-FR" smtClean="0"/>
+              <a:t>ne base de donnée anonymisée mise en ligne sur Kaggle</a:t>
+            </a:r>
+          </a:p>
+          <a:p>
+            <a:pPr marL="285750" indent="-285750">
+              <a:buFontTx/>
+              <a:buChar char="-"/>
+            </a:pPr>
+            <a:r>
+              <a:rPr lang="fr-FR"/>
+              <a:t>d</a:t>
+            </a:r>
+            <a:r>
+              <a:rPr lang="fr-FR" smtClean="0"/>
+              <a:t>es données textuelles (avis), chiffrées (montants), catégorielles (type de produit) et géographique (localisation acheteurs et vendeurs)</a:t>
+            </a:r>
+          </a:p>
+          <a:p>
+            <a:pPr marL="285750" indent="-285750">
+              <a:buFontTx/>
+              <a:buChar char="-"/>
+            </a:pPr>
+            <a:endParaRPr lang="fr-FR" smtClean="0"/>
+          </a:p>
+        </p:txBody>
+      </p:sp>
+    </p:spTree>
+    <p:extLst>
+      <p:ext uri="{BB962C8B-B14F-4D97-AF65-F5344CB8AC3E}">
+        <p14:creationId xmlns:p14="http://schemas.microsoft.com/office/powerpoint/2010/main" val="1971554510"/>
+      </p:ext>
+    </p:extLst>
+  </p:cSld>
+  <p:clrMapOvr>
+    <a:masterClrMapping/>
+  </p:clrMapOvr>
+  <p:timing>
+    <p:tnLst>
+      <p:par>
+        <p:cTn id="1" dur="indefinite" restart="never" nodeType="tmRoot"/>
+      </p:par>
+    </p:tnLst>
+  </p:timing>
+</p:sld>
+</file>
+
+<file path=ppt/slides/slide5.xml><?xml version="1.0" encoding="utf-8"?>
+<p:sld xmlns:a="http://schemas.openxmlformats.org/drawingml/2006/main" xmlns:r="http://schemas.openxmlformats.org/officeDocument/2006/relationships" xmlns:p="http://schemas.openxmlformats.org/presentationml/2006/main">
+  <p:cSld>
+    <p:spTree>
+      <p:nvGrpSpPr>
+        <p:cNvPr id="1" name=""/>
+        <p:cNvGrpSpPr/>
+        <p:nvPr/>
+      </p:nvGrpSpPr>
+      <p:grpSpPr>
+        <a:xfrm>
+          <a:off x="0" y="0"/>
+          <a:ext cx="0" cy="0"/>
+          <a:chOff x="0" y="0"/>
+          <a:chExt cx="0" cy="0"/>
+        </a:xfrm>
+      </p:grpSpPr>
+      <p:sp>
+        <p:nvSpPr>
+          <p:cNvPr id="2" name="Titre 1"/>
+          <p:cNvSpPr>
+            <a:spLocks noGrp="1"/>
+          </p:cNvSpPr>
+          <p:nvPr>
+            <p:ph type="title"/>
+          </p:nvPr>
+        </p:nvSpPr>
+        <p:spPr>
+          <a:xfrm>
+            <a:off x="1094408" y="588428"/>
+            <a:ext cx="7488832" cy="1066130"/>
+          </a:xfrm>
+        </p:spPr>
+        <p:txBody>
+          <a:bodyPr>
+            <a:normAutofit fontScale="90000"/>
+          </a:bodyPr>
+          <a:lstStyle/>
+          <a:p>
+            <a:pPr algn="r"/>
+            <a:r>
+              <a:rPr lang="fr-FR" smtClean="0"/>
+              <a:t>Problématique</a:t>
+            </a:r>
+            <a:r>
+              <a:rPr lang="fr-FR" sz="3200" smtClean="0"/>
+              <a:t/>
+            </a:r>
+            <a:br>
+              <a:rPr lang="fr-FR" sz="3200" smtClean="0"/>
+            </a:br>
+            <a:r>
+              <a:rPr lang="fr-FR" sz="900" smtClean="0"/>
+              <a:t> </a:t>
+            </a:r>
+            <a:r>
+              <a:rPr lang="fr-FR" sz="3200"/>
+              <a:t/>
+            </a:r>
+            <a:br>
+              <a:rPr lang="fr-FR" sz="3200"/>
+            </a:br>
+            <a:r>
+              <a:rPr lang="fr-FR" sz="3100" smtClean="0">
+                <a:latin typeface="Yu Gothic UI Light" panose="020B0300000000000000" pitchFamily="34" charset="-128"/>
+                <a:ea typeface="Yu Gothic UI Light" panose="020B0300000000000000" pitchFamily="34" charset="-128"/>
+              </a:rPr>
+              <a:t>Segmentation des clients de Olist</a:t>
+            </a:r>
+            <a:endParaRPr lang="fr-FR" sz="3100">
+              <a:latin typeface="Yu Gothic UI Light" panose="020B0300000000000000" pitchFamily="34" charset="-128"/>
+              <a:ea typeface="Yu Gothic UI Light" panose="020B0300000000000000" pitchFamily="34" charset="-128"/>
+            </a:endParaRPr>
+          </a:p>
+        </p:txBody>
+      </p:sp>
+      <p:sp>
+        <p:nvSpPr>
+          <p:cNvPr id="4" name="Espace réservé de la date 3"/>
+          <p:cNvSpPr>
+            <a:spLocks noGrp="1"/>
+          </p:cNvSpPr>
+          <p:nvPr>
+            <p:ph type="dt" sz="half" idx="10"/>
+          </p:nvPr>
+        </p:nvSpPr>
+        <p:spPr/>
+        <p:txBody>
+          <a:bodyPr/>
+          <a:lstStyle/>
+          <a:p>
+            <a:r>
+              <a:rPr lang="fr-FR" smtClean="0"/>
+              <a:t>17/06/2020</a:t>
+            </a:r>
+            <a:endParaRPr lang="fr-FR"/>
+          </a:p>
+        </p:txBody>
+      </p:sp>
+      <p:sp>
+        <p:nvSpPr>
+          <p:cNvPr id="5" name="Espace réservé du pied de page 4"/>
+          <p:cNvSpPr>
+            <a:spLocks noGrp="1"/>
+          </p:cNvSpPr>
+          <p:nvPr>
+            <p:ph type="ftr" sz="quarter" idx="11"/>
+          </p:nvPr>
+        </p:nvSpPr>
+        <p:spPr/>
+        <p:txBody>
+          <a:bodyPr/>
+          <a:lstStyle/>
+          <a:p>
+            <a:r>
+              <a:rPr lang="fr-FR" smtClean="0"/>
+              <a:t>Maryse Muller | Parcours Data Scientist</a:t>
+            </a:r>
+            <a:endParaRPr lang="fr-FR"/>
+          </a:p>
+        </p:txBody>
+      </p:sp>
+      <p:sp>
+        <p:nvSpPr>
+          <p:cNvPr id="6" name="Espace réservé du numéro de diapositive 5"/>
+          <p:cNvSpPr>
+            <a:spLocks noGrp="1"/>
+          </p:cNvSpPr>
+          <p:nvPr>
+            <p:ph type="sldNum" sz="quarter" idx="12"/>
+          </p:nvPr>
+        </p:nvSpPr>
+        <p:spPr/>
+        <p:txBody>
+          <a:bodyPr/>
+          <a:lstStyle/>
+          <a:p>
+            <a:fld id="{D384C430-F8FC-4B07-B0BC-750FA1B3CF0A}" type="slidenum">
+              <a:rPr lang="fr-FR" smtClean="0"/>
+              <a:t>5</a:t>
+            </a:fld>
+            <a:endParaRPr lang="fr-FR"/>
+          </a:p>
+        </p:txBody>
+      </p:sp>
+      <p:sp>
+        <p:nvSpPr>
+          <p:cNvPr id="16" name="Rectangle 15"/>
+          <p:cNvSpPr/>
+          <p:nvPr/>
+        </p:nvSpPr>
+        <p:spPr>
+          <a:xfrm>
+            <a:off x="3823854" y="1196959"/>
+            <a:ext cx="4708586" cy="45719"/>
+          </a:xfrm>
+          <a:prstGeom prst="rect">
+            <a:avLst/>
+          </a:prstGeom>
+          <a:gradFill flip="none" rotWithShape="1">
+            <a:gsLst>
+              <a:gs pos="0">
+                <a:schemeClr val="accent1">
+                  <a:lumMod val="75000"/>
+                </a:schemeClr>
+              </a:gs>
+              <a:gs pos="100000">
+                <a:schemeClr val="accent1">
+                  <a:tint val="23500"/>
+                  <a:satMod val="160000"/>
+                  <a:alpha val="0"/>
+                </a:schemeClr>
+              </a:gs>
+            </a:gsLst>
+            <a:lin ang="10800000" scaled="1"/>
+            <a:tileRect/>
+          </a:gradFill>
+          <a:ln>
+            <a:noFill/>
+          </a:ln>
+        </p:spPr>
+        <p:style>
+          <a:lnRef idx="2">
+            <a:schemeClr val="accent1">
+              <a:shade val="50000"/>
+            </a:schemeClr>
+          </a:lnRef>
+          <a:fillRef idx="1">
+            <a:schemeClr val="accent1"/>
+          </a:fillRef>
+          <a:effectRef idx="0">
+            <a:schemeClr val="accent1"/>
+          </a:effectRef>
+          <a:fontRef idx="minor">
+            <a:schemeClr val="lt1"/>
+          </a:fontRef>
+        </p:style>
+        <p:txBody>
+          <a:bodyPr rtlCol="0" anchor="ctr"/>
+          <a:lstStyle/>
+          <a:p>
+            <a:pPr algn="ctr"/>
+            <a:endParaRPr lang="fr-FR"/>
+          </a:p>
+        </p:txBody>
+      </p:sp>
+      <p:pic>
+        <p:nvPicPr>
+          <p:cNvPr id="1026" name="Picture 2"/>
+          <p:cNvPicPr>
+            <a:picLocks noChangeAspect="1" noChangeArrowheads="1"/>
+          </p:cNvPicPr>
+          <p:nvPr/>
+        </p:nvPicPr>
+        <p:blipFill>
+          <a:blip r:embed="rId2">
+            <a:extLst>
+              <a:ext uri="{28A0092B-C50C-407E-A947-70E740481C1C}">
+                <a14:useLocalDpi xmlns:a14="http://schemas.microsoft.com/office/drawing/2010/main" val="0"/>
+              </a:ext>
+            </a:extLst>
+          </a:blip>
+          <a:srcRect/>
+          <a:stretch>
+            <a:fillRect/>
+          </a:stretch>
+        </p:blipFill>
+        <p:spPr bwMode="auto">
+          <a:xfrm>
+            <a:off x="5940152" y="2867135"/>
+            <a:ext cx="2857500" cy="2857500"/>
+          </a:xfrm>
+          <a:prstGeom prst="rect">
+            <a:avLst/>
+          </a:prstGeom>
+          <a:noFill/>
+          <a:ln>
+            <a:noFill/>
+          </a:ln>
+          <a:extLst>
+            <a:ext uri="{909E8E84-426E-40DD-AFC4-6F175D3DCCD1}">
+              <a14:hiddenFill xmlns:a14="http://schemas.microsoft.com/office/drawing/2010/main">
+                <a:solidFill>
+                  <a:schemeClr val="accent1"/>
+                </a:solidFill>
+              </a14:hiddenFill>
+            </a:ext>
+            <a:ext uri="{91240B29-F687-4F45-9708-019B960494DF}">
+              <a14:hiddenLine xmlns:a14="http://schemas.microsoft.com/office/drawing/2010/main" w="9525">
+                <a:solidFill>
+                  <a:schemeClr val="tx1"/>
+                </a:solidFill>
+                <a:miter lim="800000"/>
+                <a:headEnd/>
+                <a:tailEnd/>
+              </a14:hiddenLine>
+            </a:ext>
+          </a:extLst>
+        </p:spPr>
+      </p:pic>
+      <p:sp>
+        <p:nvSpPr>
+          <p:cNvPr id="21" name="Rectangle 20"/>
+          <p:cNvSpPr/>
+          <p:nvPr/>
+        </p:nvSpPr>
+        <p:spPr>
+          <a:xfrm>
+            <a:off x="251520" y="1917987"/>
+            <a:ext cx="5532645" cy="4247317"/>
+          </a:xfrm>
+          <a:prstGeom prst="rect">
+            <a:avLst/>
+          </a:prstGeom>
+        </p:spPr>
+        <p:txBody>
+          <a:bodyPr wrap="square">
+            <a:spAutoFit/>
+          </a:bodyPr>
+          <a:lstStyle/>
+          <a:p>
+            <a:r>
+              <a:rPr lang="fr-FR"/>
+              <a:t>La mission :</a:t>
+            </a:r>
+          </a:p>
+          <a:p>
+            <a:pPr marL="285750" indent="-285750">
+              <a:buFontTx/>
+              <a:buChar char="-"/>
+            </a:pPr>
+            <a:r>
+              <a:rPr lang="fr-FR"/>
+              <a:t>une segmentation des clients qu’elles pourront utiliser au quotidien pour leurs campagnes de communication.</a:t>
+            </a:r>
+          </a:p>
+          <a:p>
+            <a:endParaRPr lang="fr-FR"/>
+          </a:p>
+          <a:p>
+            <a:r>
+              <a:rPr lang="fr-FR"/>
+              <a:t>Votre objectif est de comprendre les différents types d’utilisateurs grâce à leur comportement et à leurs données personnelles.</a:t>
+            </a:r>
+          </a:p>
+          <a:p>
+            <a:endParaRPr lang="fr-FR"/>
+          </a:p>
+          <a:p>
+            <a:r>
+              <a:rPr lang="fr-FR"/>
+              <a:t>Vous devrez fournir à l’équipe marketing une description actionable de votre segmentation et de sa logique sous-jacente pour une utilisation optimale, ainsi qu’une proposition de contrat de maintenance basée sur une analyse de la stabilité des segments au cours du temps.</a:t>
+            </a:r>
+            <a:endParaRPr lang="fr-FR"/>
+          </a:p>
+        </p:txBody>
+      </p:sp>
+    </p:spTree>
+    <p:extLst>
+      <p:ext uri="{BB962C8B-B14F-4D97-AF65-F5344CB8AC3E}">
+        <p14:creationId xmlns:p14="http://schemas.microsoft.com/office/powerpoint/2010/main" val="1102891445"/>
+      </p:ext>
+    </p:extLst>
+  </p:cSld>
+  <p:clrMapOvr>
+    <a:masterClrMapping/>
+  </p:clrMapOvr>
+  <p:timing>
+    <p:tnLst>
+      <p:par>
+        <p:cTn id="1" dur="indefinite" restart="never" nodeType="tmRoot"/>
+      </p:par>
+    </p:tnLst>
+  </p:timing>
+</p:sld>
+</file>
+
+<file path=ppt/slides/slide6.xml><?xml version="1.0" encoding="utf-8"?>
+<p:sld xmlns:a="http://schemas.openxmlformats.org/drawingml/2006/main" xmlns:r="http://schemas.openxmlformats.org/officeDocument/2006/relationships" xmlns:p="http://schemas.openxmlformats.org/presentationml/2006/main">
+  <p:cSld>
+    <p:spTree>
+      <p:nvGrpSpPr>
+        <p:cNvPr id="1" name=""/>
+        <p:cNvGrpSpPr/>
+        <p:nvPr/>
+      </p:nvGrpSpPr>
+      <p:grpSpPr>
+        <a:xfrm>
+          <a:off x="0" y="0"/>
+          <a:ext cx="0" cy="0"/>
+          <a:chOff x="0" y="0"/>
+          <a:chExt cx="0" cy="0"/>
+        </a:xfrm>
+      </p:grpSpPr>
+      <p:sp>
+        <p:nvSpPr>
+          <p:cNvPr id="4" name="Espace réservé de la date 3"/>
+          <p:cNvSpPr>
+            <a:spLocks noGrp="1"/>
+          </p:cNvSpPr>
+          <p:nvPr>
+            <p:ph type="dt" sz="half" idx="10"/>
+          </p:nvPr>
+        </p:nvSpPr>
+        <p:spPr/>
+        <p:txBody>
+          <a:bodyPr/>
+          <a:lstStyle/>
+          <a:p>
+            <a:r>
+              <a:rPr lang="fr-FR" smtClean="0"/>
+              <a:t>17/06/2020</a:t>
+            </a:r>
+            <a:endParaRPr lang="fr-FR"/>
+          </a:p>
+        </p:txBody>
+      </p:sp>
+      <p:sp>
+        <p:nvSpPr>
+          <p:cNvPr id="5" name="Espace réservé du pied de page 4"/>
+          <p:cNvSpPr>
+            <a:spLocks noGrp="1"/>
+          </p:cNvSpPr>
+          <p:nvPr>
+            <p:ph type="ftr" sz="quarter" idx="11"/>
+          </p:nvPr>
+        </p:nvSpPr>
+        <p:spPr/>
+        <p:txBody>
+          <a:bodyPr/>
+          <a:lstStyle/>
+          <a:p>
+            <a:r>
+              <a:rPr lang="fr-FR" smtClean="0"/>
+              <a:t>Maryse Muller | Parcours Data Scientist</a:t>
+            </a:r>
+            <a:endParaRPr lang="fr-FR"/>
+          </a:p>
+        </p:txBody>
+      </p:sp>
+      <p:sp>
+        <p:nvSpPr>
+          <p:cNvPr id="6" name="Espace réservé du numéro de diapositive 5"/>
+          <p:cNvSpPr>
+            <a:spLocks noGrp="1"/>
+          </p:cNvSpPr>
+          <p:nvPr>
+            <p:ph type="sldNum" sz="quarter" idx="12"/>
+          </p:nvPr>
+        </p:nvSpPr>
+        <p:spPr/>
+        <p:txBody>
+          <a:bodyPr/>
+          <a:lstStyle/>
+          <a:p>
+            <a:fld id="{D384C430-F8FC-4B07-B0BC-750FA1B3CF0A}" type="slidenum">
+              <a:rPr lang="fr-FR" smtClean="0"/>
+              <a:t>6</a:t>
+            </a:fld>
+            <a:endParaRPr lang="fr-FR"/>
+          </a:p>
+        </p:txBody>
+      </p:sp>
+      <p:sp>
+        <p:nvSpPr>
+          <p:cNvPr id="11" name="Sous-titre 2"/>
+          <p:cNvSpPr txBox="1">
+            <a:spLocks/>
+          </p:cNvSpPr>
+          <p:nvPr/>
+        </p:nvSpPr>
+        <p:spPr>
+          <a:xfrm>
+            <a:off x="3720783" y="3160318"/>
+            <a:ext cx="4496544" cy="2131990"/>
+          </a:xfrm>
+          <a:prstGeom prst="rect">
+            <a:avLst/>
+          </a:prstGeom>
+        </p:spPr>
+        <p:txBody>
+          <a:bodyPr>
+            <a:noAutofit/>
+          </a:bodyPr>
+          <a:lstStyle>
+            <a:lvl1pPr marL="342900" indent="-342900" algn="l" defTabSz="914400" rtl="0" eaLnBrk="1" latinLnBrk="0" hangingPunct="1">
+              <a:spcBef>
+                <a:spcPct val="20000"/>
+              </a:spcBef>
+              <a:buFont typeface="Arial" panose="020B0604020202020204" pitchFamily="34" charset="0"/>
+              <a:buChar char="•"/>
+              <a:defRPr sz="3200" kern="1200">
+                <a:solidFill>
+                  <a:schemeClr val="tx1"/>
+                </a:solidFill>
+                <a:latin typeface="+mn-lt"/>
+                <a:ea typeface="+mn-ea"/>
+                <a:cs typeface="+mn-cs"/>
+              </a:defRPr>
+            </a:lvl1pPr>
+            <a:lvl2pPr marL="742950" indent="-285750" algn="l" defTabSz="914400" rtl="0" eaLnBrk="1" latinLnBrk="0" hangingPunct="1">
+              <a:spcBef>
+                <a:spcPct val="20000"/>
+              </a:spcBef>
+              <a:buFont typeface="Arial" panose="020B0604020202020204" pitchFamily="34" charset="0"/>
+              <a:buChar char="–"/>
+              <a:defRPr sz="2800" kern="1200">
+                <a:solidFill>
+                  <a:schemeClr val="tx1"/>
+                </a:solidFill>
+                <a:latin typeface="+mn-lt"/>
+                <a:ea typeface="+mn-ea"/>
+                <a:cs typeface="+mn-cs"/>
+              </a:defRPr>
+            </a:lvl2pPr>
+            <a:lvl3pPr marL="1143000" indent="-228600" algn="l" defTabSz="914400" rtl="0" eaLnBrk="1" latinLnBrk="0" hangingPunct="1">
+              <a:spcBef>
+                <a:spcPct val="20000"/>
+              </a:spcBef>
+              <a:buFont typeface="Arial" panose="020B0604020202020204" pitchFamily="34" charset="0"/>
+              <a:buChar char="•"/>
+              <a:defRPr sz="2400" kern="1200">
+                <a:solidFill>
+                  <a:schemeClr val="tx1"/>
+                </a:solidFill>
+                <a:latin typeface="+mn-lt"/>
+                <a:ea typeface="+mn-ea"/>
+                <a:cs typeface="+mn-cs"/>
+              </a:defRPr>
+            </a:lvl3pPr>
+            <a:lvl4pPr marL="1600200" indent="-228600" algn="l" defTabSz="914400" rtl="0" eaLnBrk="1" latinLnBrk="0" hangingPunct="1">
+              <a:spcBef>
+                <a:spcPct val="20000"/>
+              </a:spcBef>
+              <a:buFont typeface="Arial" panose="020B0604020202020204" pitchFamily="34" charset="0"/>
+              <a:buChar char="–"/>
+              <a:defRPr sz="2000" kern="1200">
+                <a:solidFill>
+                  <a:schemeClr val="tx1"/>
+                </a:solidFill>
+                <a:latin typeface="+mn-lt"/>
+                <a:ea typeface="+mn-ea"/>
+                <a:cs typeface="+mn-cs"/>
+              </a:defRPr>
+            </a:lvl4pPr>
+            <a:lvl5pPr marL="2057400" indent="-228600" algn="l" defTabSz="914400" rtl="0" eaLnBrk="1" latinLnBrk="0" hangingPunct="1">
+              <a:spcBef>
+                <a:spcPct val="20000"/>
+              </a:spcBef>
+              <a:buFont typeface="Arial" panose="020B0604020202020204" pitchFamily="34" charset="0"/>
+              <a:buChar char="»"/>
+              <a:defRPr sz="2000" kern="1200">
+                <a:solidFill>
+                  <a:schemeClr val="tx1"/>
+                </a:solidFill>
+                <a:latin typeface="+mn-lt"/>
+                <a:ea typeface="+mn-ea"/>
+                <a:cs typeface="+mn-cs"/>
+              </a:defRPr>
+            </a:lvl5pPr>
+            <a:lvl6pPr marL="2514600" indent="-228600" algn="l" defTabSz="914400" rtl="0" eaLnBrk="1" latinLnBrk="0" hangingPunct="1">
+              <a:spcBef>
+                <a:spcPct val="20000"/>
+              </a:spcBef>
+              <a:buFont typeface="Arial" panose="020B0604020202020204" pitchFamily="34" charset="0"/>
+              <a:buChar char="•"/>
+              <a:defRPr sz="2000" kern="1200">
+                <a:solidFill>
+                  <a:schemeClr val="tx1"/>
+                </a:solidFill>
+                <a:latin typeface="+mn-lt"/>
+                <a:ea typeface="+mn-ea"/>
+                <a:cs typeface="+mn-cs"/>
+              </a:defRPr>
+            </a:lvl6pPr>
+            <a:lvl7pPr marL="2971800" indent="-228600" algn="l" defTabSz="914400" rtl="0" eaLnBrk="1" latinLnBrk="0" hangingPunct="1">
+              <a:spcBef>
+                <a:spcPct val="20000"/>
+              </a:spcBef>
+              <a:buFont typeface="Arial" panose="020B0604020202020204" pitchFamily="34" charset="0"/>
+              <a:buChar char="•"/>
+              <a:defRPr sz="2000" kern="1200">
+                <a:solidFill>
+                  <a:schemeClr val="tx1"/>
+                </a:solidFill>
+                <a:latin typeface="+mn-lt"/>
+                <a:ea typeface="+mn-ea"/>
+                <a:cs typeface="+mn-cs"/>
+              </a:defRPr>
+            </a:lvl7pPr>
+            <a:lvl8pPr marL="3429000" indent="-228600" algn="l" defTabSz="914400" rtl="0" eaLnBrk="1" latinLnBrk="0" hangingPunct="1">
+              <a:spcBef>
+                <a:spcPct val="20000"/>
+              </a:spcBef>
+              <a:buFont typeface="Arial" panose="020B0604020202020204" pitchFamily="34" charset="0"/>
+              <a:buChar char="•"/>
+              <a:defRPr sz="2000" kern="1200">
+                <a:solidFill>
+                  <a:schemeClr val="tx1"/>
+                </a:solidFill>
+                <a:latin typeface="+mn-lt"/>
+                <a:ea typeface="+mn-ea"/>
+                <a:cs typeface="+mn-cs"/>
+              </a:defRPr>
+            </a:lvl8pPr>
+            <a:lvl9pPr marL="3886200" indent="-228600" algn="l" defTabSz="914400" rtl="0" eaLnBrk="1" latinLnBrk="0" hangingPunct="1">
+              <a:spcBef>
+                <a:spcPct val="20000"/>
+              </a:spcBef>
+              <a:buFont typeface="Arial" panose="020B0604020202020204" pitchFamily="34" charset="0"/>
+              <a:buChar char="•"/>
+              <a:defRPr sz="2000" kern="1200">
+                <a:solidFill>
+                  <a:schemeClr val="tx1"/>
+                </a:solidFill>
+                <a:latin typeface="+mn-lt"/>
+                <a:ea typeface="+mn-ea"/>
+                <a:cs typeface="+mn-cs"/>
+              </a:defRPr>
+            </a:lvl9pPr>
+          </a:lstStyle>
+          <a:p>
+            <a:pPr marL="0" indent="0" algn="r">
+              <a:buNone/>
+            </a:pPr>
+            <a:r>
+              <a:rPr lang="fr-FR" sz="2800" smtClean="0">
+                <a:latin typeface="Yu Gothic UI Light" panose="020B0300000000000000" pitchFamily="34" charset="-128"/>
+                <a:ea typeface="Yu Gothic UI Light" panose="020B0300000000000000" pitchFamily="34" charset="-128"/>
+                <a:cs typeface="Segoe UI" panose="020B0502040204020203" pitchFamily="34" charset="0"/>
+              </a:rPr>
+              <a:t>Problématique</a:t>
+            </a:r>
+          </a:p>
+          <a:p>
+            <a:pPr marL="0" indent="0" algn="r">
+              <a:buNone/>
+            </a:pPr>
+            <a:r>
+              <a:rPr lang="fr-FR" sz="2800" smtClean="0">
+                <a:latin typeface="+mj-lt"/>
+                <a:ea typeface="Yu Gothic UI Light" panose="020B0300000000000000" pitchFamily="34" charset="-128"/>
+                <a:cs typeface="Segoe UI" panose="020B0502040204020203" pitchFamily="34" charset="0"/>
+              </a:rPr>
+              <a:t>Données</a:t>
+            </a:r>
+          </a:p>
+          <a:p>
+            <a:pPr marL="0" indent="0" algn="r">
+              <a:buNone/>
+            </a:pPr>
+            <a:r>
+              <a:rPr lang="fr-FR" sz="2800" smtClean="0">
+                <a:latin typeface="Yu Gothic UI Light" panose="020B0300000000000000" pitchFamily="34" charset="-128"/>
+                <a:ea typeface="Yu Gothic UI Light" panose="020B0300000000000000" pitchFamily="34" charset="-128"/>
+                <a:cs typeface="Segoe UI" panose="020B0502040204020203" pitchFamily="34" charset="0"/>
+              </a:rPr>
+              <a:t>Modélisation</a:t>
+            </a:r>
+          </a:p>
+          <a:p>
+            <a:pPr marL="0" indent="0" algn="r">
+              <a:buNone/>
+            </a:pPr>
+            <a:r>
+              <a:rPr lang="fr-FR" sz="2800" smtClean="0">
+                <a:latin typeface="Yu Gothic UI Light" panose="020B0300000000000000" pitchFamily="34" charset="-128"/>
+                <a:ea typeface="Yu Gothic UI Light" panose="020B0300000000000000" pitchFamily="34" charset="-128"/>
+                <a:cs typeface="Segoe UI" panose="020B0502040204020203" pitchFamily="34" charset="0"/>
+              </a:rPr>
+              <a:t>Conclusions</a:t>
+            </a:r>
+          </a:p>
+          <a:p>
+            <a:pPr algn="r"/>
+            <a:endParaRPr lang="fr-FR" sz="2800">
+              <a:latin typeface="Yu Gothic UI Light" panose="020B0300000000000000" pitchFamily="34" charset="-128"/>
+              <a:ea typeface="Yu Gothic UI Light" panose="020B0300000000000000" pitchFamily="34" charset="-128"/>
+            </a:endParaRPr>
+          </a:p>
+        </p:txBody>
+      </p:sp>
+      <p:grpSp>
+        <p:nvGrpSpPr>
+          <p:cNvPr id="2" name="Groupe 1"/>
+          <p:cNvGrpSpPr/>
+          <p:nvPr/>
+        </p:nvGrpSpPr>
+        <p:grpSpPr>
+          <a:xfrm>
+            <a:off x="8288350" y="3135701"/>
+            <a:ext cx="244091" cy="2085523"/>
+            <a:chOff x="8288350" y="3135701"/>
+            <a:chExt cx="244091" cy="2085523"/>
+          </a:xfrm>
+        </p:grpSpPr>
+        <p:grpSp>
+          <p:nvGrpSpPr>
+            <p:cNvPr id="12" name="Groupe 11"/>
+            <p:cNvGrpSpPr/>
+            <p:nvPr/>
+          </p:nvGrpSpPr>
+          <p:grpSpPr>
+            <a:xfrm>
+              <a:off x="8288350" y="3135701"/>
+              <a:ext cx="244090" cy="2085523"/>
+              <a:chOff x="8648390" y="4292733"/>
+              <a:chExt cx="144016" cy="864096"/>
+            </a:xfrm>
+          </p:grpSpPr>
+          <p:sp>
+            <p:nvSpPr>
+              <p:cNvPr id="13" name="Rectangle 12"/>
+              <p:cNvSpPr/>
+              <p:nvPr/>
+            </p:nvSpPr>
+            <p:spPr>
+              <a:xfrm>
+                <a:off x="8648390" y="4292733"/>
+                <a:ext cx="144016" cy="216024"/>
+              </a:xfrm>
+              <a:prstGeom prst="rect">
+                <a:avLst/>
+              </a:prstGeom>
+              <a:solidFill>
+                <a:schemeClr val="bg1">
+                  <a:lumMod val="50000"/>
+                </a:schemeClr>
+              </a:solidFill>
+              <a:ln w="6350">
+                <a:solidFill>
+                  <a:schemeClr val="bg1">
+                    <a:lumMod val="65000"/>
+                  </a:schemeClr>
+                </a:solidFill>
+              </a:ln>
+            </p:spPr>
+            <p:style>
+              <a:lnRef idx="2">
+                <a:schemeClr val="accent1">
+                  <a:shade val="50000"/>
+                </a:schemeClr>
+              </a:lnRef>
+              <a:fillRef idx="1">
+                <a:schemeClr val="accent1"/>
+              </a:fillRef>
+              <a:effectRef idx="0">
+                <a:schemeClr val="accent1"/>
+              </a:effectRef>
+              <a:fontRef idx="minor">
+                <a:schemeClr val="lt1"/>
+              </a:fontRef>
+            </p:style>
+            <p:txBody>
+              <a:bodyPr rtlCol="0" anchor="ctr"/>
+              <a:lstStyle/>
+              <a:p>
+                <a:pPr algn="ctr"/>
+                <a:endParaRPr lang="fr-FR">
+                  <a:latin typeface="Yu Gothic UI Light" panose="020B0300000000000000" pitchFamily="34" charset="-128"/>
+                  <a:ea typeface="Yu Gothic UI Light" panose="020B0300000000000000" pitchFamily="34" charset="-128"/>
+                </a:endParaRPr>
+              </a:p>
+            </p:txBody>
+          </p:sp>
+          <p:sp>
+            <p:nvSpPr>
+              <p:cNvPr id="14" name="Rectangle 13"/>
+              <p:cNvSpPr/>
+              <p:nvPr/>
+            </p:nvSpPr>
+            <p:spPr>
+              <a:xfrm>
+                <a:off x="8648390" y="4508757"/>
+                <a:ext cx="144016" cy="216024"/>
+              </a:xfrm>
+              <a:prstGeom prst="rect">
+                <a:avLst/>
+              </a:prstGeom>
+              <a:solidFill>
+                <a:schemeClr val="bg1">
+                  <a:lumMod val="50000"/>
+                </a:schemeClr>
+              </a:solidFill>
+              <a:ln w="6350">
+                <a:solidFill>
+                  <a:schemeClr val="bg1">
+                    <a:lumMod val="65000"/>
+                  </a:schemeClr>
+                </a:solidFill>
+              </a:ln>
+            </p:spPr>
+            <p:style>
+              <a:lnRef idx="2">
+                <a:schemeClr val="accent1">
+                  <a:shade val="50000"/>
+                </a:schemeClr>
+              </a:lnRef>
+              <a:fillRef idx="1">
+                <a:schemeClr val="accent1"/>
+              </a:fillRef>
+              <a:effectRef idx="0">
+                <a:schemeClr val="accent1"/>
+              </a:effectRef>
+              <a:fontRef idx="minor">
+                <a:schemeClr val="lt1"/>
+              </a:fontRef>
+            </p:style>
+            <p:txBody>
+              <a:bodyPr rtlCol="0" anchor="ctr"/>
+              <a:lstStyle/>
+              <a:p>
+                <a:pPr algn="ctr"/>
+                <a:endParaRPr lang="fr-FR">
+                  <a:latin typeface="Yu Gothic UI Light" panose="020B0300000000000000" pitchFamily="34" charset="-128"/>
+                  <a:ea typeface="Yu Gothic UI Light" panose="020B0300000000000000" pitchFamily="34" charset="-128"/>
+                </a:endParaRPr>
+              </a:p>
+            </p:txBody>
+          </p:sp>
+          <p:sp>
+            <p:nvSpPr>
+              <p:cNvPr id="15" name="Rectangle 14"/>
+              <p:cNvSpPr/>
+              <p:nvPr/>
+            </p:nvSpPr>
+            <p:spPr>
+              <a:xfrm>
+                <a:off x="8648390" y="4724781"/>
+                <a:ext cx="144016" cy="216024"/>
+              </a:xfrm>
+              <a:prstGeom prst="rect">
+                <a:avLst/>
+              </a:prstGeom>
+              <a:solidFill>
+                <a:schemeClr val="bg1">
+                  <a:lumMod val="50000"/>
+                </a:schemeClr>
+              </a:solidFill>
+              <a:ln w="6350">
+                <a:solidFill>
+                  <a:schemeClr val="bg1">
+                    <a:lumMod val="65000"/>
+                  </a:schemeClr>
+                </a:solidFill>
+              </a:ln>
+            </p:spPr>
+            <p:style>
+              <a:lnRef idx="2">
+                <a:schemeClr val="accent1">
+                  <a:shade val="50000"/>
+                </a:schemeClr>
+              </a:lnRef>
+              <a:fillRef idx="1">
+                <a:schemeClr val="accent1"/>
+              </a:fillRef>
+              <a:effectRef idx="0">
+                <a:schemeClr val="accent1"/>
+              </a:effectRef>
+              <a:fontRef idx="minor">
+                <a:schemeClr val="lt1"/>
+              </a:fontRef>
+            </p:style>
+            <p:txBody>
+              <a:bodyPr rtlCol="0" anchor="ctr"/>
+              <a:lstStyle/>
+              <a:p>
+                <a:pPr algn="ctr"/>
+                <a:endParaRPr lang="fr-FR">
+                  <a:latin typeface="Yu Gothic UI Light" panose="020B0300000000000000" pitchFamily="34" charset="-128"/>
+                  <a:ea typeface="Yu Gothic UI Light" panose="020B0300000000000000" pitchFamily="34" charset="-128"/>
+                </a:endParaRPr>
+              </a:p>
+            </p:txBody>
+          </p:sp>
+          <p:sp>
+            <p:nvSpPr>
+              <p:cNvPr id="17" name="Rectangle 16"/>
+              <p:cNvSpPr/>
+              <p:nvPr/>
+            </p:nvSpPr>
+            <p:spPr>
+              <a:xfrm>
+                <a:off x="8648390" y="4940805"/>
+                <a:ext cx="144016" cy="216024"/>
+              </a:xfrm>
+              <a:prstGeom prst="rect">
+                <a:avLst/>
+              </a:prstGeom>
+              <a:solidFill>
+                <a:schemeClr val="bg1">
+                  <a:lumMod val="50000"/>
+                </a:schemeClr>
+              </a:solidFill>
+              <a:ln w="6350">
+                <a:solidFill>
+                  <a:schemeClr val="bg1">
+                    <a:lumMod val="65000"/>
+                  </a:schemeClr>
+                </a:solidFill>
+              </a:ln>
+            </p:spPr>
+            <p:style>
+              <a:lnRef idx="2">
+                <a:schemeClr val="accent1">
+                  <a:shade val="50000"/>
+                </a:schemeClr>
+              </a:lnRef>
+              <a:fillRef idx="1">
+                <a:schemeClr val="accent1"/>
+              </a:fillRef>
+              <a:effectRef idx="0">
+                <a:schemeClr val="accent1"/>
+              </a:effectRef>
+              <a:fontRef idx="minor">
+                <a:schemeClr val="lt1"/>
+              </a:fontRef>
+            </p:style>
+            <p:txBody>
+              <a:bodyPr rtlCol="0" anchor="ctr"/>
+              <a:lstStyle/>
+              <a:p>
+                <a:pPr algn="ctr"/>
+                <a:endParaRPr lang="fr-FR">
+                  <a:latin typeface="Yu Gothic UI Light" panose="020B0300000000000000" pitchFamily="34" charset="-128"/>
+                  <a:ea typeface="Yu Gothic UI Light" panose="020B0300000000000000" pitchFamily="34" charset="-128"/>
+                </a:endParaRPr>
+              </a:p>
+            </p:txBody>
+          </p:sp>
+        </p:grpSp>
+        <p:sp>
+          <p:nvSpPr>
+            <p:cNvPr id="19" name="Rectangle 18"/>
+            <p:cNvSpPr/>
+            <p:nvPr/>
+          </p:nvSpPr>
+          <p:spPr>
+            <a:xfrm>
+              <a:off x="8288351" y="3657087"/>
+              <a:ext cx="244090" cy="521381"/>
+            </a:xfrm>
+            <a:prstGeom prst="rect">
+              <a:avLst/>
+            </a:prstGeom>
+            <a:solidFill>
+              <a:srgbClr val="00153E"/>
+            </a:solidFill>
+            <a:ln w="6350">
+              <a:solidFill>
+                <a:schemeClr val="bg1">
+                  <a:lumMod val="65000"/>
+                </a:schemeClr>
+              </a:solidFill>
+            </a:ln>
+          </p:spPr>
+          <p:style>
+            <a:lnRef idx="2">
+              <a:schemeClr val="accent1">
+                <a:shade val="50000"/>
+              </a:schemeClr>
+            </a:lnRef>
+            <a:fillRef idx="1">
+              <a:schemeClr val="accent1"/>
+            </a:fillRef>
+            <a:effectRef idx="0">
+              <a:schemeClr val="accent1"/>
+            </a:effectRef>
+            <a:fontRef idx="minor">
+              <a:schemeClr val="lt1"/>
+            </a:fontRef>
+          </p:style>
+          <p:txBody>
+            <a:bodyPr rtlCol="0" anchor="ctr"/>
+            <a:lstStyle/>
+            <a:p>
+              <a:pPr algn="ctr"/>
+              <a:endParaRPr lang="fr-FR"/>
+            </a:p>
+          </p:txBody>
+        </p:sp>
+      </p:grpSp>
+      <p:sp>
+        <p:nvSpPr>
+          <p:cNvPr id="7" name="ZoneTexte 6"/>
+          <p:cNvSpPr txBox="1"/>
+          <p:nvPr/>
+        </p:nvSpPr>
+        <p:spPr>
+          <a:xfrm>
+            <a:off x="2123728" y="2996952"/>
+            <a:ext cx="1234633" cy="369332"/>
+          </a:xfrm>
+          <a:prstGeom prst="rect">
+            <a:avLst/>
+          </a:prstGeom>
+          <a:solidFill>
+            <a:srgbClr val="FFFF00"/>
+          </a:solidFill>
+        </p:spPr>
+        <p:txBody>
+          <a:bodyPr wrap="none" rtlCol="0">
+            <a:spAutoFit/>
+          </a:bodyPr>
+          <a:lstStyle/>
+          <a:p>
+            <a:r>
+              <a:rPr lang="fr-FR" smtClean="0"/>
+              <a:t>5 minutes</a:t>
+            </a:r>
+            <a:endParaRPr lang="fr-FR"/>
+          </a:p>
+        </p:txBody>
+      </p:sp>
+    </p:spTree>
+    <p:extLst>
+      <p:ext uri="{BB962C8B-B14F-4D97-AF65-F5344CB8AC3E}">
+        <p14:creationId xmlns:p14="http://schemas.microsoft.com/office/powerpoint/2010/main" val="1964233231"/>
+      </p:ext>
+    </p:extLst>
+  </p:cSld>
+  <p:clrMapOvr>
+    <a:masterClrMapping/>
+  </p:clrMapOvr>
+  <p:timing>
+    <p:tnLst>
+      <p:par>
+        <p:cTn id="1" dur="indefinite" restart="never" nodeType="tmRoot"/>
+      </p:par>
+    </p:tnLst>
+  </p:timing>
+</p:sld>
+</file>
+
+<file path=ppt/slides/slide7.xml><?xml version="1.0" encoding="utf-8"?>
+<p:sld xmlns:a="http://schemas.openxmlformats.org/drawingml/2006/main" xmlns:r="http://schemas.openxmlformats.org/officeDocument/2006/relationships" xmlns:p="http://schemas.openxmlformats.org/presentationml/2006/main">
+  <p:cSld>
+    <p:spTree>
+      <p:nvGrpSpPr>
+        <p:cNvPr id="1" name=""/>
+        <p:cNvGrpSpPr/>
+        <p:nvPr/>
+      </p:nvGrpSpPr>
+      <p:grpSpPr>
+        <a:xfrm>
+          <a:off x="0" y="0"/>
+          <a:ext cx="0" cy="0"/>
+          <a:chOff x="0" y="0"/>
+          <a:chExt cx="0" cy="0"/>
+        </a:xfrm>
+      </p:grpSpPr>
+      <p:sp>
+        <p:nvSpPr>
+          <p:cNvPr id="2" name="Titre 1"/>
+          <p:cNvSpPr>
+            <a:spLocks noGrp="1"/>
+          </p:cNvSpPr>
+          <p:nvPr>
+            <p:ph type="title"/>
+          </p:nvPr>
+        </p:nvSpPr>
+        <p:spPr>
+          <a:xfrm>
+            <a:off x="1094408" y="588428"/>
+            <a:ext cx="7488832" cy="1066130"/>
+          </a:xfrm>
+        </p:spPr>
+        <p:txBody>
+          <a:bodyPr>
+            <a:normAutofit fontScale="90000"/>
+          </a:bodyPr>
+          <a:lstStyle/>
+          <a:p>
+            <a:pPr algn="r"/>
+            <a:r>
+              <a:rPr lang="fr-FR" smtClean="0"/>
+              <a:t>Données</a:t>
+            </a:r>
+            <a:r>
+              <a:rPr lang="fr-FR" sz="3200" smtClean="0"/>
+              <a:t/>
+            </a:r>
+            <a:br>
+              <a:rPr lang="fr-FR" sz="3200" smtClean="0"/>
+            </a:br>
+            <a:r>
+              <a:rPr lang="fr-FR" sz="900" smtClean="0"/>
+              <a:t> </a:t>
+            </a:r>
+            <a:r>
+              <a:rPr lang="fr-FR" sz="3200"/>
+              <a:t/>
+            </a:r>
+            <a:br>
+              <a:rPr lang="fr-FR" sz="3200"/>
+            </a:br>
+            <a:r>
+              <a:rPr lang="fr-FR" sz="3100" smtClean="0">
+                <a:latin typeface="Yu Gothic UI Light" panose="020B0300000000000000" pitchFamily="34" charset="-128"/>
+                <a:ea typeface="Yu Gothic UI Light" panose="020B0300000000000000" pitchFamily="34" charset="-128"/>
+              </a:rPr>
+              <a:t>Structure de la base de données</a:t>
+            </a:r>
+            <a:endParaRPr lang="fr-FR" sz="3100">
+              <a:latin typeface="Yu Gothic UI Light" panose="020B0300000000000000" pitchFamily="34" charset="-128"/>
+              <a:ea typeface="Yu Gothic UI Light" panose="020B0300000000000000" pitchFamily="34" charset="-128"/>
+            </a:endParaRPr>
+          </a:p>
+        </p:txBody>
+      </p:sp>
+      <p:sp>
+        <p:nvSpPr>
+          <p:cNvPr id="4" name="Espace réservé de la date 3"/>
+          <p:cNvSpPr>
+            <a:spLocks noGrp="1"/>
+          </p:cNvSpPr>
+          <p:nvPr>
+            <p:ph type="dt" sz="half" idx="10"/>
+          </p:nvPr>
+        </p:nvSpPr>
+        <p:spPr/>
+        <p:txBody>
+          <a:bodyPr/>
+          <a:lstStyle/>
+          <a:p>
+            <a:r>
+              <a:rPr lang="fr-FR" smtClean="0"/>
+              <a:t>17/06/2020</a:t>
+            </a:r>
+            <a:endParaRPr lang="fr-FR"/>
+          </a:p>
+        </p:txBody>
+      </p:sp>
+      <p:sp>
+        <p:nvSpPr>
+          <p:cNvPr id="5" name="Espace réservé du pied de page 4"/>
+          <p:cNvSpPr>
+            <a:spLocks noGrp="1"/>
+          </p:cNvSpPr>
+          <p:nvPr>
+            <p:ph type="ftr" sz="quarter" idx="11"/>
+          </p:nvPr>
+        </p:nvSpPr>
+        <p:spPr/>
+        <p:txBody>
+          <a:bodyPr/>
+          <a:lstStyle/>
+          <a:p>
+            <a:r>
+              <a:rPr lang="fr-FR" smtClean="0"/>
+              <a:t>Maryse Muller | Parcours Data Scientist</a:t>
+            </a:r>
+            <a:endParaRPr lang="fr-FR"/>
+          </a:p>
+        </p:txBody>
+      </p:sp>
+      <p:sp>
+        <p:nvSpPr>
+          <p:cNvPr id="6" name="Espace réservé du numéro de diapositive 5"/>
+          <p:cNvSpPr>
+            <a:spLocks noGrp="1"/>
+          </p:cNvSpPr>
+          <p:nvPr>
+            <p:ph type="sldNum" sz="quarter" idx="12"/>
+          </p:nvPr>
+        </p:nvSpPr>
+        <p:spPr/>
+        <p:txBody>
+          <a:bodyPr/>
+          <a:lstStyle/>
+          <a:p>
+            <a:fld id="{D384C430-F8FC-4B07-B0BC-750FA1B3CF0A}" type="slidenum">
+              <a:rPr lang="fr-FR" smtClean="0"/>
+              <a:t>7</a:t>
+            </a:fld>
+            <a:endParaRPr lang="fr-FR"/>
+          </a:p>
+        </p:txBody>
+      </p:sp>
+      <p:sp>
+        <p:nvSpPr>
+          <p:cNvPr id="16" name="Rectangle 15"/>
+          <p:cNvSpPr/>
+          <p:nvPr/>
+        </p:nvSpPr>
+        <p:spPr>
+          <a:xfrm>
+            <a:off x="3823854" y="1196959"/>
+            <a:ext cx="4708586" cy="45719"/>
+          </a:xfrm>
+          <a:prstGeom prst="rect">
+            <a:avLst/>
+          </a:prstGeom>
+          <a:gradFill flip="none" rotWithShape="1">
+            <a:gsLst>
+              <a:gs pos="0">
+                <a:srgbClr val="002060"/>
+              </a:gs>
+              <a:gs pos="100000">
+                <a:schemeClr val="accent1">
+                  <a:tint val="23500"/>
+                  <a:satMod val="160000"/>
+                  <a:alpha val="0"/>
+                </a:schemeClr>
+              </a:gs>
+            </a:gsLst>
+            <a:lin ang="10800000" scaled="1"/>
+            <a:tileRect/>
+          </a:gradFill>
+          <a:ln>
+            <a:noFill/>
+          </a:ln>
+        </p:spPr>
+        <p:style>
+          <a:lnRef idx="2">
+            <a:schemeClr val="accent1">
+              <a:shade val="50000"/>
+            </a:schemeClr>
+          </a:lnRef>
+          <a:fillRef idx="1">
+            <a:schemeClr val="accent1"/>
+          </a:fillRef>
+          <a:effectRef idx="0">
+            <a:schemeClr val="accent1"/>
+          </a:effectRef>
+          <a:fontRef idx="minor">
+            <a:schemeClr val="lt1"/>
+          </a:fontRef>
+        </p:style>
+        <p:txBody>
+          <a:bodyPr rtlCol="0" anchor="ctr"/>
+          <a:lstStyle/>
+          <a:p>
+            <a:pPr algn="ctr"/>
+            <a:endParaRPr lang="fr-FR"/>
+          </a:p>
+        </p:txBody>
+      </p:sp>
+      <p:pic>
+        <p:nvPicPr>
+          <p:cNvPr id="3074" name="Picture 2" descr="C:\Users\Maryse\Documents\o---FORMATION---o\OCR_DS\PROJET 5 -Segment Clients\PROJECT5\RESOURCE\Datasets.png"/>
+          <p:cNvPicPr>
+            <a:picLocks noChangeAspect="1" noChangeArrowheads="1"/>
+          </p:cNvPicPr>
+          <p:nvPr/>
+        </p:nvPicPr>
+        <p:blipFill>
+          <a:blip r:embed="rId2">
+            <a:extLst>
+              <a:ext uri="{BEBA8EAE-BF5A-486C-A8C5-ECC9F3942E4B}">
+                <a14:imgProps xmlns:a14="http://schemas.microsoft.com/office/drawing/2010/main">
+                  <a14:imgLayer r:embed="rId3">
+                    <a14:imgEffect>
+                      <a14:brightnessContrast contrast="40000"/>
+                    </a14:imgEffect>
+                  </a14:imgLayer>
+                </a14:imgProps>
+              </a:ext>
+              <a:ext uri="{28A0092B-C50C-407E-A947-70E740481C1C}">
+                <a14:useLocalDpi xmlns:a14="http://schemas.microsoft.com/office/drawing/2010/main" val="0"/>
+              </a:ext>
+            </a:extLst>
+          </a:blip>
+          <a:srcRect/>
+          <a:stretch>
+            <a:fillRect/>
+          </a:stretch>
+        </p:blipFill>
+        <p:spPr bwMode="auto">
+          <a:xfrm>
+            <a:off x="1459466" y="2143472"/>
+            <a:ext cx="6219825" cy="3733800"/>
+          </a:xfrm>
+          <a:prstGeom prst="rect">
+            <a:avLst/>
+          </a:prstGeom>
+          <a:noFill/>
+          <a:extLst>
+            <a:ext uri="{909E8E84-426E-40DD-AFC4-6F175D3DCCD1}">
+              <a14:hiddenFill xmlns:a14="http://schemas.microsoft.com/office/drawing/2010/main">
+                <a:solidFill>
+                  <a:srgbClr val="FFFFFF"/>
+                </a:solidFill>
+              </a14:hiddenFill>
+            </a:ext>
+          </a:extLst>
+        </p:spPr>
+      </p:pic>
+      <p:sp>
+        <p:nvSpPr>
+          <p:cNvPr id="3" name="ZoneTexte 2"/>
+          <p:cNvSpPr txBox="1"/>
+          <p:nvPr/>
+        </p:nvSpPr>
+        <p:spPr>
+          <a:xfrm>
+            <a:off x="3273459" y="2687419"/>
+            <a:ext cx="1295547" cy="369332"/>
+          </a:xfrm>
+          <a:prstGeom prst="rect">
+            <a:avLst/>
+          </a:prstGeom>
+          <a:solidFill>
+            <a:schemeClr val="bg1"/>
+          </a:solidFill>
+        </p:spPr>
+        <p:txBody>
+          <a:bodyPr wrap="none" rtlCol="0">
+            <a:spAutoFit/>
+          </a:bodyPr>
+          <a:lstStyle/>
+          <a:p>
+            <a:r>
+              <a:rPr lang="fr-FR" smtClean="0"/>
+              <a:t>paiements</a:t>
+            </a:r>
+            <a:endParaRPr lang="fr-FR"/>
+          </a:p>
+        </p:txBody>
+      </p:sp>
+      <p:sp>
+        <p:nvSpPr>
+          <p:cNvPr id="10" name="ZoneTexte 9"/>
+          <p:cNvSpPr txBox="1"/>
+          <p:nvPr/>
+        </p:nvSpPr>
+        <p:spPr>
+          <a:xfrm>
+            <a:off x="4961640" y="2720707"/>
+            <a:ext cx="1059906" cy="369332"/>
+          </a:xfrm>
+          <a:prstGeom prst="rect">
+            <a:avLst/>
+          </a:prstGeom>
+          <a:solidFill>
+            <a:schemeClr val="bg1"/>
+          </a:solidFill>
+        </p:spPr>
+        <p:txBody>
+          <a:bodyPr wrap="none" rtlCol="0">
+            <a:spAutoFit/>
+          </a:bodyPr>
+          <a:lstStyle/>
+          <a:p>
+            <a:r>
+              <a:rPr lang="fr-FR" smtClean="0"/>
+              <a:t>produits</a:t>
+            </a:r>
+            <a:endParaRPr lang="fr-FR"/>
+          </a:p>
+        </p:txBody>
+      </p:sp>
+      <p:sp>
+        <p:nvSpPr>
+          <p:cNvPr id="11" name="ZoneTexte 10"/>
+          <p:cNvSpPr txBox="1"/>
+          <p:nvPr/>
+        </p:nvSpPr>
+        <p:spPr>
+          <a:xfrm>
+            <a:off x="6479010" y="4096221"/>
+            <a:ext cx="1157689" cy="369332"/>
+          </a:xfrm>
+          <a:prstGeom prst="rect">
+            <a:avLst/>
+          </a:prstGeom>
+          <a:solidFill>
+            <a:schemeClr val="bg1"/>
+          </a:solidFill>
+        </p:spPr>
+        <p:txBody>
+          <a:bodyPr wrap="none" rtlCol="0">
+            <a:spAutoFit/>
+          </a:bodyPr>
+          <a:lstStyle/>
+          <a:p>
+            <a:r>
+              <a:rPr lang="fr-FR" smtClean="0"/>
+              <a:t>vendeurs</a:t>
+            </a:r>
+            <a:endParaRPr lang="fr-FR"/>
+          </a:p>
+        </p:txBody>
+      </p:sp>
+      <p:sp>
+        <p:nvSpPr>
+          <p:cNvPr id="12" name="ZoneTexte 11"/>
+          <p:cNvSpPr txBox="1"/>
+          <p:nvPr/>
+        </p:nvSpPr>
+        <p:spPr>
+          <a:xfrm>
+            <a:off x="6486228" y="5507940"/>
+            <a:ext cx="1398140" cy="369332"/>
+          </a:xfrm>
+          <a:prstGeom prst="rect">
+            <a:avLst/>
+          </a:prstGeom>
+          <a:solidFill>
+            <a:schemeClr val="bg1"/>
+          </a:solidFill>
+        </p:spPr>
+        <p:txBody>
+          <a:bodyPr wrap="none" rtlCol="0">
+            <a:spAutoFit/>
+          </a:bodyPr>
+          <a:lstStyle/>
+          <a:p>
+            <a:r>
+              <a:rPr lang="fr-FR" smtClean="0"/>
+              <a:t>localisation</a:t>
+            </a:r>
+            <a:endParaRPr lang="fr-FR"/>
+          </a:p>
+        </p:txBody>
+      </p:sp>
+      <p:sp>
+        <p:nvSpPr>
+          <p:cNvPr id="13" name="ZoneTexte 12"/>
+          <p:cNvSpPr txBox="1"/>
+          <p:nvPr/>
+        </p:nvSpPr>
+        <p:spPr>
+          <a:xfrm>
+            <a:off x="3245281" y="5469046"/>
+            <a:ext cx="888385" cy="369332"/>
+          </a:xfrm>
+          <a:prstGeom prst="rect">
+            <a:avLst/>
+          </a:prstGeom>
+          <a:solidFill>
+            <a:schemeClr val="bg1"/>
+          </a:solidFill>
+        </p:spPr>
+        <p:txBody>
+          <a:bodyPr wrap="none" rtlCol="0">
+            <a:spAutoFit/>
+          </a:bodyPr>
+          <a:lstStyle/>
+          <a:p>
+            <a:r>
+              <a:rPr lang="fr-FR" smtClean="0"/>
+              <a:t>clients</a:t>
+            </a:r>
+            <a:endParaRPr lang="fr-FR"/>
+          </a:p>
+        </p:txBody>
+      </p:sp>
+      <p:sp>
+        <p:nvSpPr>
+          <p:cNvPr id="14" name="ZoneTexte 13"/>
+          <p:cNvSpPr txBox="1"/>
+          <p:nvPr/>
+        </p:nvSpPr>
+        <p:spPr>
+          <a:xfrm>
+            <a:off x="1730408" y="4111302"/>
+            <a:ext cx="603050" cy="369332"/>
+          </a:xfrm>
+          <a:prstGeom prst="rect">
+            <a:avLst/>
+          </a:prstGeom>
+          <a:solidFill>
+            <a:schemeClr val="bg1"/>
+          </a:solidFill>
+        </p:spPr>
+        <p:txBody>
+          <a:bodyPr wrap="none" rtlCol="0">
+            <a:spAutoFit/>
+          </a:bodyPr>
+          <a:lstStyle/>
+          <a:p>
+            <a:r>
+              <a:rPr lang="fr-FR" smtClean="0"/>
+              <a:t>avis</a:t>
+            </a:r>
+            <a:endParaRPr lang="fr-FR"/>
+          </a:p>
+        </p:txBody>
+      </p:sp>
+      <p:sp>
+        <p:nvSpPr>
+          <p:cNvPr id="15" name="ZoneTexte 14"/>
+          <p:cNvSpPr txBox="1"/>
+          <p:nvPr/>
+        </p:nvSpPr>
+        <p:spPr>
+          <a:xfrm>
+            <a:off x="3181190" y="4111302"/>
+            <a:ext cx="1473480" cy="369332"/>
+          </a:xfrm>
+          <a:prstGeom prst="rect">
+            <a:avLst/>
+          </a:prstGeom>
+          <a:solidFill>
+            <a:schemeClr val="bg1"/>
+          </a:solidFill>
+        </p:spPr>
+        <p:txBody>
+          <a:bodyPr wrap="none" rtlCol="0">
+            <a:spAutoFit/>
+          </a:bodyPr>
+          <a:lstStyle/>
+          <a:p>
+            <a:r>
+              <a:rPr lang="fr-FR" smtClean="0"/>
+              <a:t>commandes</a:t>
+            </a:r>
+            <a:endParaRPr lang="fr-FR"/>
+          </a:p>
+        </p:txBody>
+      </p:sp>
+      <p:sp>
+        <p:nvSpPr>
+          <p:cNvPr id="17" name="ZoneTexte 16"/>
+          <p:cNvSpPr txBox="1"/>
+          <p:nvPr/>
+        </p:nvSpPr>
+        <p:spPr>
+          <a:xfrm>
+            <a:off x="4714834" y="4157468"/>
+            <a:ext cx="1553518" cy="646331"/>
+          </a:xfrm>
+          <a:prstGeom prst="rect">
+            <a:avLst/>
+          </a:prstGeom>
+          <a:solidFill>
+            <a:schemeClr val="bg1"/>
+          </a:solidFill>
+        </p:spPr>
+        <p:txBody>
+          <a:bodyPr wrap="square" rtlCol="0">
+            <a:spAutoFit/>
+          </a:bodyPr>
+          <a:lstStyle/>
+          <a:p>
+            <a:r>
+              <a:rPr lang="fr-FR" smtClean="0"/>
+              <a:t>commandes/produits</a:t>
+            </a:r>
+            <a:endParaRPr lang="fr-FR"/>
+          </a:p>
+        </p:txBody>
+      </p:sp>
+    </p:spTree>
+    <p:extLst>
+      <p:ext uri="{BB962C8B-B14F-4D97-AF65-F5344CB8AC3E}">
+        <p14:creationId xmlns:p14="http://schemas.microsoft.com/office/powerpoint/2010/main" val="3699479124"/>
+      </p:ext>
+    </p:extLst>
+  </p:cSld>
+  <p:clrMapOvr>
+    <a:masterClrMapping/>
+  </p:clrMapOvr>
+  <p:timing>
+    <p:tnLst>
+      <p:par>
+        <p:cTn id="1" dur="indefinite" restart="never" nodeType="tmRoot"/>
+      </p:par>
+    </p:tnLst>
+  </p:timing>
+</p:sld>
+</file>
+
 <file path=ppt/slides/slide8.xml><?xml version="1.0" encoding="utf-8"?>
 <p:sld xmlns:a="http://schemas.openxmlformats.org/drawingml/2006/main" xmlns:r="http://schemas.openxmlformats.org/officeDocument/2006/relationships" xmlns:p="http://schemas.openxmlformats.org/presentationml/2006/main">
   <p:cSld>
@@ -8812,19 +13511,45 @@
         </p:nvSpPr>
         <p:spPr>
           <a:xfrm>
-            <a:off x="827584" y="2780928"/>
+            <a:off x="1094408" y="588428"/>
             <a:ext cx="7488832" cy="1066130"/>
           </a:xfrm>
         </p:spPr>
         <p:txBody>
           <a:bodyPr>
-            <a:normAutofit/>
+            <a:normAutofit fontScale="90000"/>
           </a:bodyPr>
           <a:lstStyle/>
           <a:p>
-            <a:r>
-              <a:rPr lang="fr-FR" b="1" smtClean="0"/>
-              <a:t>Questions</a:t>
+            <a:pPr algn="r"/>
+            <a:r>
+              <a:rPr lang="fr-FR" smtClean="0"/>
+              <a:t>Données</a:t>
+            </a:r>
+            <a:r>
+              <a:rPr lang="fr-FR" sz="3200" smtClean="0"/>
+              <a:t/>
+            </a:r>
+            <a:br>
+              <a:rPr lang="fr-FR" sz="3200" smtClean="0"/>
+            </a:br>
+            <a:r>
+              <a:rPr lang="fr-FR" sz="900" smtClean="0"/>
+              <a:t> </a:t>
+            </a:r>
+            <a:r>
+              <a:rPr lang="fr-FR" sz="3200"/>
+              <a:t/>
+            </a:r>
+            <a:br>
+              <a:rPr lang="fr-FR" sz="3200"/>
+            </a:br>
+            <a:r>
+              <a:rPr lang="fr-FR" sz="3100" smtClean="0">
+                <a:latin typeface="Yu Gothic UI Light" panose="020B0300000000000000" pitchFamily="34" charset="-128"/>
+                <a:ea typeface="Yu Gothic UI Light" panose="020B0300000000000000" pitchFamily="34" charset="-128"/>
+              </a:rPr>
+              <a:t>les produits</a:t>
             </a:r>
             <a:endParaRPr lang="fr-FR" sz="3100">
               <a:latin typeface="Yu Gothic UI Light" panose="020B0300000000000000" pitchFamily="34" charset="-128"/>
@@ -8902,10 +13627,333 @@
           </a:p>
         </p:txBody>
       </p:sp>
+      <p:sp>
+        <p:nvSpPr>
+          <p:cNvPr id="7" name="Rectangle 6"/>
+          <p:cNvSpPr/>
+          <p:nvPr/>
+        </p:nvSpPr>
+        <p:spPr>
+          <a:xfrm>
+            <a:off x="2051720" y="2060848"/>
+            <a:ext cx="3007555" cy="923330"/>
+          </a:xfrm>
+          <a:prstGeom prst="rect">
+            <a:avLst/>
+          </a:prstGeom>
+        </p:spPr>
+        <p:txBody>
+          <a:bodyPr wrap="none">
+            <a:spAutoFit/>
+          </a:bodyPr>
+          <a:lstStyle/>
+          <a:p>
+            <a:r>
+              <a:rPr lang="fr-FR" smtClean="0"/>
+              <a:t>Traduction des catégories</a:t>
+            </a:r>
+          </a:p>
+          <a:p>
+            <a:r>
+              <a:rPr lang="fr-FR" smtClean="0"/>
+              <a:t>Les catégories de produits</a:t>
+            </a:r>
+          </a:p>
+          <a:p>
+            <a:r>
+              <a:rPr lang="fr-FR" smtClean="0"/>
+              <a:t>13 classes synthétiques</a:t>
+            </a:r>
+          </a:p>
+        </p:txBody>
+      </p:sp>
+      <p:sp>
+        <p:nvSpPr>
+          <p:cNvPr id="18" name="Rectangle 17"/>
+          <p:cNvSpPr/>
+          <p:nvPr/>
+        </p:nvSpPr>
+        <p:spPr>
+          <a:xfrm>
+            <a:off x="3823854" y="1196959"/>
+            <a:ext cx="4708586" cy="45719"/>
+          </a:xfrm>
+          <a:prstGeom prst="rect">
+            <a:avLst/>
+          </a:prstGeom>
+          <a:gradFill flip="none" rotWithShape="1">
+            <a:gsLst>
+              <a:gs pos="0">
+                <a:srgbClr val="002060"/>
+              </a:gs>
+              <a:gs pos="100000">
+                <a:schemeClr val="accent1">
+                  <a:tint val="23500"/>
+                  <a:satMod val="160000"/>
+                  <a:alpha val="0"/>
+                </a:schemeClr>
+              </a:gs>
+            </a:gsLst>
+            <a:lin ang="10800000" scaled="1"/>
+            <a:tileRect/>
+          </a:gradFill>
+          <a:ln>
+            <a:noFill/>
+          </a:ln>
+        </p:spPr>
+        <p:style>
+          <a:lnRef idx="2">
+            <a:schemeClr val="accent1">
+              <a:shade val="50000"/>
+            </a:schemeClr>
+          </a:lnRef>
+          <a:fillRef idx="1">
+            <a:schemeClr val="accent1"/>
+          </a:fillRef>
+          <a:effectRef idx="0">
+            <a:schemeClr val="accent1"/>
+          </a:effectRef>
+          <a:fontRef idx="minor">
+            <a:schemeClr val="lt1"/>
+          </a:fontRef>
+        </p:style>
+        <p:txBody>
+          <a:bodyPr rtlCol="0" anchor="ctr"/>
+          <a:lstStyle/>
+          <a:p>
+            <a:pPr algn="ctr"/>
+            <a:endParaRPr lang="fr-FR"/>
+          </a:p>
+        </p:txBody>
+      </p:sp>
     </p:spTree>
     <p:extLst>
       <p:ext uri="{BB962C8B-B14F-4D97-AF65-F5344CB8AC3E}">
-        <p14:creationId xmlns:p14="http://schemas.microsoft.com/office/powerpoint/2010/main" val="1568875553"/>
+        <p14:creationId xmlns:p14="http://schemas.microsoft.com/office/powerpoint/2010/main" val="153425170"/>
+      </p:ext>
+    </p:extLst>
+  </p:cSld>
+  <p:clrMapOvr>
+    <a:masterClrMapping/>
+  </p:clrMapOvr>
+  <p:timing>
+    <p:tnLst>
+      <p:par>
+        <p:cTn id="1" dur="indefinite" restart="never" nodeType="tmRoot"/>
+      </p:par>
+    </p:tnLst>
+  </p:timing>
+</p:sld>
+</file>
+
+<file path=ppt/slides/slide9.xml><?xml version="1.0" encoding="utf-8"?>
+<p:sld xmlns:a="http://schemas.openxmlformats.org/drawingml/2006/main" xmlns:r="http://schemas.openxmlformats.org/officeDocument/2006/relationships" xmlns:p="http://schemas.openxmlformats.org/presentationml/2006/main">
+  <p:cSld>
+    <p:spTree>
+      <p:nvGrpSpPr>
+        <p:cNvPr id="1" name=""/>
+        <p:cNvGrpSpPr/>
+        <p:nvPr/>
+      </p:nvGrpSpPr>
+      <p:grpSpPr>
+        <a:xfrm>
+          <a:off x="0" y="0"/>
+          <a:ext cx="0" cy="0"/>
+          <a:chOff x="0" y="0"/>
+          <a:chExt cx="0" cy="0"/>
+        </a:xfrm>
+      </p:grpSpPr>
+      <p:sp>
+        <p:nvSpPr>
+          <p:cNvPr id="2" name="Titre 1"/>
+          <p:cNvSpPr>
+            <a:spLocks noGrp="1"/>
+          </p:cNvSpPr>
+          <p:nvPr>
+            <p:ph type="title"/>
+          </p:nvPr>
+        </p:nvSpPr>
+        <p:spPr>
+          <a:xfrm>
+            <a:off x="1094408" y="588428"/>
+            <a:ext cx="7488832" cy="1066130"/>
+          </a:xfrm>
+        </p:spPr>
+        <p:txBody>
+          <a:bodyPr>
+            <a:normAutofit fontScale="90000"/>
+          </a:bodyPr>
+          <a:lstStyle/>
+          <a:p>
+            <a:pPr algn="r"/>
+            <a:r>
+              <a:rPr lang="fr-FR" smtClean="0"/>
+              <a:t>Données</a:t>
+            </a:r>
+            <a:r>
+              <a:rPr lang="fr-FR" sz="3200" smtClean="0"/>
+              <a:t/>
+            </a:r>
+            <a:br>
+              <a:rPr lang="fr-FR" sz="3200" smtClean="0"/>
+            </a:br>
+            <a:r>
+              <a:rPr lang="fr-FR" sz="900" smtClean="0"/>
+              <a:t> </a:t>
+            </a:r>
+            <a:r>
+              <a:rPr lang="fr-FR" sz="3200"/>
+              <a:t/>
+            </a:r>
+            <a:br>
+              <a:rPr lang="fr-FR" sz="3200"/>
+            </a:br>
+            <a:r>
+              <a:rPr lang="fr-FR" sz="3100" smtClean="0">
+                <a:latin typeface="Yu Gothic UI Light" panose="020B0300000000000000" pitchFamily="34" charset="-128"/>
+                <a:ea typeface="Yu Gothic UI Light" panose="020B0300000000000000" pitchFamily="34" charset="-128"/>
+              </a:rPr>
+              <a:t>les commandes</a:t>
+            </a:r>
+            <a:endParaRPr lang="fr-FR" sz="3100">
+              <a:latin typeface="Yu Gothic UI Light" panose="020B0300000000000000" pitchFamily="34" charset="-128"/>
+              <a:ea typeface="Yu Gothic UI Light" panose="020B0300000000000000" pitchFamily="34" charset="-128"/>
+            </a:endParaRPr>
+          </a:p>
+        </p:txBody>
+      </p:sp>
+      <p:sp>
+        <p:nvSpPr>
+          <p:cNvPr id="4" name="Espace réservé de la date 3"/>
+          <p:cNvSpPr>
+            <a:spLocks noGrp="1"/>
+          </p:cNvSpPr>
+          <p:nvPr>
+            <p:ph type="dt" sz="half" idx="10"/>
+          </p:nvPr>
+        </p:nvSpPr>
+        <p:spPr/>
+        <p:txBody>
+          <a:bodyPr/>
+          <a:lstStyle/>
+          <a:p>
+            <a:r>
+              <a:rPr lang="fr-FR" smtClean="0"/>
+              <a:t>17/06/2020</a:t>
+            </a:r>
+            <a:endParaRPr lang="fr-FR"/>
+          </a:p>
+        </p:txBody>
+      </p:sp>
+      <p:sp>
+        <p:nvSpPr>
+          <p:cNvPr id="5" name="Espace réservé du pied de page 4"/>
+          <p:cNvSpPr>
+            <a:spLocks noGrp="1"/>
+          </p:cNvSpPr>
+          <p:nvPr>
+            <p:ph type="ftr" sz="quarter" idx="11"/>
+          </p:nvPr>
+        </p:nvSpPr>
+        <p:spPr/>
+        <p:txBody>
+          <a:bodyPr/>
+          <a:lstStyle/>
+          <a:p>
+            <a:r>
+              <a:rPr lang="fr-FR" smtClean="0"/>
+              <a:t>Maryse Muller | Parcours Data Scientist</a:t>
+            </a:r>
+            <a:endParaRPr lang="fr-FR"/>
+          </a:p>
+        </p:txBody>
+      </p:sp>
+      <p:sp>
+        <p:nvSpPr>
+          <p:cNvPr id="6" name="Espace réservé du numéro de diapositive 5"/>
+          <p:cNvSpPr>
+            <a:spLocks noGrp="1"/>
+          </p:cNvSpPr>
+          <p:nvPr>
+            <p:ph type="sldNum" sz="quarter" idx="12"/>
+          </p:nvPr>
+        </p:nvSpPr>
+        <p:spPr/>
+        <p:txBody>
+          <a:bodyPr/>
+          <a:lstStyle/>
+          <a:p>
+            <a:fld id="{D384C430-F8FC-4B07-B0BC-750FA1B3CF0A}" type="slidenum">
+              <a:rPr lang="fr-FR" smtClean="0"/>
+              <a:t>9</a:t>
+            </a:fld>
+            <a:endParaRPr lang="fr-FR"/>
+          </a:p>
+        </p:txBody>
+      </p:sp>
+      <p:sp>
+        <p:nvSpPr>
+          <p:cNvPr id="7" name="Rectangle 6"/>
+          <p:cNvSpPr/>
+          <p:nvPr/>
+        </p:nvSpPr>
+        <p:spPr>
+          <a:xfrm>
+            <a:off x="3823854" y="1196959"/>
+            <a:ext cx="4708586" cy="45719"/>
+          </a:xfrm>
+          <a:prstGeom prst="rect">
+            <a:avLst/>
+          </a:prstGeom>
+          <a:gradFill flip="none" rotWithShape="1">
+            <a:gsLst>
+              <a:gs pos="0">
+                <a:srgbClr val="002060"/>
+              </a:gs>
+              <a:gs pos="100000">
+                <a:schemeClr val="accent1">
+                  <a:tint val="23500"/>
+                  <a:satMod val="160000"/>
+                  <a:alpha val="0"/>
+                </a:schemeClr>
+              </a:gs>
+            </a:gsLst>
+            <a:lin ang="10800000" scaled="1"/>
+            <a:tileRect/>
+          </a:gradFill>
+          <a:ln>
+            <a:noFill/>
+          </a:ln>
+        </p:spPr>
+        <p:style>
+          <a:lnRef idx="2">
+            <a:schemeClr val="accent1">
+              <a:shade val="50000"/>
+            </a:schemeClr>
+          </a:lnRef>
+          <a:fillRef idx="1">
+            <a:schemeClr val="accent1"/>
+          </a:fillRef>
+          <a:effectRef idx="0">
+            <a:schemeClr val="accent1"/>
+          </a:effectRef>
+          <a:fontRef idx="minor">
+            <a:schemeClr val="lt1"/>
+          </a:fontRef>
+        </p:style>
+        <p:txBody>
+          <a:bodyPr rtlCol="0" anchor="ctr"/>
+          <a:lstStyle/>
+          <a:p>
+            <a:pPr algn="ctr"/>
+            <a:endParaRPr lang="fr-FR"/>
+          </a:p>
+        </p:txBody>
+      </p:sp>
+    </p:spTree>
+    <p:extLst>
+      <p:ext uri="{BB962C8B-B14F-4D97-AF65-F5344CB8AC3E}">
+        <p14:creationId xmlns:p14="http://schemas.microsoft.com/office/powerpoint/2010/main" val="2396332494"/>
       </p:ext>
     </p:extLst>
   </p:cSld>
